--- a/Lectures/Lecture5/lesson5.pptx
+++ b/Lectures/Lecture5/lesson5.pptx
@@ -5,7 +5,7 @@
     <p:sldMasterId id="2147483648" r:id="rId1"/>
   </p:sldMasterIdLst>
   <p:notesMasterIdLst>
-    <p:notesMasterId r:id="rId28"/>
+    <p:notesMasterId r:id="rId41"/>
   </p:notesMasterIdLst>
   <p:sldIdLst>
     <p:sldId id="256" r:id="rId2"/>
@@ -20,20 +20,33 @@
     <p:sldId id="270" r:id="rId11"/>
     <p:sldId id="271" r:id="rId12"/>
     <p:sldId id="276" r:id="rId13"/>
-    <p:sldId id="274" r:id="rId14"/>
-    <p:sldId id="283" r:id="rId15"/>
-    <p:sldId id="260" r:id="rId16"/>
-    <p:sldId id="261" r:id="rId17"/>
-    <p:sldId id="262" r:id="rId18"/>
-    <p:sldId id="277" r:id="rId19"/>
-    <p:sldId id="263" r:id="rId20"/>
-    <p:sldId id="278" r:id="rId21"/>
-    <p:sldId id="279" r:id="rId22"/>
-    <p:sldId id="264" r:id="rId23"/>
-    <p:sldId id="265" r:id="rId24"/>
-    <p:sldId id="280" r:id="rId25"/>
-    <p:sldId id="281" r:id="rId26"/>
-    <p:sldId id="282" r:id="rId27"/>
+    <p:sldId id="284" r:id="rId14"/>
+    <p:sldId id="285" r:id="rId15"/>
+    <p:sldId id="274" r:id="rId16"/>
+    <p:sldId id="286" r:id="rId17"/>
+    <p:sldId id="283" r:id="rId18"/>
+    <p:sldId id="260" r:id="rId19"/>
+    <p:sldId id="261" r:id="rId20"/>
+    <p:sldId id="262" r:id="rId21"/>
+    <p:sldId id="277" r:id="rId22"/>
+    <p:sldId id="288" r:id="rId23"/>
+    <p:sldId id="263" r:id="rId24"/>
+    <p:sldId id="278" r:id="rId25"/>
+    <p:sldId id="279" r:id="rId26"/>
+    <p:sldId id="264" r:id="rId27"/>
+    <p:sldId id="265" r:id="rId28"/>
+    <p:sldId id="280" r:id="rId29"/>
+    <p:sldId id="281" r:id="rId30"/>
+    <p:sldId id="282" r:id="rId31"/>
+    <p:sldId id="289" r:id="rId32"/>
+    <p:sldId id="292" r:id="rId33"/>
+    <p:sldId id="293" r:id="rId34"/>
+    <p:sldId id="294" r:id="rId35"/>
+    <p:sldId id="295" r:id="rId36"/>
+    <p:sldId id="296" r:id="rId37"/>
+    <p:sldId id="297" r:id="rId38"/>
+    <p:sldId id="298" r:id="rId39"/>
+    <p:sldId id="299" r:id="rId40"/>
   </p:sldIdLst>
   <p:sldSz cx="13004800" cy="9753600"/>
   <p:notesSz cx="6858000" cy="9144000"/>
@@ -526,6 +539,264 @@
 </p:notesMaster>
 </file>
 
+<file path=ppt/notesSlides/notesSlide1.xml><?xml version="1.0" encoding="utf-8"?>
+<p:notes xmlns:a="http://schemas.openxmlformats.org/drawingml/2006/main" xmlns:r="http://schemas.openxmlformats.org/officeDocument/2006/relationships" xmlns:p="http://schemas.openxmlformats.org/presentationml/2006/main">
+  <p:cSld>
+    <p:spTree>
+      <p:nvGrpSpPr>
+        <p:cNvPr id="1" name=""/>
+        <p:cNvGrpSpPr/>
+        <p:nvPr/>
+      </p:nvGrpSpPr>
+      <p:grpSpPr>
+        <a:xfrm>
+          <a:off x="0" y="0"/>
+          <a:ext cx="0" cy="0"/>
+          <a:chOff x="0" y="0"/>
+          <a:chExt cx="0" cy="0"/>
+        </a:xfrm>
+      </p:grpSpPr>
+      <p:sp>
+        <p:nvSpPr>
+          <p:cNvPr id="2" name="Slide Image Placeholder 1"/>
+          <p:cNvSpPr>
+            <a:spLocks noGrp="1" noRot="1" noChangeAspect="1"/>
+          </p:cNvSpPr>
+          <p:nvPr>
+            <p:ph type="sldImg"/>
+          </p:nvPr>
+        </p:nvSpPr>
+        <p:spPr/>
+      </p:sp>
+      <p:sp>
+        <p:nvSpPr>
+          <p:cNvPr id="3" name="Notes Placeholder 2"/>
+          <p:cNvSpPr>
+            <a:spLocks noGrp="1"/>
+          </p:cNvSpPr>
+          <p:nvPr>
+            <p:ph type="body" idx="1"/>
+          </p:nvPr>
+        </p:nvSpPr>
+        <p:spPr/>
+        <p:txBody>
+          <a:bodyPr/>
+          <a:lstStyle/>
+          <a:p>
+            <a:r>
+              <a:rPr lang="en-US" dirty="0"/>
+              <a:t>Create a node project =&gt; </a:t>
+            </a:r>
+            <a:r>
+              <a:rPr lang="en-US" dirty="0" err="1"/>
+              <a:t>npm</a:t>
+            </a:r>
+            <a:r>
+              <a:rPr lang="en-US" dirty="0"/>
+              <a:t> --</a:t>
+            </a:r>
+            <a:r>
+              <a:rPr lang="en-US" dirty="0" err="1"/>
+              <a:t>init</a:t>
+            </a:r>
+            <a:endParaRPr lang="en-US" dirty="0"/>
+          </a:p>
+          <a:p>
+            <a:r>
+              <a:rPr lang="en-US" dirty="0"/>
+              <a:t>Install typescript locally =&gt; </a:t>
+            </a:r>
+            <a:r>
+              <a:rPr lang="en-US" dirty="0" err="1"/>
+              <a:t>npm</a:t>
+            </a:r>
+            <a:r>
+              <a:rPr lang="en-US" dirty="0"/>
+              <a:t> – </a:t>
+            </a:r>
+            <a:r>
+              <a:rPr lang="en-US" dirty="0" err="1"/>
+              <a:t>i</a:t>
+            </a:r>
+            <a:r>
+              <a:rPr lang="en-US" dirty="0"/>
+              <a:t> typescript build-dev</a:t>
+            </a:r>
+          </a:p>
+          <a:p>
+            <a:r>
+              <a:rPr lang="en-US" dirty="0"/>
+              <a:t>Create a typescript project =&gt; </a:t>
+            </a:r>
+            <a:r>
+              <a:rPr lang="en-US" dirty="0" err="1"/>
+              <a:t>tsc</a:t>
+            </a:r>
+            <a:r>
+              <a:rPr lang="en-US" dirty="0"/>
+              <a:t> –</a:t>
+            </a:r>
+            <a:r>
+              <a:rPr lang="en-US" dirty="0" err="1"/>
+              <a:t>init</a:t>
+            </a:r>
+            <a:r>
+              <a:rPr lang="en-US" dirty="0"/>
+              <a:t> </a:t>
+            </a:r>
+          </a:p>
+          <a:p>
+            <a:r>
+              <a:rPr lang="en-US" dirty="0"/>
+              <a:t>Show </a:t>
+            </a:r>
+            <a:r>
+              <a:rPr lang="en-US" dirty="0" err="1"/>
+              <a:t>tsconfig</a:t>
+            </a:r>
+            <a:endParaRPr lang="en-US" dirty="0"/>
+          </a:p>
+          <a:p>
+            <a:r>
+              <a:rPr lang="en-US" dirty="0"/>
+              <a:t>Create a </a:t>
+            </a:r>
+            <a:r>
+              <a:rPr lang="en-US" dirty="0" err="1"/>
+              <a:t>Program.tsx</a:t>
+            </a:r>
+            <a:r>
+              <a:rPr lang="en-US" dirty="0"/>
+              <a:t> file</a:t>
+            </a:r>
+          </a:p>
+          <a:p>
+            <a:r>
+              <a:rPr lang="en-US" dirty="0"/>
+              <a:t>Create an </a:t>
+            </a:r>
+            <a:r>
+              <a:rPr lang="en-US" dirty="0" err="1"/>
+              <a:t>index.html</a:t>
+            </a:r>
+            <a:r>
+              <a:rPr lang="en-US" dirty="0"/>
+              <a:t> page</a:t>
+            </a:r>
+          </a:p>
+          <a:p>
+            <a:r>
+              <a:rPr lang="en-US" dirty="0"/>
+              <a:t>Link </a:t>
+            </a:r>
+            <a:r>
+              <a:rPr lang="en-US" dirty="0" err="1"/>
+              <a:t>Program.js</a:t>
+            </a:r>
+            <a:r>
+              <a:rPr lang="en-US" dirty="0"/>
+              <a:t> to </a:t>
+            </a:r>
+            <a:r>
+              <a:rPr lang="en-US" dirty="0" err="1"/>
+              <a:t>index.html</a:t>
+            </a:r>
+            <a:endParaRPr lang="en-US" dirty="0"/>
+          </a:p>
+          <a:p>
+            <a:endParaRPr lang="en-US" dirty="0"/>
+          </a:p>
+        </p:txBody>
+      </p:sp>
+    </p:spTree>
+    <p:extLst>
+      <p:ext uri="{BB962C8B-B14F-4D97-AF65-F5344CB8AC3E}">
+        <p14:creationId xmlns:p14="http://schemas.microsoft.com/office/powerpoint/2010/main" val="2435107708"/>
+      </p:ext>
+    </p:extLst>
+  </p:cSld>
+  <p:clrMapOvr>
+    <a:masterClrMapping/>
+  </p:clrMapOvr>
+</p:notes>
+</file>
+
+<file path=ppt/notesSlides/notesSlide2.xml><?xml version="1.0" encoding="utf-8"?>
+<p:notes xmlns:a="http://schemas.openxmlformats.org/drawingml/2006/main" xmlns:r="http://schemas.openxmlformats.org/officeDocument/2006/relationships" xmlns:p="http://schemas.openxmlformats.org/presentationml/2006/main">
+  <p:cSld>
+    <p:spTree>
+      <p:nvGrpSpPr>
+        <p:cNvPr id="1" name=""/>
+        <p:cNvGrpSpPr/>
+        <p:nvPr/>
+      </p:nvGrpSpPr>
+      <p:grpSpPr>
+        <a:xfrm>
+          <a:off x="0" y="0"/>
+          <a:ext cx="0" cy="0"/>
+          <a:chOff x="0" y="0"/>
+          <a:chExt cx="0" cy="0"/>
+        </a:xfrm>
+      </p:grpSpPr>
+      <p:sp>
+        <p:nvSpPr>
+          <p:cNvPr id="2" name="Slide Image Placeholder 1"/>
+          <p:cNvSpPr>
+            <a:spLocks noGrp="1" noRot="1" noChangeAspect="1"/>
+          </p:cNvSpPr>
+          <p:nvPr>
+            <p:ph type="sldImg"/>
+          </p:nvPr>
+        </p:nvSpPr>
+        <p:spPr/>
+      </p:sp>
+      <p:sp>
+        <p:nvSpPr>
+          <p:cNvPr id="3" name="Notes Placeholder 2"/>
+          <p:cNvSpPr>
+            <a:spLocks noGrp="1"/>
+          </p:cNvSpPr>
+          <p:nvPr>
+            <p:ph type="body" idx="1"/>
+          </p:nvPr>
+        </p:nvSpPr>
+        <p:spPr/>
+        <p:txBody>
+          <a:bodyPr/>
+          <a:lstStyle/>
+          <a:p>
+            <a:r>
+              <a:rPr lang="en-US" dirty="0"/>
+              <a:t>Show an example of a pipeline for </a:t>
+            </a:r>
+            <a:r>
+              <a:rPr lang="en-US" dirty="0" err="1"/>
+              <a:t>incr</a:t>
+            </a:r>
+            <a:r>
+              <a:rPr lang="en-US" dirty="0"/>
+              <a:t>, double and </a:t>
+            </a:r>
+            <a:r>
+              <a:rPr lang="en-US"/>
+              <a:t>divide functions</a:t>
+            </a:r>
+          </a:p>
+        </p:txBody>
+      </p:sp>
+    </p:spTree>
+    <p:extLst>
+      <p:ext uri="{BB962C8B-B14F-4D97-AF65-F5344CB8AC3E}">
+        <p14:creationId xmlns:p14="http://schemas.microsoft.com/office/powerpoint/2010/main" val="3486199398"/>
+      </p:ext>
+    </p:extLst>
+  </p:cSld>
+  <p:clrMapOvr>
+    <a:masterClrMapping/>
+  </p:clrMapOvr>
+</p:notes>
+</file>
+
 <file path=ppt/slideLayouts/slideLayout1.xml><?xml version="1.0" encoding="utf-8"?>
 <p:sldLayout xmlns:a="http://schemas.openxmlformats.org/drawingml/2006/main" xmlns:r="http://schemas.openxmlformats.org/officeDocument/2006/relationships" xmlns:p="http://schemas.openxmlformats.org/presentationml/2006/main" type="title">
   <p:cSld name="Title &amp; Subtitle">
@@ -2171,7 +2442,7 @@
           </a:ln>
           <a:extLst>
             <a:ext uri="{C572A759-6A51-4108-AA02-DFA0A04FC94B}">
-              <ma14:wrappingTextBoxFlag xmlns="" xmlns:ma14="http://schemas.microsoft.com/office/mac/drawingml/2011/main" val="1"/>
+              <ma14:wrappingTextBoxFlag xmlns:ma14="http://schemas.microsoft.com/office/mac/drawingml/2011/main" xmlns="" val="1"/>
             </a:ext>
           </a:extLst>
         </p:spPr>
@@ -2210,7 +2481,7 @@
           </a:ln>
           <a:extLst>
             <a:ext uri="{C572A759-6A51-4108-AA02-DFA0A04FC94B}">
-              <ma14:wrappingTextBoxFlag xmlns="" xmlns:ma14="http://schemas.microsoft.com/office/mac/drawingml/2011/main" val="1"/>
+              <ma14:wrappingTextBoxFlag xmlns:ma14="http://schemas.microsoft.com/office/mac/drawingml/2011/main" xmlns="" val="1"/>
             </a:ext>
           </a:extLst>
         </p:spPr>
@@ -4004,126 +4275,6 @@
             </a:r>
           </a:p>
           <a:p>
-            <a:pPr lvl="1" fontAlgn="base">
-              <a:lnSpc>
-                <a:spcPct val="150000"/>
-              </a:lnSpc>
-              <a:spcBef>
-                <a:spcPts val="1000"/>
-              </a:spcBef>
-            </a:pPr>
-            <a:r>
-              <a:rPr lang="en-US" sz="2000" dirty="0">
-                <a:solidFill>
-                  <a:srgbClr val="434343"/>
-                </a:solidFill>
-                <a:latin typeface="Calibri" panose="020F0502020204030204" pitchFamily="34" charset="0"/>
-                <a:cs typeface="Calibri" panose="020F0502020204030204" pitchFamily="34" charset="0"/>
-              </a:rPr>
-              <a:t>JS code can </a:t>
-            </a:r>
-            <a:r>
-              <a:rPr lang="en-US" sz="2000" b="1" dirty="0">
-                <a:solidFill>
-                  <a:srgbClr val="434343"/>
-                </a:solidFill>
-                <a:latin typeface="Calibri" panose="020F0502020204030204" pitchFamily="34" charset="0"/>
-                <a:cs typeface="Calibri" panose="020F0502020204030204" pitchFamily="34" charset="0"/>
-              </a:rPr>
-              <a:t>edit</a:t>
-            </a:r>
-            <a:r>
-              <a:rPr lang="en-US" sz="2000" dirty="0">
-                <a:solidFill>
-                  <a:srgbClr val="434343"/>
-                </a:solidFill>
-                <a:latin typeface="Calibri" panose="020F0502020204030204" pitchFamily="34" charset="0"/>
-                <a:cs typeface="Calibri" panose="020F0502020204030204" pitchFamily="34" charset="0"/>
-              </a:rPr>
-              <a:t> the attributes of these nodes to change the attributes of an element</a:t>
-            </a:r>
-          </a:p>
-          <a:p>
-            <a:pPr lvl="2" fontAlgn="base">
-              <a:lnSpc>
-                <a:spcPct val="150000"/>
-              </a:lnSpc>
-              <a:spcBef>
-                <a:spcPts val="1000"/>
-              </a:spcBef>
-            </a:pPr>
-            <a:r>
-              <a:rPr lang="en-US" sz="2000" dirty="0">
-                <a:solidFill>
-                  <a:srgbClr val="434343"/>
-                </a:solidFill>
-                <a:latin typeface="Calibri" panose="020F0502020204030204" pitchFamily="34" charset="0"/>
-                <a:cs typeface="Calibri" panose="020F0502020204030204" pitchFamily="34" charset="0"/>
-              </a:rPr>
-              <a:t>(e.g. to toggle a style or to change the contents of an &lt;h1&gt; tag)</a:t>
-            </a:r>
-          </a:p>
-          <a:p>
-            <a:pPr lvl="1" fontAlgn="base">
-              <a:lnSpc>
-                <a:spcPct val="150000"/>
-              </a:lnSpc>
-              <a:spcBef>
-                <a:spcPts val="1000"/>
-              </a:spcBef>
-            </a:pPr>
-            <a:r>
-              <a:rPr lang="en-US" sz="2000" dirty="0">
-                <a:solidFill>
-                  <a:srgbClr val="434343"/>
-                </a:solidFill>
-                <a:latin typeface="Calibri" panose="020F0502020204030204" pitchFamily="34" charset="0"/>
-                <a:cs typeface="Calibri" panose="020F0502020204030204" pitchFamily="34" charset="0"/>
-              </a:rPr>
-              <a:t>JS code can </a:t>
-            </a:r>
-            <a:r>
-              <a:rPr lang="en-US" sz="2000" b="1" dirty="0">
-                <a:solidFill>
-                  <a:srgbClr val="434343"/>
-                </a:solidFill>
-                <a:latin typeface="Calibri" panose="020F0502020204030204" pitchFamily="34" charset="0"/>
-                <a:cs typeface="Calibri" panose="020F0502020204030204" pitchFamily="34" charset="0"/>
-              </a:rPr>
-              <a:t>add elements</a:t>
-            </a:r>
-            <a:r>
-              <a:rPr lang="en-US" sz="2000" dirty="0">
-                <a:solidFill>
-                  <a:srgbClr val="434343"/>
-                </a:solidFill>
-                <a:latin typeface="Calibri" panose="020F0502020204030204" pitchFamily="34" charset="0"/>
-                <a:cs typeface="Calibri" panose="020F0502020204030204" pitchFamily="34" charset="0"/>
-              </a:rPr>
-              <a:t> to and </a:t>
-            </a:r>
-            <a:r>
-              <a:rPr lang="en-US" sz="2000" b="1" dirty="0">
-                <a:solidFill>
-                  <a:srgbClr val="434343"/>
-                </a:solidFill>
-                <a:latin typeface="Calibri" panose="020F0502020204030204" pitchFamily="34" charset="0"/>
-                <a:cs typeface="Calibri" panose="020F0502020204030204" pitchFamily="34" charset="0"/>
-              </a:rPr>
-              <a:t>remove elements</a:t>
-            </a:r>
-            <a:r>
-              <a:rPr lang="en-US" sz="2000" dirty="0">
-                <a:solidFill>
-                  <a:srgbClr val="434343"/>
-                </a:solidFill>
-                <a:latin typeface="Calibri" panose="020F0502020204030204" pitchFamily="34" charset="0"/>
-                <a:cs typeface="Calibri" panose="020F0502020204030204" pitchFamily="34" charset="0"/>
-              </a:rPr>
-              <a:t> from a web page by adding and removing nodes from the DOM</a:t>
-            </a:r>
-          </a:p>
-          <a:p>
             <a:pPr>
               <a:lnSpc>
                 <a:spcPct val="150000"/>
@@ -4224,21 +4375,63 @@
           </a:bodyPr>
           <a:lstStyle/>
           <a:p>
-            <a:pPr marL="0" indent="0">
-              <a:spcBef>
-                <a:spcPts val="0"/>
-              </a:spcBef>
-              <a:buNone/>
-            </a:pPr>
-            <a:r>
-              <a:rPr lang="en-US" sz="2000" dirty="0">
-                <a:solidFill>
-                  <a:srgbClr val="38761D"/>
-                </a:solidFill>
-                <a:latin typeface="Calibri" panose="020F0502020204030204" pitchFamily="34" charset="0"/>
-                <a:cs typeface="Calibri" panose="020F0502020204030204" pitchFamily="34" charset="0"/>
-              </a:rPr>
-              <a:t>// Returns the DOM object for the HTML element</a:t>
+            <a:pPr>
+              <a:lnSpc>
+                <a:spcPct val="150000"/>
+              </a:lnSpc>
+              <a:spcBef>
+                <a:spcPts val="0"/>
+              </a:spcBef>
+            </a:pPr>
+            <a:r>
+              <a:rPr lang="en-US" sz="2000" dirty="0">
+                <a:solidFill>
+                  <a:srgbClr val="434343"/>
+                </a:solidFill>
+                <a:latin typeface="Calibri" panose="020F0502020204030204" pitchFamily="34" charset="0"/>
+                <a:cs typeface="Calibri" panose="020F0502020204030204" pitchFamily="34" charset="0"/>
+              </a:rPr>
+              <a:t>How does JavaScript perform a change to a DOM element?</a:t>
+            </a:r>
+          </a:p>
+          <a:p>
+            <a:pPr lvl="1">
+              <a:lnSpc>
+                <a:spcPct val="150000"/>
+              </a:lnSpc>
+              <a:spcBef>
+                <a:spcPts val="0"/>
+              </a:spcBef>
+            </a:pPr>
+            <a:r>
+              <a:rPr lang="en-US" sz="2000" dirty="0">
+                <a:solidFill>
+                  <a:srgbClr val="434343"/>
+                </a:solidFill>
+                <a:latin typeface="Calibri" panose="020F0502020204030204" pitchFamily="34" charset="0"/>
+                <a:cs typeface="Calibri" panose="020F0502020204030204" pitchFamily="34" charset="0"/>
+              </a:rPr>
+              <a:t>We know that the DOM is a tree of node objects </a:t>
+            </a:r>
+          </a:p>
+          <a:p>
+            <a:pPr lvl="1">
+              <a:lnSpc>
+                <a:spcPct val="150000"/>
+              </a:lnSpc>
+              <a:spcBef>
+                <a:spcPts val="0"/>
+              </a:spcBef>
+            </a:pPr>
+            <a:r>
+              <a:rPr lang="en-US" sz="2000" dirty="0">
+                <a:solidFill>
+                  <a:srgbClr val="434343"/>
+                </a:solidFill>
+                <a:latin typeface="Calibri" panose="020F0502020204030204" pitchFamily="34" charset="0"/>
+                <a:cs typeface="Calibri" panose="020F0502020204030204" pitchFamily="34" charset="0"/>
+              </a:rPr>
+              <a:t>Each Node object corresponds to the HTML elements on a page.</a:t>
             </a:r>
             <a:endParaRPr lang="en-US" sz="2000" dirty="0">
               <a:latin typeface="Calibri" panose="020F0502020204030204" pitchFamily="34" charset="0"/>
@@ -4246,298 +4439,132 @@
             </a:endParaRPr>
           </a:p>
           <a:p>
-            <a:pPr marL="0" indent="0">
-              <a:spcBef>
-                <a:spcPts val="0"/>
-              </a:spcBef>
-              <a:buNone/>
-            </a:pPr>
-            <a:r>
-              <a:rPr lang="en-US" sz="2000" dirty="0">
-                <a:solidFill>
-                  <a:srgbClr val="38761D"/>
-                </a:solidFill>
-                <a:latin typeface="Calibri" panose="020F0502020204030204" pitchFamily="34" charset="0"/>
-                <a:cs typeface="Calibri" panose="020F0502020204030204" pitchFamily="34" charset="0"/>
-              </a:rPr>
-              <a:t>// with id="button", or null if none exists.</a:t>
-            </a:r>
+            <a:pPr lvl="1" fontAlgn="base">
+              <a:lnSpc>
+                <a:spcPct val="150000"/>
+              </a:lnSpc>
+              <a:spcBef>
+                <a:spcPts val="1000"/>
+              </a:spcBef>
+            </a:pPr>
+            <a:r>
+              <a:rPr lang="en-US" sz="2000" dirty="0">
+                <a:solidFill>
+                  <a:srgbClr val="434343"/>
+                </a:solidFill>
+                <a:latin typeface="Calibri" panose="020F0502020204030204" pitchFamily="34" charset="0"/>
+                <a:cs typeface="Calibri" panose="020F0502020204030204" pitchFamily="34" charset="0"/>
+              </a:rPr>
+              <a:t>JS code can </a:t>
+            </a:r>
+            <a:r>
+              <a:rPr lang="en-US" sz="2000" b="1" dirty="0">
+                <a:solidFill>
+                  <a:srgbClr val="434343"/>
+                </a:solidFill>
+                <a:latin typeface="Calibri" panose="020F0502020204030204" pitchFamily="34" charset="0"/>
+                <a:cs typeface="Calibri" panose="020F0502020204030204" pitchFamily="34" charset="0"/>
+              </a:rPr>
+              <a:t>examine</a:t>
+            </a:r>
+            <a:r>
+              <a:rPr lang="en-US" sz="2000" dirty="0">
+                <a:solidFill>
+                  <a:srgbClr val="434343"/>
+                </a:solidFill>
+                <a:latin typeface="Calibri" panose="020F0502020204030204" pitchFamily="34" charset="0"/>
+                <a:cs typeface="Calibri" panose="020F0502020204030204" pitchFamily="34" charset="0"/>
+              </a:rPr>
+              <a:t> these nodes to see the state of an element</a:t>
+            </a:r>
+          </a:p>
+          <a:p>
+            <a:pPr lvl="2" fontAlgn="base">
+              <a:lnSpc>
+                <a:spcPct val="150000"/>
+              </a:lnSpc>
+              <a:spcBef>
+                <a:spcPts val="1000"/>
+              </a:spcBef>
+            </a:pPr>
+            <a:r>
+              <a:rPr lang="en-US" sz="2000" dirty="0">
+                <a:solidFill>
+                  <a:srgbClr val="434343"/>
+                </a:solidFill>
+                <a:latin typeface="Calibri" panose="020F0502020204030204" pitchFamily="34" charset="0"/>
+                <a:cs typeface="Calibri" panose="020F0502020204030204" pitchFamily="34" charset="0"/>
+              </a:rPr>
+              <a:t>(e.g. to get what the user typed in a text box)</a:t>
+            </a:r>
+          </a:p>
+          <a:p>
+            <a:pPr lvl="1" fontAlgn="base">
+              <a:lnSpc>
+                <a:spcPct val="150000"/>
+              </a:lnSpc>
+              <a:spcBef>
+                <a:spcPts val="1000"/>
+              </a:spcBef>
+            </a:pPr>
+            <a:r>
+              <a:rPr lang="en-US" sz="2000" dirty="0">
+                <a:solidFill>
+                  <a:srgbClr val="434343"/>
+                </a:solidFill>
+                <a:latin typeface="Calibri" panose="020F0502020204030204" pitchFamily="34" charset="0"/>
+                <a:cs typeface="Calibri" panose="020F0502020204030204" pitchFamily="34" charset="0"/>
+              </a:rPr>
+              <a:t>JS code can </a:t>
+            </a:r>
+            <a:r>
+              <a:rPr lang="en-US" sz="2000" b="1" dirty="0">
+                <a:solidFill>
+                  <a:srgbClr val="434343"/>
+                </a:solidFill>
+                <a:latin typeface="Calibri" panose="020F0502020204030204" pitchFamily="34" charset="0"/>
+                <a:cs typeface="Calibri" panose="020F0502020204030204" pitchFamily="34" charset="0"/>
+              </a:rPr>
+              <a:t>edit</a:t>
+            </a:r>
+            <a:r>
+              <a:rPr lang="en-US" sz="2000" dirty="0">
+                <a:solidFill>
+                  <a:srgbClr val="434343"/>
+                </a:solidFill>
+                <a:latin typeface="Calibri" panose="020F0502020204030204" pitchFamily="34" charset="0"/>
+                <a:cs typeface="Calibri" panose="020F0502020204030204" pitchFamily="34" charset="0"/>
+              </a:rPr>
+              <a:t> the attributes of these nodes to change the attributes of an element</a:t>
+            </a:r>
+          </a:p>
+          <a:p>
+            <a:pPr lvl="2" fontAlgn="base">
+              <a:lnSpc>
+                <a:spcPct val="150000"/>
+              </a:lnSpc>
+              <a:spcBef>
+                <a:spcPts val="1000"/>
+              </a:spcBef>
+            </a:pPr>
+            <a:r>
+              <a:rPr lang="en-US" sz="2000" dirty="0">
+                <a:solidFill>
+                  <a:srgbClr val="434343"/>
+                </a:solidFill>
+                <a:latin typeface="Calibri" panose="020F0502020204030204" pitchFamily="34" charset="0"/>
+                <a:cs typeface="Calibri" panose="020F0502020204030204" pitchFamily="34" charset="0"/>
+              </a:rPr>
+              <a:t>(e.g. to toggle a style or to change the contents of an &lt;h1&gt; tag)</a:t>
+            </a:r>
+          </a:p>
+          <a:p>
+            <a:pPr>
+              <a:lnSpc>
+                <a:spcPct val="150000"/>
+              </a:lnSpc>
+            </a:pPr>
             <a:endParaRPr lang="en-US" sz="2000" dirty="0">
-              <a:latin typeface="Calibri" panose="020F0502020204030204" pitchFamily="34" charset="0"/>
-              <a:cs typeface="Calibri" panose="020F0502020204030204" pitchFamily="34" charset="0"/>
-            </a:endParaRPr>
-          </a:p>
-          <a:p>
-            <a:pPr marL="0" indent="0">
-              <a:spcBef>
-                <a:spcPts val="0"/>
-              </a:spcBef>
-              <a:buNone/>
-            </a:pPr>
-            <a:r>
-              <a:rPr lang="en-US" sz="2000" dirty="0">
-                <a:solidFill>
-                  <a:srgbClr val="8959A8"/>
-                </a:solidFill>
-                <a:latin typeface="Calibri" panose="020F0502020204030204" pitchFamily="34" charset="0"/>
-                <a:ea typeface="Menlo"/>
-                <a:cs typeface="Calibri" panose="020F0502020204030204" pitchFamily="34" charset="0"/>
-              </a:rPr>
-              <a:t>let</a:t>
-            </a:r>
-            <a:r>
-              <a:rPr lang="en-US" sz="2000" dirty="0">
-                <a:solidFill>
-                  <a:srgbClr val="434343"/>
-                </a:solidFill>
-                <a:latin typeface="Calibri" panose="020F0502020204030204" pitchFamily="34" charset="0"/>
-                <a:cs typeface="Calibri" panose="020F0502020204030204" pitchFamily="34" charset="0"/>
-              </a:rPr>
-              <a:t> element = </a:t>
-            </a:r>
-            <a:r>
-              <a:rPr lang="en-US" sz="2000" dirty="0" err="1">
-                <a:solidFill>
-                  <a:srgbClr val="0000FF"/>
-                </a:solidFill>
-                <a:latin typeface="Calibri" panose="020F0502020204030204" pitchFamily="34" charset="0"/>
-                <a:cs typeface="Calibri" panose="020F0502020204030204" pitchFamily="34" charset="0"/>
-              </a:rPr>
-              <a:t>document.querySelector</a:t>
-            </a:r>
-            <a:r>
-              <a:rPr lang="en-US" sz="2000" dirty="0">
-                <a:solidFill>
-                  <a:schemeClr val="accent3">
-                    <a:lumMod val="50000"/>
-                  </a:schemeClr>
-                </a:solidFill>
-                <a:latin typeface="Calibri" panose="020F0502020204030204" pitchFamily="34" charset="0"/>
-                <a:cs typeface="Calibri" panose="020F0502020204030204" pitchFamily="34" charset="0"/>
-              </a:rPr>
-              <a:t>( </a:t>
-            </a:r>
-            <a:r>
-              <a:rPr lang="en-US" sz="2000" dirty="0">
-                <a:solidFill>
-                  <a:srgbClr val="FFC000"/>
-                </a:solidFill>
-                <a:latin typeface="Calibri" panose="020F0502020204030204" pitchFamily="34" charset="0"/>
-                <a:cs typeface="Calibri" panose="020F0502020204030204" pitchFamily="34" charset="0"/>
-              </a:rPr>
-              <a:t>‘#button’ </a:t>
-            </a:r>
-            <a:r>
-              <a:rPr lang="en-US" sz="2000" dirty="0">
-                <a:solidFill>
-                  <a:schemeClr val="accent3">
-                    <a:lumMod val="50000"/>
-                  </a:schemeClr>
-                </a:solidFill>
-                <a:latin typeface="Calibri" panose="020F0502020204030204" pitchFamily="34" charset="0"/>
-                <a:cs typeface="Calibri" panose="020F0502020204030204" pitchFamily="34" charset="0"/>
-              </a:rPr>
-              <a:t>);</a:t>
-            </a:r>
-          </a:p>
-          <a:p>
-            <a:pPr marL="0" indent="0">
-              <a:spcBef>
-                <a:spcPts val="0"/>
-              </a:spcBef>
-              <a:buNone/>
-            </a:pPr>
-            <a:br>
-              <a:rPr lang="en-US" sz="2000" dirty="0">
-                <a:latin typeface="Calibri" panose="020F0502020204030204" pitchFamily="34" charset="0"/>
-                <a:cs typeface="Calibri" panose="020F0502020204030204" pitchFamily="34" charset="0"/>
-              </a:rPr>
-            </a:br>
-            <a:br>
-              <a:rPr lang="en-US" sz="2000" dirty="0">
-                <a:latin typeface="Calibri" panose="020F0502020204030204" pitchFamily="34" charset="0"/>
-                <a:cs typeface="Calibri" panose="020F0502020204030204" pitchFamily="34" charset="0"/>
-              </a:rPr>
-            </a:br>
-            <a:r>
-              <a:rPr lang="en-US" sz="2000" dirty="0">
-                <a:solidFill>
-                  <a:srgbClr val="38761D"/>
-                </a:solidFill>
-                <a:latin typeface="Calibri" panose="020F0502020204030204" pitchFamily="34" charset="0"/>
-                <a:cs typeface="Calibri" panose="020F0502020204030204" pitchFamily="34" charset="0"/>
-              </a:rPr>
-              <a:t>// Returns a list of DOM objects containing all </a:t>
-            </a:r>
-            <a:endParaRPr lang="en-US" sz="2000" dirty="0">
-              <a:latin typeface="Calibri" panose="020F0502020204030204" pitchFamily="34" charset="0"/>
-              <a:cs typeface="Calibri" panose="020F0502020204030204" pitchFamily="34" charset="0"/>
-            </a:endParaRPr>
-          </a:p>
-          <a:p>
-            <a:pPr marL="0" indent="0">
-              <a:spcBef>
-                <a:spcPts val="0"/>
-              </a:spcBef>
-              <a:buNone/>
-            </a:pPr>
-            <a:r>
-              <a:rPr lang="en-US" sz="2000" dirty="0">
-                <a:solidFill>
-                  <a:srgbClr val="38761D"/>
-                </a:solidFill>
-                <a:latin typeface="Calibri" panose="020F0502020204030204" pitchFamily="34" charset="0"/>
-                <a:cs typeface="Calibri" panose="020F0502020204030204" pitchFamily="34" charset="0"/>
-              </a:rPr>
-              <a:t>// elements that have a "quote" class AND all</a:t>
-            </a:r>
-            <a:endParaRPr lang="en-US" sz="2000" dirty="0">
-              <a:latin typeface="Calibri" panose="020F0502020204030204" pitchFamily="34" charset="0"/>
-              <a:cs typeface="Calibri" panose="020F0502020204030204" pitchFamily="34" charset="0"/>
-            </a:endParaRPr>
-          </a:p>
-          <a:p>
-            <a:pPr marL="0" indent="0">
-              <a:spcBef>
-                <a:spcPts val="0"/>
-              </a:spcBef>
-              <a:buNone/>
-            </a:pPr>
-            <a:r>
-              <a:rPr lang="en-US" sz="2000" dirty="0">
-                <a:solidFill>
-                  <a:srgbClr val="38761D"/>
-                </a:solidFill>
-                <a:latin typeface="Calibri" panose="020F0502020204030204" pitchFamily="34" charset="0"/>
-                <a:cs typeface="Calibri" panose="020F0502020204030204" pitchFamily="34" charset="0"/>
-              </a:rPr>
-              <a:t>// elements that have a "comment" class.</a:t>
-            </a:r>
-            <a:endParaRPr lang="en-US" sz="2000" dirty="0">
-              <a:latin typeface="Calibri" panose="020F0502020204030204" pitchFamily="34" charset="0"/>
-              <a:cs typeface="Calibri" panose="020F0502020204030204" pitchFamily="34" charset="0"/>
-            </a:endParaRPr>
-          </a:p>
-          <a:p>
-            <a:pPr marL="0" indent="0">
-              <a:spcBef>
-                <a:spcPts val="0"/>
-              </a:spcBef>
-              <a:buNone/>
-            </a:pPr>
-            <a:r>
-              <a:rPr lang="en-US" sz="2000" dirty="0">
-                <a:solidFill>
-                  <a:srgbClr val="8959A8"/>
-                </a:solidFill>
-                <a:latin typeface="Calibri" panose="020F0502020204030204" pitchFamily="34" charset="0"/>
-                <a:ea typeface="Menlo"/>
-                <a:cs typeface="Calibri" panose="020F0502020204030204" pitchFamily="34" charset="0"/>
-              </a:rPr>
-              <a:t>let</a:t>
-            </a:r>
-            <a:r>
-              <a:rPr lang="en-US" sz="2000" dirty="0">
-                <a:solidFill>
-                  <a:srgbClr val="434343"/>
-                </a:solidFill>
-                <a:latin typeface="Calibri" panose="020F0502020204030204" pitchFamily="34" charset="0"/>
-                <a:cs typeface="Calibri" panose="020F0502020204030204" pitchFamily="34" charset="0"/>
-              </a:rPr>
-              <a:t> </a:t>
-            </a:r>
-            <a:r>
-              <a:rPr lang="en-US" sz="2000" dirty="0" err="1">
-                <a:solidFill>
-                  <a:srgbClr val="434343"/>
-                </a:solidFill>
-                <a:latin typeface="Calibri" panose="020F0502020204030204" pitchFamily="34" charset="0"/>
-                <a:cs typeface="Calibri" panose="020F0502020204030204" pitchFamily="34" charset="0"/>
-              </a:rPr>
-              <a:t>elementList</a:t>
-            </a:r>
-            <a:r>
-              <a:rPr lang="en-US" sz="2000" dirty="0">
-                <a:solidFill>
-                  <a:srgbClr val="434343"/>
-                </a:solidFill>
-                <a:latin typeface="Calibri" panose="020F0502020204030204" pitchFamily="34" charset="0"/>
-                <a:cs typeface="Calibri" panose="020F0502020204030204" pitchFamily="34" charset="0"/>
-              </a:rPr>
-              <a:t> </a:t>
-            </a:r>
-            <a:r>
-              <a:rPr lang="en-US" sz="2000" dirty="0">
-                <a:solidFill>
-                  <a:srgbClr val="0000FF"/>
-                </a:solidFill>
-                <a:latin typeface="Calibri" panose="020F0502020204030204" pitchFamily="34" charset="0"/>
-                <a:cs typeface="Calibri" panose="020F0502020204030204" pitchFamily="34" charset="0"/>
-              </a:rPr>
-              <a:t>=  </a:t>
-            </a:r>
-            <a:r>
-              <a:rPr lang="en-US" sz="2000" dirty="0" err="1">
-                <a:solidFill>
-                  <a:srgbClr val="0000FF"/>
-                </a:solidFill>
-                <a:latin typeface="Calibri" panose="020F0502020204030204" pitchFamily="34" charset="0"/>
-                <a:cs typeface="Calibri" panose="020F0502020204030204" pitchFamily="34" charset="0"/>
-              </a:rPr>
-              <a:t>document.querySelectorAll</a:t>
-            </a:r>
-            <a:r>
-              <a:rPr lang="en-US" sz="2000" dirty="0">
-                <a:solidFill>
-                  <a:srgbClr val="434343"/>
-                </a:solidFill>
-                <a:latin typeface="Calibri" panose="020F0502020204030204" pitchFamily="34" charset="0"/>
-                <a:cs typeface="Calibri" panose="020F0502020204030204" pitchFamily="34" charset="0"/>
-              </a:rPr>
-              <a:t>( </a:t>
-            </a:r>
-            <a:r>
-              <a:rPr lang="en-US" sz="2000" dirty="0">
-                <a:solidFill>
-                  <a:srgbClr val="FFC000"/>
-                </a:solidFill>
-                <a:latin typeface="Calibri" panose="020F0502020204030204" pitchFamily="34" charset="0"/>
-                <a:cs typeface="Calibri" panose="020F0502020204030204" pitchFamily="34" charset="0"/>
-              </a:rPr>
-              <a:t>'.quote, .comment’ </a:t>
-            </a:r>
-            <a:r>
-              <a:rPr lang="en-US" sz="2000" dirty="0">
-                <a:solidFill>
-                  <a:srgbClr val="434343"/>
-                </a:solidFill>
-                <a:latin typeface="Calibri" panose="020F0502020204030204" pitchFamily="34" charset="0"/>
-                <a:cs typeface="Calibri" panose="020F0502020204030204" pitchFamily="34" charset="0"/>
-              </a:rPr>
-              <a:t>);</a:t>
-            </a:r>
-            <a:br>
-              <a:rPr lang="en-US" sz="2000" dirty="0">
-                <a:latin typeface="Calibri" panose="020F0502020204030204" pitchFamily="34" charset="0"/>
-                <a:cs typeface="Calibri" panose="020F0502020204030204" pitchFamily="34" charset="0"/>
-              </a:rPr>
-            </a:br>
-            <a:br>
-              <a:rPr lang="en-US" sz="2000" dirty="0">
-                <a:latin typeface="Calibri" panose="020F0502020204030204" pitchFamily="34" charset="0"/>
-                <a:cs typeface="Calibri" panose="020F0502020204030204" pitchFamily="34" charset="0"/>
-              </a:rPr>
-            </a:br>
-            <a:br>
-              <a:rPr lang="en-US" sz="2000" dirty="0">
-                <a:latin typeface="Calibri" panose="020F0502020204030204" pitchFamily="34" charset="0"/>
-                <a:cs typeface="Calibri" panose="020F0502020204030204" pitchFamily="34" charset="0"/>
-              </a:rPr>
-            </a:br>
-            <a:endParaRPr lang="en-US" sz="2000" dirty="0">
-              <a:solidFill>
-                <a:srgbClr val="434343"/>
-              </a:solidFill>
               <a:latin typeface="Calibri" panose="020F0502020204030204" pitchFamily="34" charset="0"/>
               <a:cs typeface="Calibri" panose="020F0502020204030204" pitchFamily="34" charset="0"/>
             </a:endParaRPr>
@@ -4547,7 +4574,7 @@
     </p:spTree>
     <p:extLst>
       <p:ext uri="{BB962C8B-B14F-4D97-AF65-F5344CB8AC3E}">
-        <p14:creationId xmlns:p14="http://schemas.microsoft.com/office/powerpoint/2010/main" val="624604603"/>
+        <p14:creationId xmlns:p14="http://schemas.microsoft.com/office/powerpoint/2010/main" val="3392186395"/>
       </p:ext>
     </p:extLst>
   </p:cSld>
@@ -4603,7 +4630,7 @@
                 <a:latin typeface="Calibri" panose="020F0502020204030204" pitchFamily="34" charset="0"/>
                 <a:cs typeface="Calibri" panose="020F0502020204030204" pitchFamily="34" charset="0"/>
               </a:rPr>
-              <a:t>JavaScript</a:t>
+              <a:t>Document Object Model (DOM)……</a:t>
             </a:r>
             <a:endParaRPr lang="en-US" sz="4000" dirty="0"/>
           </a:p>
@@ -4648,7 +4675,231 @@
                 <a:latin typeface="Calibri" panose="020F0502020204030204" pitchFamily="34" charset="0"/>
                 <a:cs typeface="Calibri" panose="020F0502020204030204" pitchFamily="34" charset="0"/>
               </a:rPr>
-              <a:t>JavaScript is an interpreted programming language. </a:t>
+              <a:t>How does JavaScript perform a change to a DOM element?</a:t>
+            </a:r>
+          </a:p>
+          <a:p>
+            <a:pPr lvl="1">
+              <a:lnSpc>
+                <a:spcPct val="150000"/>
+              </a:lnSpc>
+              <a:spcBef>
+                <a:spcPts val="0"/>
+              </a:spcBef>
+            </a:pPr>
+            <a:r>
+              <a:rPr lang="en-US" sz="2000" dirty="0">
+                <a:solidFill>
+                  <a:srgbClr val="434343"/>
+                </a:solidFill>
+                <a:latin typeface="Calibri" panose="020F0502020204030204" pitchFamily="34" charset="0"/>
+                <a:cs typeface="Calibri" panose="020F0502020204030204" pitchFamily="34" charset="0"/>
+              </a:rPr>
+              <a:t>We know that the DOM is a tree of node objects </a:t>
+            </a:r>
+          </a:p>
+          <a:p>
+            <a:pPr lvl="1">
+              <a:lnSpc>
+                <a:spcPct val="150000"/>
+              </a:lnSpc>
+              <a:spcBef>
+                <a:spcPts val="0"/>
+              </a:spcBef>
+            </a:pPr>
+            <a:r>
+              <a:rPr lang="en-US" sz="2000" dirty="0">
+                <a:solidFill>
+                  <a:srgbClr val="434343"/>
+                </a:solidFill>
+                <a:latin typeface="Calibri" panose="020F0502020204030204" pitchFamily="34" charset="0"/>
+                <a:cs typeface="Calibri" panose="020F0502020204030204" pitchFamily="34" charset="0"/>
+              </a:rPr>
+              <a:t>Each Node object corresponds to the HTML elements on a page.</a:t>
+            </a:r>
+            <a:endParaRPr lang="en-US" sz="2000" dirty="0">
+              <a:latin typeface="Calibri" panose="020F0502020204030204" pitchFamily="34" charset="0"/>
+              <a:cs typeface="Calibri" panose="020F0502020204030204" pitchFamily="34" charset="0"/>
+            </a:endParaRPr>
+          </a:p>
+          <a:p>
+            <a:pPr lvl="1" fontAlgn="base">
+              <a:lnSpc>
+                <a:spcPct val="150000"/>
+              </a:lnSpc>
+              <a:spcBef>
+                <a:spcPts val="1000"/>
+              </a:spcBef>
+            </a:pPr>
+            <a:r>
+              <a:rPr lang="en-US" sz="2000" dirty="0">
+                <a:solidFill>
+                  <a:srgbClr val="434343"/>
+                </a:solidFill>
+                <a:latin typeface="Calibri" panose="020F0502020204030204" pitchFamily="34" charset="0"/>
+                <a:cs typeface="Calibri" panose="020F0502020204030204" pitchFamily="34" charset="0"/>
+              </a:rPr>
+              <a:t>JS code can </a:t>
+            </a:r>
+            <a:r>
+              <a:rPr lang="en-US" sz="2000" b="1" dirty="0">
+                <a:solidFill>
+                  <a:srgbClr val="434343"/>
+                </a:solidFill>
+                <a:latin typeface="Calibri" panose="020F0502020204030204" pitchFamily="34" charset="0"/>
+                <a:cs typeface="Calibri" panose="020F0502020204030204" pitchFamily="34" charset="0"/>
+              </a:rPr>
+              <a:t>examine</a:t>
+            </a:r>
+            <a:r>
+              <a:rPr lang="en-US" sz="2000" dirty="0">
+                <a:solidFill>
+                  <a:srgbClr val="434343"/>
+                </a:solidFill>
+                <a:latin typeface="Calibri" panose="020F0502020204030204" pitchFamily="34" charset="0"/>
+                <a:cs typeface="Calibri" panose="020F0502020204030204" pitchFamily="34" charset="0"/>
+              </a:rPr>
+              <a:t> these nodes to see the state of an element</a:t>
+            </a:r>
+          </a:p>
+          <a:p>
+            <a:pPr lvl="2" fontAlgn="base">
+              <a:lnSpc>
+                <a:spcPct val="150000"/>
+              </a:lnSpc>
+              <a:spcBef>
+                <a:spcPts val="1000"/>
+              </a:spcBef>
+            </a:pPr>
+            <a:r>
+              <a:rPr lang="en-US" sz="2000" dirty="0">
+                <a:solidFill>
+                  <a:srgbClr val="434343"/>
+                </a:solidFill>
+                <a:latin typeface="Calibri" panose="020F0502020204030204" pitchFamily="34" charset="0"/>
+                <a:cs typeface="Calibri" panose="020F0502020204030204" pitchFamily="34" charset="0"/>
+              </a:rPr>
+              <a:t>(e.g. to get what the user typed in a text box)</a:t>
+            </a:r>
+          </a:p>
+          <a:p>
+            <a:pPr lvl="1" fontAlgn="base">
+              <a:lnSpc>
+                <a:spcPct val="150000"/>
+              </a:lnSpc>
+              <a:spcBef>
+                <a:spcPts val="1000"/>
+              </a:spcBef>
+            </a:pPr>
+            <a:r>
+              <a:rPr lang="en-US" sz="2000" dirty="0">
+                <a:solidFill>
+                  <a:srgbClr val="434343"/>
+                </a:solidFill>
+                <a:latin typeface="Calibri" panose="020F0502020204030204" pitchFamily="34" charset="0"/>
+                <a:cs typeface="Calibri" panose="020F0502020204030204" pitchFamily="34" charset="0"/>
+              </a:rPr>
+              <a:t>JS code can </a:t>
+            </a:r>
+            <a:r>
+              <a:rPr lang="en-US" sz="2000" b="1" dirty="0">
+                <a:solidFill>
+                  <a:srgbClr val="434343"/>
+                </a:solidFill>
+                <a:latin typeface="Calibri" panose="020F0502020204030204" pitchFamily="34" charset="0"/>
+                <a:cs typeface="Calibri" panose="020F0502020204030204" pitchFamily="34" charset="0"/>
+              </a:rPr>
+              <a:t>edit</a:t>
+            </a:r>
+            <a:r>
+              <a:rPr lang="en-US" sz="2000" dirty="0">
+                <a:solidFill>
+                  <a:srgbClr val="434343"/>
+                </a:solidFill>
+                <a:latin typeface="Calibri" panose="020F0502020204030204" pitchFamily="34" charset="0"/>
+                <a:cs typeface="Calibri" panose="020F0502020204030204" pitchFamily="34" charset="0"/>
+              </a:rPr>
+              <a:t> the attributes of these nodes to change the attributes of an element</a:t>
+            </a:r>
+          </a:p>
+          <a:p>
+            <a:pPr lvl="2" fontAlgn="base">
+              <a:lnSpc>
+                <a:spcPct val="150000"/>
+              </a:lnSpc>
+              <a:spcBef>
+                <a:spcPts val="1000"/>
+              </a:spcBef>
+            </a:pPr>
+            <a:r>
+              <a:rPr lang="en-US" sz="2000" dirty="0">
+                <a:solidFill>
+                  <a:srgbClr val="434343"/>
+                </a:solidFill>
+                <a:latin typeface="Calibri" panose="020F0502020204030204" pitchFamily="34" charset="0"/>
+                <a:cs typeface="Calibri" panose="020F0502020204030204" pitchFamily="34" charset="0"/>
+              </a:rPr>
+              <a:t>(e.g. to toggle a style or to change the contents of an &lt;h1&gt; tag)</a:t>
+            </a:r>
+          </a:p>
+          <a:p>
+            <a:pPr lvl="1" fontAlgn="base">
+              <a:lnSpc>
+                <a:spcPct val="150000"/>
+              </a:lnSpc>
+              <a:spcBef>
+                <a:spcPts val="1000"/>
+              </a:spcBef>
+            </a:pPr>
+            <a:r>
+              <a:rPr lang="en-US" sz="2000" dirty="0">
+                <a:solidFill>
+                  <a:srgbClr val="434343"/>
+                </a:solidFill>
+                <a:latin typeface="Calibri" panose="020F0502020204030204" pitchFamily="34" charset="0"/>
+                <a:cs typeface="Calibri" panose="020F0502020204030204" pitchFamily="34" charset="0"/>
+              </a:rPr>
+              <a:t>JS code can </a:t>
+            </a:r>
+            <a:r>
+              <a:rPr lang="en-US" sz="2000" b="1" dirty="0">
+                <a:solidFill>
+                  <a:srgbClr val="434343"/>
+                </a:solidFill>
+                <a:latin typeface="Calibri" panose="020F0502020204030204" pitchFamily="34" charset="0"/>
+                <a:cs typeface="Calibri" panose="020F0502020204030204" pitchFamily="34" charset="0"/>
+              </a:rPr>
+              <a:t>add elements</a:t>
+            </a:r>
+            <a:r>
+              <a:rPr lang="en-US" sz="2000" dirty="0">
+                <a:solidFill>
+                  <a:srgbClr val="434343"/>
+                </a:solidFill>
+                <a:latin typeface="Calibri" panose="020F0502020204030204" pitchFamily="34" charset="0"/>
+                <a:cs typeface="Calibri" panose="020F0502020204030204" pitchFamily="34" charset="0"/>
+              </a:rPr>
+              <a:t> to and </a:t>
+            </a:r>
+            <a:r>
+              <a:rPr lang="en-US" sz="2000" b="1" dirty="0">
+                <a:solidFill>
+                  <a:srgbClr val="434343"/>
+                </a:solidFill>
+                <a:latin typeface="Calibri" panose="020F0502020204030204" pitchFamily="34" charset="0"/>
+                <a:cs typeface="Calibri" panose="020F0502020204030204" pitchFamily="34" charset="0"/>
+              </a:rPr>
+              <a:t>remove elements</a:t>
+            </a:r>
+            <a:r>
+              <a:rPr lang="en-US" sz="2000" dirty="0">
+                <a:solidFill>
+                  <a:srgbClr val="434343"/>
+                </a:solidFill>
+                <a:latin typeface="Calibri" panose="020F0502020204030204" pitchFamily="34" charset="0"/>
+                <a:cs typeface="Calibri" panose="020F0502020204030204" pitchFamily="34" charset="0"/>
+              </a:rPr>
+              <a:t> from a web page by adding and removing nodes from the DOM</a:t>
             </a:r>
           </a:p>
           <a:p>
@@ -4656,10 +4907,163 @@
               <a:lnSpc>
                 <a:spcPct val="150000"/>
               </a:lnSpc>
-              <a:spcBef>
-                <a:spcPts val="0"/>
-              </a:spcBef>
-            </a:pPr>
+            </a:pPr>
+            <a:endParaRPr lang="en-US" sz="2000" dirty="0">
+              <a:latin typeface="Calibri" panose="020F0502020204030204" pitchFamily="34" charset="0"/>
+              <a:cs typeface="Calibri" panose="020F0502020204030204" pitchFamily="34" charset="0"/>
+            </a:endParaRPr>
+          </a:p>
+        </p:txBody>
+      </p:sp>
+    </p:spTree>
+    <p:extLst>
+      <p:ext uri="{BB962C8B-B14F-4D97-AF65-F5344CB8AC3E}">
+        <p14:creationId xmlns:p14="http://schemas.microsoft.com/office/powerpoint/2010/main" val="1707334250"/>
+      </p:ext>
+    </p:extLst>
+  </p:cSld>
+  <p:clrMapOvr>
+    <a:masterClrMapping/>
+  </p:clrMapOvr>
+  <p:transition spd="med"/>
+</p:sld>
+</file>
+
+<file path=ppt/slides/slide15.xml><?xml version="1.0" encoding="utf-8"?>
+<p:sld xmlns:a="http://schemas.openxmlformats.org/drawingml/2006/main" xmlns:r="http://schemas.openxmlformats.org/officeDocument/2006/relationships" xmlns:p="http://schemas.openxmlformats.org/presentationml/2006/main">
+  <p:cSld>
+    <p:spTree>
+      <p:nvGrpSpPr>
+        <p:cNvPr id="1" name=""/>
+        <p:cNvGrpSpPr/>
+        <p:nvPr/>
+      </p:nvGrpSpPr>
+      <p:grpSpPr>
+        <a:xfrm>
+          <a:off x="0" y="0"/>
+          <a:ext cx="0" cy="0"/>
+          <a:chOff x="0" y="0"/>
+          <a:chExt cx="0" cy="0"/>
+        </a:xfrm>
+      </p:grpSpPr>
+      <p:sp>
+        <p:nvSpPr>
+          <p:cNvPr id="5" name="Title 4">
+            <a:extLst>
+              <a:ext uri="{FF2B5EF4-FFF2-40B4-BE49-F238E27FC236}">
+                <a16:creationId xmlns:a16="http://schemas.microsoft.com/office/drawing/2014/main" id="{B5B47666-51E4-6F4E-8E54-4C44DA8215C4}"/>
+              </a:ext>
+            </a:extLst>
+          </p:cNvPr>
+          <p:cNvSpPr>
+            <a:spLocks noGrp="1"/>
+          </p:cNvSpPr>
+          <p:nvPr>
+            <p:ph type="title"/>
+          </p:nvPr>
+        </p:nvSpPr>
+        <p:spPr/>
+        <p:txBody>
+          <a:bodyPr>
+            <a:normAutofit/>
+          </a:bodyPr>
+          <a:lstStyle/>
+          <a:p>
+            <a:r>
+              <a:rPr lang="en-US" sz="4000" dirty="0">
+                <a:latin typeface="Calibri" panose="020F0502020204030204" pitchFamily="34" charset="0"/>
+                <a:cs typeface="Calibri" panose="020F0502020204030204" pitchFamily="34" charset="0"/>
+              </a:rPr>
+              <a:t>Document Object Model (DOM)……</a:t>
+            </a:r>
+            <a:endParaRPr lang="en-US" sz="4000" dirty="0"/>
+          </a:p>
+        </p:txBody>
+      </p:sp>
+      <p:sp>
+        <p:nvSpPr>
+          <p:cNvPr id="6" name="Text Placeholder 5">
+            <a:extLst>
+              <a:ext uri="{FF2B5EF4-FFF2-40B4-BE49-F238E27FC236}">
+                <a16:creationId xmlns:a16="http://schemas.microsoft.com/office/drawing/2014/main" id="{810C8F93-16F5-AA46-88E2-15A98C7B6706}"/>
+              </a:ext>
+            </a:extLst>
+          </p:cNvPr>
+          <p:cNvSpPr>
+            <a:spLocks noGrp="1"/>
+          </p:cNvSpPr>
+          <p:nvPr>
+            <p:ph type="body" idx="1"/>
+          </p:nvPr>
+        </p:nvSpPr>
+        <p:spPr/>
+        <p:txBody>
+          <a:bodyPr anchor="t">
+            <a:normAutofit/>
+          </a:bodyPr>
+          <a:lstStyle/>
+          <a:p>
+            <a:pPr marL="0" indent="0">
+              <a:spcBef>
+                <a:spcPts val="0"/>
+              </a:spcBef>
+              <a:buNone/>
+            </a:pPr>
+            <a:r>
+              <a:rPr lang="en-US" sz="2000" dirty="0">
+                <a:solidFill>
+                  <a:srgbClr val="38761D"/>
+                </a:solidFill>
+                <a:latin typeface="Calibri" panose="020F0502020204030204" pitchFamily="34" charset="0"/>
+                <a:cs typeface="Calibri" panose="020F0502020204030204" pitchFamily="34" charset="0"/>
+              </a:rPr>
+              <a:t>// Returns the DOM object for the HTML element</a:t>
+            </a:r>
+            <a:endParaRPr lang="en-US" sz="2000" dirty="0">
+              <a:latin typeface="Calibri" panose="020F0502020204030204" pitchFamily="34" charset="0"/>
+              <a:cs typeface="Calibri" panose="020F0502020204030204" pitchFamily="34" charset="0"/>
+            </a:endParaRPr>
+          </a:p>
+          <a:p>
+            <a:pPr marL="0" indent="0">
+              <a:spcBef>
+                <a:spcPts val="0"/>
+              </a:spcBef>
+              <a:buNone/>
+            </a:pPr>
+            <a:r>
+              <a:rPr lang="en-US" sz="2000" dirty="0">
+                <a:solidFill>
+                  <a:srgbClr val="38761D"/>
+                </a:solidFill>
+                <a:latin typeface="Calibri" panose="020F0502020204030204" pitchFamily="34" charset="0"/>
+                <a:cs typeface="Calibri" panose="020F0502020204030204" pitchFamily="34" charset="0"/>
+              </a:rPr>
+              <a:t>// with id="button", or null if none exists.</a:t>
+            </a:r>
+            <a:endParaRPr lang="en-US" sz="2000" dirty="0">
+              <a:latin typeface="Calibri" panose="020F0502020204030204" pitchFamily="34" charset="0"/>
+              <a:cs typeface="Calibri" panose="020F0502020204030204" pitchFamily="34" charset="0"/>
+            </a:endParaRPr>
+          </a:p>
+          <a:p>
+            <a:pPr marL="0" indent="0">
+              <a:spcBef>
+                <a:spcPts val="0"/>
+              </a:spcBef>
+              <a:buNone/>
+            </a:pPr>
+            <a:r>
+              <a:rPr lang="en-US" sz="2000" dirty="0">
+                <a:solidFill>
+                  <a:srgbClr val="8959A8"/>
+                </a:solidFill>
+                <a:latin typeface="Calibri" panose="020F0502020204030204" pitchFamily="34" charset="0"/>
+                <a:ea typeface="Menlo"/>
+                <a:cs typeface="Calibri" panose="020F0502020204030204" pitchFamily="34" charset="0"/>
+              </a:rPr>
+              <a:t>let</a:t>
+            </a:r>
             <a:r>
               <a:rPr lang="en-US" sz="2000" dirty="0">
                 <a:solidFill>
@@ -4668,39 +5072,18 @@
                 <a:latin typeface="Calibri" panose="020F0502020204030204" pitchFamily="34" charset="0"/>
                 <a:cs typeface="Calibri" panose="020F0502020204030204" pitchFamily="34" charset="0"/>
               </a:rPr>
-              <a:t>It is also dynamically typed</a:t>
-            </a:r>
-          </a:p>
-          <a:p>
-            <a:pPr lvl="1">
-              <a:lnSpc>
-                <a:spcPct val="150000"/>
-              </a:lnSpc>
-              <a:spcBef>
-                <a:spcPts val="0"/>
-              </a:spcBef>
-            </a:pPr>
-            <a:r>
-              <a:rPr lang="en-US" sz="2000" dirty="0">
-                <a:solidFill>
-                  <a:srgbClr val="434343"/>
-                </a:solidFill>
-                <a:latin typeface="Calibri" panose="020F0502020204030204" pitchFamily="34" charset="0"/>
-                <a:cs typeface="Calibri" panose="020F0502020204030204" pitchFamily="34" charset="0"/>
-              </a:rPr>
-              <a:t>Type modification happens at runtime</a:t>
-            </a:r>
-          </a:p>
-          <a:p>
-            <a:pPr marL="0" indent="0">
-              <a:lnSpc>
-                <a:spcPct val="150000"/>
-              </a:lnSpc>
-              <a:spcBef>
-                <a:spcPts val="0"/>
-              </a:spcBef>
-              <a:buNone/>
-            </a:pPr>
+              <a:t> element = </a:t>
+            </a:r>
+            <a:r>
+              <a:rPr lang="en-US" sz="2000" dirty="0" err="1">
+                <a:solidFill>
+                  <a:srgbClr val="0000FF"/>
+                </a:solidFill>
+                <a:latin typeface="Calibri" panose="020F0502020204030204" pitchFamily="34" charset="0"/>
+                <a:cs typeface="Calibri" panose="020F0502020204030204" pitchFamily="34" charset="0"/>
+              </a:rPr>
+              <a:t>document.querySelector</a:t>
+            </a:r>
             <a:r>
               <a:rPr lang="en-US" sz="2000" dirty="0">
                 <a:solidFill>
@@ -4711,50 +5094,18 @@
                 <a:latin typeface="Calibri" panose="020F0502020204030204" pitchFamily="34" charset="0"/>
                 <a:cs typeface="Calibri" panose="020F0502020204030204" pitchFamily="34" charset="0"/>
               </a:rPr>
-              <a:t>// Type of x is integer</a:t>
-            </a:r>
-          </a:p>
-          <a:p>
-            <a:pPr marL="0" indent="0">
-              <a:lnSpc>
-                <a:spcPct val="150000"/>
-              </a:lnSpc>
-              <a:spcBef>
-                <a:spcPts val="0"/>
-              </a:spcBef>
-              <a:buNone/>
-            </a:pPr>
-            <a:r>
-              <a:rPr lang="en-US" sz="2000" dirty="0" err="1">
-                <a:solidFill>
-                  <a:srgbClr val="7030A0"/>
-                </a:solidFill>
-                <a:latin typeface="Calibri" panose="020F0502020204030204" pitchFamily="34" charset="0"/>
-                <a:cs typeface="Calibri" panose="020F0502020204030204" pitchFamily="34" charset="0"/>
-              </a:rPr>
-              <a:t>var</a:t>
-            </a:r>
-            <a:r>
-              <a:rPr lang="en-US" sz="2000" dirty="0">
-                <a:solidFill>
-                  <a:srgbClr val="434343"/>
-                </a:solidFill>
-                <a:latin typeface="Calibri" panose="020F0502020204030204" pitchFamily="34" charset="0"/>
-                <a:cs typeface="Calibri" panose="020F0502020204030204" pitchFamily="34" charset="0"/>
-              </a:rPr>
-              <a:t> foo = 123;</a:t>
-            </a:r>
-          </a:p>
-          <a:p>
-            <a:pPr marL="0" indent="0">
-              <a:lnSpc>
-                <a:spcPct val="150000"/>
-              </a:lnSpc>
-              <a:spcBef>
-                <a:spcPts val="0"/>
-              </a:spcBef>
-              <a:buNone/>
-            </a:pPr>
+              <a:t>( </a:t>
+            </a:r>
+            <a:r>
+              <a:rPr lang="en-US" sz="2000" dirty="0">
+                <a:solidFill>
+                  <a:srgbClr val="FFC000"/>
+                </a:solidFill>
+                <a:latin typeface="Calibri" panose="020F0502020204030204" pitchFamily="34" charset="0"/>
+                <a:cs typeface="Calibri" panose="020F0502020204030204" pitchFamily="34" charset="0"/>
+              </a:rPr>
+              <a:t>‘#button’ </a:t>
+            </a:r>
             <a:r>
               <a:rPr lang="en-US" sz="2000" dirty="0">
                 <a:solidFill>
@@ -4765,6 +5116,921 @@
                 <a:latin typeface="Calibri" panose="020F0502020204030204" pitchFamily="34" charset="0"/>
                 <a:cs typeface="Calibri" panose="020F0502020204030204" pitchFamily="34" charset="0"/>
               </a:rPr>
+              <a:t>);</a:t>
+            </a:r>
+          </a:p>
+          <a:p>
+            <a:pPr marL="0" indent="0">
+              <a:spcBef>
+                <a:spcPts val="0"/>
+              </a:spcBef>
+              <a:buNone/>
+            </a:pPr>
+            <a:endParaRPr lang="en-US" sz="2000" dirty="0">
+              <a:solidFill>
+                <a:schemeClr val="accent3">
+                  <a:lumMod val="50000"/>
+                </a:schemeClr>
+              </a:solidFill>
+              <a:latin typeface="Calibri" panose="020F0502020204030204" pitchFamily="34" charset="0"/>
+              <a:cs typeface="Calibri" panose="020F0502020204030204" pitchFamily="34" charset="0"/>
+            </a:endParaRPr>
+          </a:p>
+          <a:p>
+            <a:pPr marL="0" indent="0">
+              <a:spcBef>
+                <a:spcPts val="0"/>
+              </a:spcBef>
+              <a:buNone/>
+            </a:pPr>
+            <a:r>
+              <a:rPr lang="en-US" sz="2000" dirty="0">
+                <a:solidFill>
+                  <a:srgbClr val="7030A0"/>
+                </a:solidFill>
+                <a:latin typeface="Calibri" panose="020F0502020204030204" pitchFamily="34" charset="0"/>
+                <a:cs typeface="Calibri" panose="020F0502020204030204" pitchFamily="34" charset="0"/>
+              </a:rPr>
+              <a:t>&lt;button id= </a:t>
+            </a:r>
+            <a:r>
+              <a:rPr lang="en-US" sz="2000" dirty="0">
+                <a:solidFill>
+                  <a:srgbClr val="FFC000"/>
+                </a:solidFill>
+                <a:latin typeface="Calibri" panose="020F0502020204030204" pitchFamily="34" charset="0"/>
+                <a:cs typeface="Calibri" panose="020F0502020204030204" pitchFamily="34" charset="0"/>
+              </a:rPr>
+              <a:t>“button”</a:t>
+            </a:r>
+            <a:r>
+              <a:rPr lang="en-US" sz="2000" dirty="0">
+                <a:solidFill>
+                  <a:srgbClr val="7030A0"/>
+                </a:solidFill>
+                <a:latin typeface="Calibri" panose="020F0502020204030204" pitchFamily="34" charset="0"/>
+                <a:cs typeface="Calibri" panose="020F0502020204030204" pitchFamily="34" charset="0"/>
+              </a:rPr>
+              <a:t> &gt;</a:t>
+            </a:r>
+            <a:r>
+              <a:rPr lang="en-US" sz="2000" dirty="0">
+                <a:solidFill>
+                  <a:schemeClr val="tx1"/>
+                </a:solidFill>
+                <a:latin typeface="Calibri" panose="020F0502020204030204" pitchFamily="34" charset="0"/>
+                <a:cs typeface="Calibri" panose="020F0502020204030204" pitchFamily="34" charset="0"/>
+              </a:rPr>
+              <a:t>Send</a:t>
+            </a:r>
+            <a:r>
+              <a:rPr lang="en-US" sz="2000" dirty="0">
+                <a:solidFill>
+                  <a:srgbClr val="7030A0"/>
+                </a:solidFill>
+                <a:latin typeface="Calibri" panose="020F0502020204030204" pitchFamily="34" charset="0"/>
+                <a:cs typeface="Calibri" panose="020F0502020204030204" pitchFamily="34" charset="0"/>
+              </a:rPr>
+              <a:t>&lt;/button&gt;</a:t>
+            </a:r>
+          </a:p>
+          <a:p>
+            <a:pPr marL="0" indent="0">
+              <a:spcBef>
+                <a:spcPts val="0"/>
+              </a:spcBef>
+              <a:buNone/>
+            </a:pPr>
+            <a:endParaRPr lang="en-US" sz="2000" dirty="0">
+              <a:solidFill>
+                <a:srgbClr val="434343"/>
+              </a:solidFill>
+              <a:latin typeface="Calibri" panose="020F0502020204030204" pitchFamily="34" charset="0"/>
+              <a:cs typeface="Calibri" panose="020F0502020204030204" pitchFamily="34" charset="0"/>
+            </a:endParaRPr>
+          </a:p>
+        </p:txBody>
+      </p:sp>
+    </p:spTree>
+    <p:extLst>
+      <p:ext uri="{BB962C8B-B14F-4D97-AF65-F5344CB8AC3E}">
+        <p14:creationId xmlns:p14="http://schemas.microsoft.com/office/powerpoint/2010/main" val="624604603"/>
+      </p:ext>
+    </p:extLst>
+  </p:cSld>
+  <p:clrMapOvr>
+    <a:masterClrMapping/>
+  </p:clrMapOvr>
+  <p:transition spd="med"/>
+</p:sld>
+</file>
+
+<file path=ppt/slides/slide16.xml><?xml version="1.0" encoding="utf-8"?>
+<p:sld xmlns:a="http://schemas.openxmlformats.org/drawingml/2006/main" xmlns:r="http://schemas.openxmlformats.org/officeDocument/2006/relationships" xmlns:p="http://schemas.openxmlformats.org/presentationml/2006/main">
+  <p:cSld>
+    <p:spTree>
+      <p:nvGrpSpPr>
+        <p:cNvPr id="1" name=""/>
+        <p:cNvGrpSpPr/>
+        <p:nvPr/>
+      </p:nvGrpSpPr>
+      <p:grpSpPr>
+        <a:xfrm>
+          <a:off x="0" y="0"/>
+          <a:ext cx="0" cy="0"/>
+          <a:chOff x="0" y="0"/>
+          <a:chExt cx="0" cy="0"/>
+        </a:xfrm>
+      </p:grpSpPr>
+      <p:sp>
+        <p:nvSpPr>
+          <p:cNvPr id="5" name="Title 4">
+            <a:extLst>
+              <a:ext uri="{FF2B5EF4-FFF2-40B4-BE49-F238E27FC236}">
+                <a16:creationId xmlns:a16="http://schemas.microsoft.com/office/drawing/2014/main" id="{B5B47666-51E4-6F4E-8E54-4C44DA8215C4}"/>
+              </a:ext>
+            </a:extLst>
+          </p:cNvPr>
+          <p:cNvSpPr>
+            <a:spLocks noGrp="1"/>
+          </p:cNvSpPr>
+          <p:nvPr>
+            <p:ph type="title"/>
+          </p:nvPr>
+        </p:nvSpPr>
+        <p:spPr/>
+        <p:txBody>
+          <a:bodyPr>
+            <a:normAutofit/>
+          </a:bodyPr>
+          <a:lstStyle/>
+          <a:p>
+            <a:r>
+              <a:rPr lang="en-US" sz="4000" dirty="0">
+                <a:latin typeface="Calibri" panose="020F0502020204030204" pitchFamily="34" charset="0"/>
+                <a:cs typeface="Calibri" panose="020F0502020204030204" pitchFamily="34" charset="0"/>
+              </a:rPr>
+              <a:t>Document Object Model (DOM)……</a:t>
+            </a:r>
+            <a:endParaRPr lang="en-US" sz="4000" dirty="0"/>
+          </a:p>
+        </p:txBody>
+      </p:sp>
+      <p:sp>
+        <p:nvSpPr>
+          <p:cNvPr id="6" name="Text Placeholder 5">
+            <a:extLst>
+              <a:ext uri="{FF2B5EF4-FFF2-40B4-BE49-F238E27FC236}">
+                <a16:creationId xmlns:a16="http://schemas.microsoft.com/office/drawing/2014/main" id="{810C8F93-16F5-AA46-88E2-15A98C7B6706}"/>
+              </a:ext>
+            </a:extLst>
+          </p:cNvPr>
+          <p:cNvSpPr>
+            <a:spLocks noGrp="1"/>
+          </p:cNvSpPr>
+          <p:nvPr>
+            <p:ph type="body" idx="1"/>
+          </p:nvPr>
+        </p:nvSpPr>
+        <p:spPr/>
+        <p:txBody>
+          <a:bodyPr anchor="t">
+            <a:normAutofit/>
+          </a:bodyPr>
+          <a:lstStyle/>
+          <a:p>
+            <a:pPr marL="0" indent="0">
+              <a:spcBef>
+                <a:spcPts val="0"/>
+              </a:spcBef>
+              <a:buNone/>
+            </a:pPr>
+            <a:r>
+              <a:rPr lang="en-US" sz="2000" dirty="0">
+                <a:solidFill>
+                  <a:srgbClr val="38761D"/>
+                </a:solidFill>
+                <a:latin typeface="Calibri" panose="020F0502020204030204" pitchFamily="34" charset="0"/>
+                <a:cs typeface="Calibri" panose="020F0502020204030204" pitchFamily="34" charset="0"/>
+              </a:rPr>
+              <a:t>// Returns the DOM object for the HTML element</a:t>
+            </a:r>
+            <a:endParaRPr lang="en-US" sz="2000" dirty="0">
+              <a:latin typeface="Calibri" panose="020F0502020204030204" pitchFamily="34" charset="0"/>
+              <a:cs typeface="Calibri" panose="020F0502020204030204" pitchFamily="34" charset="0"/>
+            </a:endParaRPr>
+          </a:p>
+          <a:p>
+            <a:pPr marL="0" indent="0">
+              <a:spcBef>
+                <a:spcPts val="0"/>
+              </a:spcBef>
+              <a:buNone/>
+            </a:pPr>
+            <a:r>
+              <a:rPr lang="en-US" sz="2000" dirty="0">
+                <a:solidFill>
+                  <a:srgbClr val="38761D"/>
+                </a:solidFill>
+                <a:latin typeface="Calibri" panose="020F0502020204030204" pitchFamily="34" charset="0"/>
+                <a:cs typeface="Calibri" panose="020F0502020204030204" pitchFamily="34" charset="0"/>
+              </a:rPr>
+              <a:t>// with id="button", or null if none exists.</a:t>
+            </a:r>
+            <a:endParaRPr lang="en-US" sz="2000" dirty="0">
+              <a:latin typeface="Calibri" panose="020F0502020204030204" pitchFamily="34" charset="0"/>
+              <a:cs typeface="Calibri" panose="020F0502020204030204" pitchFamily="34" charset="0"/>
+            </a:endParaRPr>
+          </a:p>
+          <a:p>
+            <a:pPr marL="0" indent="0">
+              <a:spcBef>
+                <a:spcPts val="0"/>
+              </a:spcBef>
+              <a:buNone/>
+            </a:pPr>
+            <a:r>
+              <a:rPr lang="en-US" sz="2000" dirty="0">
+                <a:solidFill>
+                  <a:srgbClr val="8959A8"/>
+                </a:solidFill>
+                <a:latin typeface="Calibri" panose="020F0502020204030204" pitchFamily="34" charset="0"/>
+                <a:ea typeface="Menlo"/>
+                <a:cs typeface="Calibri" panose="020F0502020204030204" pitchFamily="34" charset="0"/>
+              </a:rPr>
+              <a:t>let</a:t>
+            </a:r>
+            <a:r>
+              <a:rPr lang="en-US" sz="2000" dirty="0">
+                <a:solidFill>
+                  <a:srgbClr val="434343"/>
+                </a:solidFill>
+                <a:latin typeface="Calibri" panose="020F0502020204030204" pitchFamily="34" charset="0"/>
+                <a:cs typeface="Calibri" panose="020F0502020204030204" pitchFamily="34" charset="0"/>
+              </a:rPr>
+              <a:t> element = </a:t>
+            </a:r>
+            <a:r>
+              <a:rPr lang="en-US" sz="2000" dirty="0" err="1">
+                <a:solidFill>
+                  <a:srgbClr val="0000FF"/>
+                </a:solidFill>
+                <a:latin typeface="Calibri" panose="020F0502020204030204" pitchFamily="34" charset="0"/>
+                <a:cs typeface="Calibri" panose="020F0502020204030204" pitchFamily="34" charset="0"/>
+              </a:rPr>
+              <a:t>document.querySelector</a:t>
+            </a:r>
+            <a:r>
+              <a:rPr lang="en-US" sz="2000" dirty="0">
+                <a:solidFill>
+                  <a:schemeClr val="accent3">
+                    <a:lumMod val="50000"/>
+                  </a:schemeClr>
+                </a:solidFill>
+                <a:latin typeface="Calibri" panose="020F0502020204030204" pitchFamily="34" charset="0"/>
+                <a:cs typeface="Calibri" panose="020F0502020204030204" pitchFamily="34" charset="0"/>
+              </a:rPr>
+              <a:t>( </a:t>
+            </a:r>
+            <a:r>
+              <a:rPr lang="en-US" sz="2000" dirty="0">
+                <a:solidFill>
+                  <a:srgbClr val="FFC000"/>
+                </a:solidFill>
+                <a:latin typeface="Calibri" panose="020F0502020204030204" pitchFamily="34" charset="0"/>
+                <a:cs typeface="Calibri" panose="020F0502020204030204" pitchFamily="34" charset="0"/>
+              </a:rPr>
+              <a:t>‘#button’ </a:t>
+            </a:r>
+            <a:r>
+              <a:rPr lang="en-US" sz="2000" dirty="0">
+                <a:solidFill>
+                  <a:schemeClr val="accent3">
+                    <a:lumMod val="50000"/>
+                  </a:schemeClr>
+                </a:solidFill>
+                <a:latin typeface="Calibri" panose="020F0502020204030204" pitchFamily="34" charset="0"/>
+                <a:cs typeface="Calibri" panose="020F0502020204030204" pitchFamily="34" charset="0"/>
+              </a:rPr>
+              <a:t>);</a:t>
+            </a:r>
+          </a:p>
+          <a:p>
+            <a:pPr marL="0" indent="0">
+              <a:spcBef>
+                <a:spcPts val="0"/>
+              </a:spcBef>
+              <a:buNone/>
+            </a:pPr>
+            <a:endParaRPr lang="en-US" sz="2000" dirty="0">
+              <a:solidFill>
+                <a:schemeClr val="accent3">
+                  <a:lumMod val="50000"/>
+                </a:schemeClr>
+              </a:solidFill>
+              <a:latin typeface="Calibri" panose="020F0502020204030204" pitchFamily="34" charset="0"/>
+              <a:cs typeface="Calibri" panose="020F0502020204030204" pitchFamily="34" charset="0"/>
+            </a:endParaRPr>
+          </a:p>
+          <a:p>
+            <a:pPr marL="0" indent="0">
+              <a:spcBef>
+                <a:spcPts val="0"/>
+              </a:spcBef>
+              <a:buNone/>
+            </a:pPr>
+            <a:r>
+              <a:rPr lang="en-US" sz="2000" dirty="0">
+                <a:solidFill>
+                  <a:srgbClr val="7030A0"/>
+                </a:solidFill>
+                <a:latin typeface="Calibri" panose="020F0502020204030204" pitchFamily="34" charset="0"/>
+                <a:cs typeface="Calibri" panose="020F0502020204030204" pitchFamily="34" charset="0"/>
+              </a:rPr>
+              <a:t>&lt;button id= </a:t>
+            </a:r>
+            <a:r>
+              <a:rPr lang="en-US" sz="2000" dirty="0">
+                <a:solidFill>
+                  <a:srgbClr val="FFC000"/>
+                </a:solidFill>
+                <a:latin typeface="Calibri" panose="020F0502020204030204" pitchFamily="34" charset="0"/>
+                <a:cs typeface="Calibri" panose="020F0502020204030204" pitchFamily="34" charset="0"/>
+              </a:rPr>
+              <a:t>“button”</a:t>
+            </a:r>
+            <a:r>
+              <a:rPr lang="en-US" sz="2000" dirty="0">
+                <a:solidFill>
+                  <a:srgbClr val="7030A0"/>
+                </a:solidFill>
+                <a:latin typeface="Calibri" panose="020F0502020204030204" pitchFamily="34" charset="0"/>
+                <a:cs typeface="Calibri" panose="020F0502020204030204" pitchFamily="34" charset="0"/>
+              </a:rPr>
+              <a:t> &gt;</a:t>
+            </a:r>
+            <a:r>
+              <a:rPr lang="en-US" sz="2000" dirty="0">
+                <a:solidFill>
+                  <a:schemeClr val="tx1"/>
+                </a:solidFill>
+                <a:latin typeface="Calibri" panose="020F0502020204030204" pitchFamily="34" charset="0"/>
+                <a:cs typeface="Calibri" panose="020F0502020204030204" pitchFamily="34" charset="0"/>
+              </a:rPr>
+              <a:t>Send</a:t>
+            </a:r>
+            <a:r>
+              <a:rPr lang="en-US" sz="2000" dirty="0">
+                <a:solidFill>
+                  <a:srgbClr val="7030A0"/>
+                </a:solidFill>
+                <a:latin typeface="Calibri" panose="020F0502020204030204" pitchFamily="34" charset="0"/>
+                <a:cs typeface="Calibri" panose="020F0502020204030204" pitchFamily="34" charset="0"/>
+              </a:rPr>
+              <a:t>&lt;/button&gt;</a:t>
+            </a:r>
+          </a:p>
+          <a:p>
+            <a:pPr marL="0" indent="0">
+              <a:spcBef>
+                <a:spcPts val="0"/>
+              </a:spcBef>
+              <a:buNone/>
+            </a:pPr>
+            <a:br>
+              <a:rPr lang="en-US" sz="2000" dirty="0">
+                <a:latin typeface="Calibri" panose="020F0502020204030204" pitchFamily="34" charset="0"/>
+                <a:cs typeface="Calibri" panose="020F0502020204030204" pitchFamily="34" charset="0"/>
+              </a:rPr>
+            </a:br>
+            <a:br>
+              <a:rPr lang="en-US" sz="2000" dirty="0">
+                <a:latin typeface="Calibri" panose="020F0502020204030204" pitchFamily="34" charset="0"/>
+                <a:cs typeface="Calibri" panose="020F0502020204030204" pitchFamily="34" charset="0"/>
+              </a:rPr>
+            </a:br>
+            <a:r>
+              <a:rPr lang="en-US" sz="2000" dirty="0">
+                <a:solidFill>
+                  <a:srgbClr val="38761D"/>
+                </a:solidFill>
+                <a:latin typeface="Calibri" panose="020F0502020204030204" pitchFamily="34" charset="0"/>
+                <a:cs typeface="Calibri" panose="020F0502020204030204" pitchFamily="34" charset="0"/>
+              </a:rPr>
+              <a:t>// Returns a list of DOM objects containing all </a:t>
+            </a:r>
+            <a:endParaRPr lang="en-US" sz="2000" dirty="0">
+              <a:latin typeface="Calibri" panose="020F0502020204030204" pitchFamily="34" charset="0"/>
+              <a:cs typeface="Calibri" panose="020F0502020204030204" pitchFamily="34" charset="0"/>
+            </a:endParaRPr>
+          </a:p>
+          <a:p>
+            <a:pPr marL="0" indent="0">
+              <a:spcBef>
+                <a:spcPts val="0"/>
+              </a:spcBef>
+              <a:buNone/>
+            </a:pPr>
+            <a:r>
+              <a:rPr lang="en-US" sz="2000" dirty="0">
+                <a:solidFill>
+                  <a:srgbClr val="38761D"/>
+                </a:solidFill>
+                <a:latin typeface="Calibri" panose="020F0502020204030204" pitchFamily="34" charset="0"/>
+                <a:cs typeface="Calibri" panose="020F0502020204030204" pitchFamily="34" charset="0"/>
+              </a:rPr>
+              <a:t>// elements that have a "quote" class AND all</a:t>
+            </a:r>
+            <a:endParaRPr lang="en-US" sz="2000" dirty="0">
+              <a:latin typeface="Calibri" panose="020F0502020204030204" pitchFamily="34" charset="0"/>
+              <a:cs typeface="Calibri" panose="020F0502020204030204" pitchFamily="34" charset="0"/>
+            </a:endParaRPr>
+          </a:p>
+          <a:p>
+            <a:pPr marL="0" indent="0">
+              <a:spcBef>
+                <a:spcPts val="0"/>
+              </a:spcBef>
+              <a:buNone/>
+            </a:pPr>
+            <a:r>
+              <a:rPr lang="en-US" sz="2000" dirty="0">
+                <a:solidFill>
+                  <a:srgbClr val="38761D"/>
+                </a:solidFill>
+                <a:latin typeface="Calibri" panose="020F0502020204030204" pitchFamily="34" charset="0"/>
+                <a:cs typeface="Calibri" panose="020F0502020204030204" pitchFamily="34" charset="0"/>
+              </a:rPr>
+              <a:t>// elements that have a "comment" class.</a:t>
+            </a:r>
+            <a:endParaRPr lang="en-US" sz="2000" dirty="0">
+              <a:latin typeface="Calibri" panose="020F0502020204030204" pitchFamily="34" charset="0"/>
+              <a:cs typeface="Calibri" panose="020F0502020204030204" pitchFamily="34" charset="0"/>
+            </a:endParaRPr>
+          </a:p>
+          <a:p>
+            <a:pPr marL="0" indent="0">
+              <a:spcBef>
+                <a:spcPts val="0"/>
+              </a:spcBef>
+              <a:buNone/>
+            </a:pPr>
+            <a:r>
+              <a:rPr lang="en-US" sz="2000" dirty="0">
+                <a:solidFill>
+                  <a:srgbClr val="8959A8"/>
+                </a:solidFill>
+                <a:latin typeface="Calibri" panose="020F0502020204030204" pitchFamily="34" charset="0"/>
+                <a:ea typeface="Menlo"/>
+                <a:cs typeface="Calibri" panose="020F0502020204030204" pitchFamily="34" charset="0"/>
+              </a:rPr>
+              <a:t>let</a:t>
+            </a:r>
+            <a:r>
+              <a:rPr lang="en-US" sz="2000" dirty="0">
+                <a:solidFill>
+                  <a:srgbClr val="434343"/>
+                </a:solidFill>
+                <a:latin typeface="Calibri" panose="020F0502020204030204" pitchFamily="34" charset="0"/>
+                <a:cs typeface="Calibri" panose="020F0502020204030204" pitchFamily="34" charset="0"/>
+              </a:rPr>
+              <a:t> </a:t>
+            </a:r>
+            <a:r>
+              <a:rPr lang="en-US" sz="2000" dirty="0" err="1">
+                <a:solidFill>
+                  <a:srgbClr val="434343"/>
+                </a:solidFill>
+                <a:latin typeface="Calibri" panose="020F0502020204030204" pitchFamily="34" charset="0"/>
+                <a:cs typeface="Calibri" panose="020F0502020204030204" pitchFamily="34" charset="0"/>
+              </a:rPr>
+              <a:t>elementList</a:t>
+            </a:r>
+            <a:r>
+              <a:rPr lang="en-US" sz="2000" dirty="0">
+                <a:solidFill>
+                  <a:srgbClr val="434343"/>
+                </a:solidFill>
+                <a:latin typeface="Calibri" panose="020F0502020204030204" pitchFamily="34" charset="0"/>
+                <a:cs typeface="Calibri" panose="020F0502020204030204" pitchFamily="34" charset="0"/>
+              </a:rPr>
+              <a:t> </a:t>
+            </a:r>
+            <a:r>
+              <a:rPr lang="en-US" sz="2000" dirty="0">
+                <a:solidFill>
+                  <a:srgbClr val="0000FF"/>
+                </a:solidFill>
+                <a:latin typeface="Calibri" panose="020F0502020204030204" pitchFamily="34" charset="0"/>
+                <a:cs typeface="Calibri" panose="020F0502020204030204" pitchFamily="34" charset="0"/>
+              </a:rPr>
+              <a:t>=  </a:t>
+            </a:r>
+            <a:r>
+              <a:rPr lang="en-US" sz="2000" dirty="0" err="1">
+                <a:solidFill>
+                  <a:srgbClr val="0000FF"/>
+                </a:solidFill>
+                <a:latin typeface="Calibri" panose="020F0502020204030204" pitchFamily="34" charset="0"/>
+                <a:cs typeface="Calibri" panose="020F0502020204030204" pitchFamily="34" charset="0"/>
+              </a:rPr>
+              <a:t>document.querySelectorAll</a:t>
+            </a:r>
+            <a:r>
+              <a:rPr lang="en-US" sz="2000" dirty="0">
+                <a:solidFill>
+                  <a:srgbClr val="434343"/>
+                </a:solidFill>
+                <a:latin typeface="Calibri" panose="020F0502020204030204" pitchFamily="34" charset="0"/>
+                <a:cs typeface="Calibri" panose="020F0502020204030204" pitchFamily="34" charset="0"/>
+              </a:rPr>
+              <a:t>( </a:t>
+            </a:r>
+            <a:r>
+              <a:rPr lang="en-US" sz="2000" dirty="0">
+                <a:solidFill>
+                  <a:srgbClr val="FFC000"/>
+                </a:solidFill>
+                <a:latin typeface="Calibri" panose="020F0502020204030204" pitchFamily="34" charset="0"/>
+                <a:cs typeface="Calibri" panose="020F0502020204030204" pitchFamily="34" charset="0"/>
+              </a:rPr>
+              <a:t>'.quote, .comment’ </a:t>
+            </a:r>
+            <a:r>
+              <a:rPr lang="en-US" sz="2000" dirty="0">
+                <a:solidFill>
+                  <a:srgbClr val="434343"/>
+                </a:solidFill>
+                <a:latin typeface="Calibri" panose="020F0502020204030204" pitchFamily="34" charset="0"/>
+                <a:cs typeface="Calibri" panose="020F0502020204030204" pitchFamily="34" charset="0"/>
+              </a:rPr>
+              <a:t>);</a:t>
+            </a:r>
+            <a:br>
+              <a:rPr lang="en-US" sz="2000" dirty="0">
+                <a:latin typeface="Calibri" panose="020F0502020204030204" pitchFamily="34" charset="0"/>
+                <a:cs typeface="Calibri" panose="020F0502020204030204" pitchFamily="34" charset="0"/>
+              </a:rPr>
+            </a:br>
+            <a:br>
+              <a:rPr lang="en-US" sz="2000" dirty="0">
+                <a:latin typeface="Calibri" panose="020F0502020204030204" pitchFamily="34" charset="0"/>
+                <a:cs typeface="Calibri" panose="020F0502020204030204" pitchFamily="34" charset="0"/>
+              </a:rPr>
+            </a:br>
+            <a:br>
+              <a:rPr lang="en-US" sz="2000" dirty="0">
+                <a:latin typeface="Calibri" panose="020F0502020204030204" pitchFamily="34" charset="0"/>
+                <a:cs typeface="Calibri" panose="020F0502020204030204" pitchFamily="34" charset="0"/>
+              </a:rPr>
+            </a:br>
+            <a:r>
+              <a:rPr lang="en-US" sz="2000" dirty="0">
+                <a:solidFill>
+                  <a:srgbClr val="7030A0"/>
+                </a:solidFill>
+                <a:latin typeface="Calibri" panose="020F0502020204030204" pitchFamily="34" charset="0"/>
+                <a:cs typeface="Calibri" panose="020F0502020204030204" pitchFamily="34" charset="0"/>
+              </a:rPr>
+              <a:t>&lt;button class= </a:t>
+            </a:r>
+            <a:r>
+              <a:rPr lang="en-US" sz="2000" dirty="0">
+                <a:solidFill>
+                  <a:srgbClr val="FFC000"/>
+                </a:solidFill>
+                <a:latin typeface="Calibri" panose="020F0502020204030204" pitchFamily="34" charset="0"/>
+                <a:cs typeface="Calibri" panose="020F0502020204030204" pitchFamily="34" charset="0"/>
+              </a:rPr>
+              <a:t>“button”</a:t>
+            </a:r>
+            <a:r>
+              <a:rPr lang="en-US" sz="2000" dirty="0">
+                <a:solidFill>
+                  <a:srgbClr val="7030A0"/>
+                </a:solidFill>
+                <a:latin typeface="Calibri" panose="020F0502020204030204" pitchFamily="34" charset="0"/>
+                <a:cs typeface="Calibri" panose="020F0502020204030204" pitchFamily="34" charset="0"/>
+              </a:rPr>
+              <a:t> &gt;</a:t>
+            </a:r>
+            <a:r>
+              <a:rPr lang="en-US" sz="2000" dirty="0">
+                <a:solidFill>
+                  <a:schemeClr val="tx1"/>
+                </a:solidFill>
+                <a:latin typeface="Calibri" panose="020F0502020204030204" pitchFamily="34" charset="0"/>
+                <a:cs typeface="Calibri" panose="020F0502020204030204" pitchFamily="34" charset="0"/>
+              </a:rPr>
+              <a:t>Send</a:t>
+            </a:r>
+            <a:r>
+              <a:rPr lang="en-US" sz="2000" dirty="0">
+                <a:solidFill>
+                  <a:srgbClr val="7030A0"/>
+                </a:solidFill>
+                <a:latin typeface="Calibri" panose="020F0502020204030204" pitchFamily="34" charset="0"/>
+                <a:cs typeface="Calibri" panose="020F0502020204030204" pitchFamily="34" charset="0"/>
+              </a:rPr>
+              <a:t>&lt;/button&gt;</a:t>
+            </a:r>
+          </a:p>
+          <a:p>
+            <a:pPr marL="0" indent="0">
+              <a:spcBef>
+                <a:spcPts val="0"/>
+              </a:spcBef>
+              <a:buNone/>
+            </a:pPr>
+            <a:r>
+              <a:rPr lang="en-US" sz="2000" dirty="0">
+                <a:solidFill>
+                  <a:srgbClr val="7030A0"/>
+                </a:solidFill>
+                <a:latin typeface="Calibri" panose="020F0502020204030204" pitchFamily="34" charset="0"/>
+                <a:cs typeface="Calibri" panose="020F0502020204030204" pitchFamily="34" charset="0"/>
+              </a:rPr>
+              <a:t>&lt;button class= </a:t>
+            </a:r>
+            <a:r>
+              <a:rPr lang="en-US" sz="2000" dirty="0">
+                <a:solidFill>
+                  <a:srgbClr val="FFC000"/>
+                </a:solidFill>
+                <a:latin typeface="Calibri" panose="020F0502020204030204" pitchFamily="34" charset="0"/>
+                <a:cs typeface="Calibri" panose="020F0502020204030204" pitchFamily="34" charset="0"/>
+              </a:rPr>
+              <a:t>“button”</a:t>
+            </a:r>
+            <a:r>
+              <a:rPr lang="en-US" sz="2000" dirty="0">
+                <a:solidFill>
+                  <a:srgbClr val="7030A0"/>
+                </a:solidFill>
+                <a:latin typeface="Calibri" panose="020F0502020204030204" pitchFamily="34" charset="0"/>
+                <a:cs typeface="Calibri" panose="020F0502020204030204" pitchFamily="34" charset="0"/>
+              </a:rPr>
+              <a:t> &gt;</a:t>
+            </a:r>
+            <a:r>
+              <a:rPr lang="en-US" sz="2000" dirty="0">
+                <a:solidFill>
+                  <a:schemeClr val="tx1"/>
+                </a:solidFill>
+                <a:latin typeface="Calibri" panose="020F0502020204030204" pitchFamily="34" charset="0"/>
+                <a:cs typeface="Calibri" panose="020F0502020204030204" pitchFamily="34" charset="0"/>
+              </a:rPr>
+              <a:t>Send</a:t>
+            </a:r>
+            <a:r>
+              <a:rPr lang="en-US" sz="2000" dirty="0">
+                <a:solidFill>
+                  <a:srgbClr val="7030A0"/>
+                </a:solidFill>
+                <a:latin typeface="Calibri" panose="020F0502020204030204" pitchFamily="34" charset="0"/>
+                <a:cs typeface="Calibri" panose="020F0502020204030204" pitchFamily="34" charset="0"/>
+              </a:rPr>
+              <a:t>&lt;/button&gt;</a:t>
+            </a:r>
+          </a:p>
+          <a:p>
+            <a:pPr marL="0" indent="0">
+              <a:spcBef>
+                <a:spcPts val="0"/>
+              </a:spcBef>
+              <a:buNone/>
+            </a:pPr>
+            <a:endParaRPr lang="en-US" sz="2000" dirty="0">
+              <a:solidFill>
+                <a:srgbClr val="434343"/>
+              </a:solidFill>
+              <a:latin typeface="Calibri" panose="020F0502020204030204" pitchFamily="34" charset="0"/>
+              <a:cs typeface="Calibri" panose="020F0502020204030204" pitchFamily="34" charset="0"/>
+            </a:endParaRPr>
+          </a:p>
+        </p:txBody>
+      </p:sp>
+    </p:spTree>
+    <p:extLst>
+      <p:ext uri="{BB962C8B-B14F-4D97-AF65-F5344CB8AC3E}">
+        <p14:creationId xmlns:p14="http://schemas.microsoft.com/office/powerpoint/2010/main" val="2247797859"/>
+      </p:ext>
+    </p:extLst>
+  </p:cSld>
+  <p:clrMapOvr>
+    <a:masterClrMapping/>
+  </p:clrMapOvr>
+  <p:transition spd="med"/>
+</p:sld>
+</file>
+
+<file path=ppt/slides/slide17.xml><?xml version="1.0" encoding="utf-8"?>
+<p:sld xmlns:a="http://schemas.openxmlformats.org/drawingml/2006/main" xmlns:r="http://schemas.openxmlformats.org/officeDocument/2006/relationships" xmlns:p="http://schemas.openxmlformats.org/presentationml/2006/main">
+  <p:cSld>
+    <p:spTree>
+      <p:nvGrpSpPr>
+        <p:cNvPr id="1" name=""/>
+        <p:cNvGrpSpPr/>
+        <p:nvPr/>
+      </p:nvGrpSpPr>
+      <p:grpSpPr>
+        <a:xfrm>
+          <a:off x="0" y="0"/>
+          <a:ext cx="0" cy="0"/>
+          <a:chOff x="0" y="0"/>
+          <a:chExt cx="0" cy="0"/>
+        </a:xfrm>
+      </p:grpSpPr>
+      <p:sp>
+        <p:nvSpPr>
+          <p:cNvPr id="5" name="Title 4">
+            <a:extLst>
+              <a:ext uri="{FF2B5EF4-FFF2-40B4-BE49-F238E27FC236}">
+                <a16:creationId xmlns:a16="http://schemas.microsoft.com/office/drawing/2014/main" id="{B5B47666-51E4-6F4E-8E54-4C44DA8215C4}"/>
+              </a:ext>
+            </a:extLst>
+          </p:cNvPr>
+          <p:cNvSpPr>
+            <a:spLocks noGrp="1"/>
+          </p:cNvSpPr>
+          <p:nvPr>
+            <p:ph type="title"/>
+          </p:nvPr>
+        </p:nvSpPr>
+        <p:spPr/>
+        <p:txBody>
+          <a:bodyPr>
+            <a:normAutofit/>
+          </a:bodyPr>
+          <a:lstStyle/>
+          <a:p>
+            <a:r>
+              <a:rPr lang="en-US" sz="4000" dirty="0">
+                <a:latin typeface="Calibri" panose="020F0502020204030204" pitchFamily="34" charset="0"/>
+                <a:cs typeface="Calibri" panose="020F0502020204030204" pitchFamily="34" charset="0"/>
+              </a:rPr>
+              <a:t>JavaScript</a:t>
+            </a:r>
+            <a:endParaRPr lang="en-US" sz="4000" dirty="0"/>
+          </a:p>
+        </p:txBody>
+      </p:sp>
+      <p:sp>
+        <p:nvSpPr>
+          <p:cNvPr id="6" name="Text Placeholder 5">
+            <a:extLst>
+              <a:ext uri="{FF2B5EF4-FFF2-40B4-BE49-F238E27FC236}">
+                <a16:creationId xmlns:a16="http://schemas.microsoft.com/office/drawing/2014/main" id="{810C8F93-16F5-AA46-88E2-15A98C7B6706}"/>
+              </a:ext>
+            </a:extLst>
+          </p:cNvPr>
+          <p:cNvSpPr>
+            <a:spLocks noGrp="1"/>
+          </p:cNvSpPr>
+          <p:nvPr>
+            <p:ph type="body" idx="1"/>
+          </p:nvPr>
+        </p:nvSpPr>
+        <p:spPr/>
+        <p:txBody>
+          <a:bodyPr anchor="t">
+            <a:normAutofit/>
+          </a:bodyPr>
+          <a:lstStyle/>
+          <a:p>
+            <a:pPr>
+              <a:lnSpc>
+                <a:spcPct val="150000"/>
+              </a:lnSpc>
+              <a:spcBef>
+                <a:spcPts val="0"/>
+              </a:spcBef>
+            </a:pPr>
+            <a:r>
+              <a:rPr lang="en-US" sz="2000" dirty="0">
+                <a:solidFill>
+                  <a:srgbClr val="434343"/>
+                </a:solidFill>
+                <a:latin typeface="Calibri" panose="020F0502020204030204" pitchFamily="34" charset="0"/>
+                <a:cs typeface="Calibri" panose="020F0502020204030204" pitchFamily="34" charset="0"/>
+              </a:rPr>
+              <a:t>JavaScript is an interpreted programming language. </a:t>
+            </a:r>
+          </a:p>
+          <a:p>
+            <a:pPr>
+              <a:lnSpc>
+                <a:spcPct val="150000"/>
+              </a:lnSpc>
+              <a:spcBef>
+                <a:spcPts val="0"/>
+              </a:spcBef>
+            </a:pPr>
+            <a:r>
+              <a:rPr lang="en-US" sz="2000" dirty="0">
+                <a:solidFill>
+                  <a:srgbClr val="434343"/>
+                </a:solidFill>
+                <a:latin typeface="Calibri" panose="020F0502020204030204" pitchFamily="34" charset="0"/>
+                <a:cs typeface="Calibri" panose="020F0502020204030204" pitchFamily="34" charset="0"/>
+              </a:rPr>
+              <a:t>It is also dynamically typed</a:t>
+            </a:r>
+          </a:p>
+          <a:p>
+            <a:pPr lvl="1">
+              <a:lnSpc>
+                <a:spcPct val="150000"/>
+              </a:lnSpc>
+              <a:spcBef>
+                <a:spcPts val="0"/>
+              </a:spcBef>
+            </a:pPr>
+            <a:r>
+              <a:rPr lang="en-US" sz="2000" dirty="0">
+                <a:solidFill>
+                  <a:srgbClr val="434343"/>
+                </a:solidFill>
+                <a:latin typeface="Calibri" panose="020F0502020204030204" pitchFamily="34" charset="0"/>
+                <a:cs typeface="Calibri" panose="020F0502020204030204" pitchFamily="34" charset="0"/>
+              </a:rPr>
+              <a:t>Type modification happens at runtime</a:t>
+            </a:r>
+          </a:p>
+          <a:p>
+            <a:pPr marL="0" indent="0">
+              <a:lnSpc>
+                <a:spcPct val="150000"/>
+              </a:lnSpc>
+              <a:spcBef>
+                <a:spcPts val="0"/>
+              </a:spcBef>
+              <a:buNone/>
+            </a:pPr>
+            <a:r>
+              <a:rPr lang="en-US" sz="2000" dirty="0">
+                <a:solidFill>
+                  <a:schemeClr val="accent3">
+                    <a:lumMod val="50000"/>
+                  </a:schemeClr>
+                </a:solidFill>
+                <a:latin typeface="Calibri" panose="020F0502020204030204" pitchFamily="34" charset="0"/>
+                <a:cs typeface="Calibri" panose="020F0502020204030204" pitchFamily="34" charset="0"/>
+              </a:rPr>
+              <a:t>// Type of x is integer</a:t>
+            </a:r>
+          </a:p>
+          <a:p>
+            <a:pPr marL="0" indent="0">
+              <a:lnSpc>
+                <a:spcPct val="150000"/>
+              </a:lnSpc>
+              <a:spcBef>
+                <a:spcPts val="0"/>
+              </a:spcBef>
+              <a:buNone/>
+            </a:pPr>
+            <a:r>
+              <a:rPr lang="en-US" sz="2000" dirty="0" err="1">
+                <a:solidFill>
+                  <a:srgbClr val="7030A0"/>
+                </a:solidFill>
+                <a:latin typeface="Calibri" panose="020F0502020204030204" pitchFamily="34" charset="0"/>
+                <a:cs typeface="Calibri" panose="020F0502020204030204" pitchFamily="34" charset="0"/>
+              </a:rPr>
+              <a:t>var</a:t>
+            </a:r>
+            <a:r>
+              <a:rPr lang="en-US" sz="2000" dirty="0">
+                <a:solidFill>
+                  <a:srgbClr val="434343"/>
+                </a:solidFill>
+                <a:latin typeface="Calibri" panose="020F0502020204030204" pitchFamily="34" charset="0"/>
+                <a:cs typeface="Calibri" panose="020F0502020204030204" pitchFamily="34" charset="0"/>
+              </a:rPr>
+              <a:t> foo = 123;</a:t>
+            </a:r>
+          </a:p>
+          <a:p>
+            <a:pPr marL="0" indent="0">
+              <a:lnSpc>
+                <a:spcPct val="150000"/>
+              </a:lnSpc>
+              <a:spcBef>
+                <a:spcPts val="0"/>
+              </a:spcBef>
+              <a:buNone/>
+            </a:pPr>
+            <a:r>
+              <a:rPr lang="en-US" sz="2000" dirty="0">
+                <a:solidFill>
+                  <a:schemeClr val="accent3">
+                    <a:lumMod val="50000"/>
+                  </a:schemeClr>
+                </a:solidFill>
+                <a:latin typeface="Calibri" panose="020F0502020204030204" pitchFamily="34" charset="0"/>
+                <a:cs typeface="Calibri" panose="020F0502020204030204" pitchFamily="34" charset="0"/>
+              </a:rPr>
               <a:t>// Type of x is now string</a:t>
             </a:r>
           </a:p>
@@ -4791,14 +6057,22 @@
             <a:r>
               <a:rPr lang="en-US" sz="2000" dirty="0">
                 <a:solidFill>
-                  <a:schemeClr val="accent3">
-                    <a:lumMod val="75000"/>
-                  </a:schemeClr>
-                </a:solidFill>
-                <a:latin typeface="Calibri" panose="020F0502020204030204" pitchFamily="34" charset="0"/>
-                <a:cs typeface="Calibri" panose="020F0502020204030204" pitchFamily="34" charset="0"/>
-              </a:rPr>
-              <a:t>‘567’;  </a:t>
+                  <a:srgbClr val="FFC000"/>
+                </a:solidFill>
+                <a:latin typeface="Calibri" panose="020F0502020204030204" pitchFamily="34" charset="0"/>
+                <a:cs typeface="Calibri" panose="020F0502020204030204" pitchFamily="34" charset="0"/>
+              </a:rPr>
+              <a:t>‘567’</a:t>
+            </a:r>
+            <a:r>
+              <a:rPr lang="en-US" sz="2000" dirty="0">
+                <a:solidFill>
+                  <a:schemeClr val="tx1"/>
+                </a:solidFill>
+                <a:latin typeface="Calibri" panose="020F0502020204030204" pitchFamily="34" charset="0"/>
+                <a:cs typeface="Calibri" panose="020F0502020204030204" pitchFamily="34" charset="0"/>
+              </a:rPr>
+              <a:t>;  </a:t>
             </a:r>
           </a:p>
           <a:p>
@@ -4886,7 +6160,7 @@
 </p:sld>
 </file>
 
-<file path=ppt/slides/slide15.xml><?xml version="1.0" encoding="utf-8"?>
+<file path=ppt/slides/slide18.xml><?xml version="1.0" encoding="utf-8"?>
 <p:sld xmlns:a="http://schemas.openxmlformats.org/drawingml/2006/main" xmlns:r="http://schemas.openxmlformats.org/officeDocument/2006/relationships" xmlns:p="http://schemas.openxmlformats.org/presentationml/2006/main">
   <p:cSld>
     <p:spTree>
@@ -5153,7 +6427,7 @@
 </p:sld>
 </file>
 
-<file path=ppt/slides/slide16.xml><?xml version="1.0" encoding="utf-8"?>
+<file path=ppt/slides/slide19.xml><?xml version="1.0" encoding="utf-8"?>
 <p:sld xmlns:a="http://schemas.openxmlformats.org/drawingml/2006/main" xmlns:r="http://schemas.openxmlformats.org/officeDocument/2006/relationships" xmlns:p="http://schemas.openxmlformats.org/presentationml/2006/main">
   <p:cSld>
     <p:spTree>
@@ -5424,923 +6698,6 @@
                 <a:cs typeface="Calibri" panose="020F0502020204030204" pitchFamily="34" charset="0"/>
               </a:rPr>
               <a:t>.</a:t>
-            </a:r>
-          </a:p>
-        </p:txBody>
-      </p:sp>
-    </p:spTree>
-  </p:cSld>
-  <p:clrMapOvr>
-    <a:masterClrMapping/>
-  </p:clrMapOvr>
-  <p:transition spd="med"/>
-</p:sld>
-</file>
-
-<file path=ppt/slides/slide17.xml><?xml version="1.0" encoding="utf-8"?>
-<p:sld xmlns:a="http://schemas.openxmlformats.org/drawingml/2006/main" xmlns:r="http://schemas.openxmlformats.org/officeDocument/2006/relationships" xmlns:p="http://schemas.openxmlformats.org/presentationml/2006/main">
-  <p:cSld>
-    <p:spTree>
-      <p:nvGrpSpPr>
-        <p:cNvPr id="1" name=""/>
-        <p:cNvGrpSpPr/>
-        <p:nvPr/>
-      </p:nvGrpSpPr>
-      <p:grpSpPr>
-        <a:xfrm>
-          <a:off x="0" y="0"/>
-          <a:ext cx="0" cy="0"/>
-          <a:chOff x="0" y="0"/>
-          <a:chExt cx="0" cy="0"/>
-        </a:xfrm>
-      </p:grpSpPr>
-      <p:sp>
-        <p:nvSpPr>
-          <p:cNvPr id="141" name="Types in Typescript"/>
-          <p:cNvSpPr txBox="1">
-            <a:spLocks noGrp="1"/>
-          </p:cNvSpPr>
-          <p:nvPr>
-            <p:ph type="title"/>
-          </p:nvPr>
-        </p:nvSpPr>
-        <p:spPr>
-          <a:prstGeom prst="rect">
-            <a:avLst/>
-          </a:prstGeom>
-        </p:spPr>
-        <p:txBody>
-          <a:bodyPr>
-            <a:normAutofit/>
-          </a:bodyPr>
-          <a:lstStyle/>
-          <a:p>
-            <a:r>
-              <a:rPr sz="4000" dirty="0">
-                <a:latin typeface="Calibri" panose="020F0502020204030204" pitchFamily="34" charset="0"/>
-                <a:cs typeface="Calibri" panose="020F0502020204030204" pitchFamily="34" charset="0"/>
-              </a:rPr>
-              <a:t>Types in Typescript</a:t>
-            </a:r>
-          </a:p>
-        </p:txBody>
-      </p:sp>
-      <p:sp>
-        <p:nvSpPr>
-          <p:cNvPr id="142" name="Types can be Implicit…"/>
-          <p:cNvSpPr txBox="1">
-            <a:spLocks noGrp="1"/>
-          </p:cNvSpPr>
-          <p:nvPr>
-            <p:ph type="body" idx="1"/>
-          </p:nvPr>
-        </p:nvSpPr>
-        <p:spPr>
-          <a:prstGeom prst="rect">
-            <a:avLst/>
-          </a:prstGeom>
-        </p:spPr>
-        <p:txBody>
-          <a:bodyPr anchor="t">
-            <a:noAutofit/>
-          </a:bodyPr>
-          <a:lstStyle/>
-          <a:p>
-            <a:pPr marL="250031" indent="-250031" defTabSz="457200">
-              <a:lnSpc>
-                <a:spcPct val="150000"/>
-              </a:lnSpc>
-              <a:spcBef>
-                <a:spcPts val="1500"/>
-              </a:spcBef>
-              <a:defRPr b="1">
-                <a:solidFill>
-                  <a:srgbClr val="333333"/>
-                </a:solidFill>
-              </a:defRPr>
-            </a:pPr>
-            <a:r>
-              <a:rPr sz="2000" dirty="0">
-                <a:latin typeface="Calibri" panose="020F0502020204030204" pitchFamily="34" charset="0"/>
-                <a:cs typeface="Calibri" panose="020F0502020204030204" pitchFamily="34" charset="0"/>
-              </a:rPr>
-              <a:t>Types can be Implicit</a:t>
-            </a:r>
-          </a:p>
-          <a:p>
-            <a:pPr marL="0" indent="0" defTabSz="457200">
-              <a:lnSpc>
-                <a:spcPct val="150000"/>
-              </a:lnSpc>
-              <a:spcBef>
-                <a:spcPts val="0"/>
-              </a:spcBef>
-              <a:buSzTx/>
-              <a:buNone/>
-              <a:defRPr>
-                <a:solidFill>
-                  <a:srgbClr val="333333"/>
-                </a:solidFill>
-                <a:latin typeface="Menlo"/>
-                <a:ea typeface="Menlo"/>
-                <a:cs typeface="Menlo"/>
-                <a:sym typeface="Menlo"/>
-              </a:defRPr>
-            </a:pPr>
-            <a:r>
-              <a:rPr sz="2000" dirty="0" err="1">
-                <a:solidFill>
-                  <a:srgbClr val="8959A8"/>
-                </a:solidFill>
-                <a:latin typeface="Calibri" panose="020F0502020204030204" pitchFamily="34" charset="0"/>
-                <a:cs typeface="Calibri" panose="020F0502020204030204" pitchFamily="34" charset="0"/>
-              </a:rPr>
-              <a:t>var</a:t>
-            </a:r>
-            <a:r>
-              <a:rPr sz="2000" dirty="0">
-                <a:latin typeface="Calibri" panose="020F0502020204030204" pitchFamily="34" charset="0"/>
-                <a:cs typeface="Calibri" panose="020F0502020204030204" pitchFamily="34" charset="0"/>
-              </a:rPr>
-              <a:t> foo = </a:t>
-            </a:r>
-            <a:r>
-              <a:rPr sz="2000" dirty="0">
-                <a:solidFill>
-                  <a:srgbClr val="F5871F"/>
-                </a:solidFill>
-                <a:latin typeface="Calibri" panose="020F0502020204030204" pitchFamily="34" charset="0"/>
-                <a:cs typeface="Calibri" panose="020F0502020204030204" pitchFamily="34" charset="0"/>
-              </a:rPr>
-              <a:t>123</a:t>
-            </a:r>
-            <a:r>
-              <a:rPr sz="2000" dirty="0">
-                <a:latin typeface="Calibri" panose="020F0502020204030204" pitchFamily="34" charset="0"/>
-                <a:cs typeface="Calibri" panose="020F0502020204030204" pitchFamily="34" charset="0"/>
-              </a:rPr>
-              <a:t>;</a:t>
-            </a:r>
-          </a:p>
-          <a:p>
-            <a:pPr marL="0" indent="0" defTabSz="457200">
-              <a:lnSpc>
-                <a:spcPct val="150000"/>
-              </a:lnSpc>
-              <a:spcBef>
-                <a:spcPts val="0"/>
-              </a:spcBef>
-              <a:buSzTx/>
-              <a:buNone/>
-              <a:defRPr>
-                <a:solidFill>
-                  <a:srgbClr val="8E908C"/>
-                </a:solidFill>
-                <a:latin typeface="Menlo"/>
-                <a:ea typeface="Menlo"/>
-                <a:cs typeface="Menlo"/>
-                <a:sym typeface="Menlo"/>
-              </a:defRPr>
-            </a:pPr>
-            <a:r>
-              <a:rPr sz="2000" dirty="0">
-                <a:solidFill>
-                  <a:srgbClr val="333333"/>
-                </a:solidFill>
-                <a:latin typeface="Calibri" panose="020F0502020204030204" pitchFamily="34" charset="0"/>
-                <a:cs typeface="Calibri" panose="020F0502020204030204" pitchFamily="34" charset="0"/>
-              </a:rPr>
-              <a:t>foo = </a:t>
-            </a:r>
-            <a:r>
-              <a:rPr sz="2000" dirty="0">
-                <a:solidFill>
-                  <a:srgbClr val="718C00"/>
-                </a:solidFill>
-                <a:latin typeface="Calibri" panose="020F0502020204030204" pitchFamily="34" charset="0"/>
-                <a:cs typeface="Calibri" panose="020F0502020204030204" pitchFamily="34" charset="0"/>
-              </a:rPr>
-              <a:t>'456'</a:t>
-            </a:r>
-            <a:r>
-              <a:rPr sz="2000" dirty="0">
-                <a:solidFill>
-                  <a:srgbClr val="333333"/>
-                </a:solidFill>
-                <a:latin typeface="Calibri" panose="020F0502020204030204" pitchFamily="34" charset="0"/>
-                <a:cs typeface="Calibri" panose="020F0502020204030204" pitchFamily="34" charset="0"/>
-              </a:rPr>
-              <a:t>; </a:t>
-            </a:r>
-            <a:r>
-              <a:rPr sz="2000" dirty="0">
-                <a:latin typeface="Calibri" panose="020F0502020204030204" pitchFamily="34" charset="0"/>
-                <a:cs typeface="Calibri" panose="020F0502020204030204" pitchFamily="34" charset="0"/>
-              </a:rPr>
-              <a:t>// Error: cannot assign `string` to `number</a:t>
-            </a:r>
-            <a:endParaRPr sz="2000" dirty="0">
-              <a:solidFill>
-                <a:srgbClr val="333333"/>
-              </a:solidFill>
-              <a:latin typeface="Calibri" panose="020F0502020204030204" pitchFamily="34" charset="0"/>
-              <a:cs typeface="Calibri" panose="020F0502020204030204" pitchFamily="34" charset="0"/>
-            </a:endParaRPr>
-          </a:p>
-          <a:p>
-            <a:pPr marL="0" indent="0" defTabSz="457200">
-              <a:lnSpc>
-                <a:spcPct val="150000"/>
-              </a:lnSpc>
-              <a:spcBef>
-                <a:spcPts val="0"/>
-              </a:spcBef>
-              <a:buSzTx/>
-              <a:buNone/>
-              <a:defRPr>
-                <a:solidFill>
-                  <a:srgbClr val="8E908C"/>
-                </a:solidFill>
-                <a:latin typeface="Menlo"/>
-                <a:ea typeface="Menlo"/>
-                <a:cs typeface="Menlo"/>
-                <a:sym typeface="Menlo"/>
-              </a:defRPr>
-            </a:pPr>
-            <a:endParaRPr sz="2000" dirty="0">
-              <a:solidFill>
-                <a:srgbClr val="333333"/>
-              </a:solidFill>
-              <a:latin typeface="Calibri" panose="020F0502020204030204" pitchFamily="34" charset="0"/>
-              <a:cs typeface="Calibri" panose="020F0502020204030204" pitchFamily="34" charset="0"/>
-            </a:endParaRPr>
-          </a:p>
-        </p:txBody>
-      </p:sp>
-    </p:spTree>
-  </p:cSld>
-  <p:clrMapOvr>
-    <a:masterClrMapping/>
-  </p:clrMapOvr>
-  <p:transition spd="med"/>
-</p:sld>
-</file>
-
-<file path=ppt/slides/slide18.xml><?xml version="1.0" encoding="utf-8"?>
-<p:sld xmlns:a="http://schemas.openxmlformats.org/drawingml/2006/main" xmlns:r="http://schemas.openxmlformats.org/officeDocument/2006/relationships" xmlns:p="http://schemas.openxmlformats.org/presentationml/2006/main">
-  <p:cSld>
-    <p:spTree>
-      <p:nvGrpSpPr>
-        <p:cNvPr id="1" name=""/>
-        <p:cNvGrpSpPr/>
-        <p:nvPr/>
-      </p:nvGrpSpPr>
-      <p:grpSpPr>
-        <a:xfrm>
-          <a:off x="0" y="0"/>
-          <a:ext cx="0" cy="0"/>
-          <a:chOff x="0" y="0"/>
-          <a:chExt cx="0" cy="0"/>
-        </a:xfrm>
-      </p:grpSpPr>
-      <p:sp>
-        <p:nvSpPr>
-          <p:cNvPr id="141" name="Types in Typescript"/>
-          <p:cNvSpPr txBox="1">
-            <a:spLocks noGrp="1"/>
-          </p:cNvSpPr>
-          <p:nvPr>
-            <p:ph type="title"/>
-          </p:nvPr>
-        </p:nvSpPr>
-        <p:spPr>
-          <a:prstGeom prst="rect">
-            <a:avLst/>
-          </a:prstGeom>
-        </p:spPr>
-        <p:txBody>
-          <a:bodyPr>
-            <a:normAutofit/>
-          </a:bodyPr>
-          <a:lstStyle/>
-          <a:p>
-            <a:r>
-              <a:rPr sz="4000" dirty="0">
-                <a:latin typeface="Calibri" panose="020F0502020204030204" pitchFamily="34" charset="0"/>
-                <a:cs typeface="Calibri" panose="020F0502020204030204" pitchFamily="34" charset="0"/>
-              </a:rPr>
-              <a:t>Types in Typescript</a:t>
-            </a:r>
-          </a:p>
-        </p:txBody>
-      </p:sp>
-      <p:sp>
-        <p:nvSpPr>
-          <p:cNvPr id="142" name="Types can be Implicit…"/>
-          <p:cNvSpPr txBox="1">
-            <a:spLocks noGrp="1"/>
-          </p:cNvSpPr>
-          <p:nvPr>
-            <p:ph type="body" idx="1"/>
-          </p:nvPr>
-        </p:nvSpPr>
-        <p:spPr>
-          <a:prstGeom prst="rect">
-            <a:avLst/>
-          </a:prstGeom>
-        </p:spPr>
-        <p:txBody>
-          <a:bodyPr anchor="t">
-            <a:noAutofit/>
-          </a:bodyPr>
-          <a:lstStyle/>
-          <a:p>
-            <a:pPr marL="250031" indent="-250031" defTabSz="457200">
-              <a:lnSpc>
-                <a:spcPct val="150000"/>
-              </a:lnSpc>
-              <a:spcBef>
-                <a:spcPts val="1500"/>
-              </a:spcBef>
-              <a:defRPr b="1">
-                <a:solidFill>
-                  <a:srgbClr val="333333"/>
-                </a:solidFill>
-              </a:defRPr>
-            </a:pPr>
-            <a:r>
-              <a:rPr sz="2000" dirty="0">
-                <a:latin typeface="Calibri" panose="020F0502020204030204" pitchFamily="34" charset="0"/>
-                <a:cs typeface="Calibri" panose="020F0502020204030204" pitchFamily="34" charset="0"/>
-              </a:rPr>
-              <a:t>Types can be Implicit</a:t>
-            </a:r>
-          </a:p>
-          <a:p>
-            <a:pPr marL="0" indent="0" defTabSz="457200">
-              <a:lnSpc>
-                <a:spcPct val="150000"/>
-              </a:lnSpc>
-              <a:spcBef>
-                <a:spcPts val="0"/>
-              </a:spcBef>
-              <a:buSzTx/>
-              <a:buNone/>
-              <a:defRPr>
-                <a:solidFill>
-                  <a:srgbClr val="333333"/>
-                </a:solidFill>
-                <a:latin typeface="Menlo"/>
-                <a:ea typeface="Menlo"/>
-                <a:cs typeface="Menlo"/>
-                <a:sym typeface="Menlo"/>
-              </a:defRPr>
-            </a:pPr>
-            <a:r>
-              <a:rPr sz="2000" dirty="0" err="1">
-                <a:solidFill>
-                  <a:srgbClr val="8959A8"/>
-                </a:solidFill>
-                <a:latin typeface="Calibri" panose="020F0502020204030204" pitchFamily="34" charset="0"/>
-                <a:cs typeface="Calibri" panose="020F0502020204030204" pitchFamily="34" charset="0"/>
-              </a:rPr>
-              <a:t>var</a:t>
-            </a:r>
-            <a:r>
-              <a:rPr sz="2000" dirty="0">
-                <a:latin typeface="Calibri" panose="020F0502020204030204" pitchFamily="34" charset="0"/>
-                <a:cs typeface="Calibri" panose="020F0502020204030204" pitchFamily="34" charset="0"/>
-              </a:rPr>
-              <a:t> foo = </a:t>
-            </a:r>
-            <a:r>
-              <a:rPr sz="2000" dirty="0">
-                <a:solidFill>
-                  <a:srgbClr val="F5871F"/>
-                </a:solidFill>
-                <a:latin typeface="Calibri" panose="020F0502020204030204" pitchFamily="34" charset="0"/>
-                <a:cs typeface="Calibri" panose="020F0502020204030204" pitchFamily="34" charset="0"/>
-              </a:rPr>
-              <a:t>123</a:t>
-            </a:r>
-            <a:r>
-              <a:rPr sz="2000" dirty="0">
-                <a:latin typeface="Calibri" panose="020F0502020204030204" pitchFamily="34" charset="0"/>
-                <a:cs typeface="Calibri" panose="020F0502020204030204" pitchFamily="34" charset="0"/>
-              </a:rPr>
-              <a:t>;</a:t>
-            </a:r>
-          </a:p>
-          <a:p>
-            <a:pPr marL="0" indent="0" defTabSz="457200">
-              <a:lnSpc>
-                <a:spcPct val="150000"/>
-              </a:lnSpc>
-              <a:spcBef>
-                <a:spcPts val="0"/>
-              </a:spcBef>
-              <a:buSzTx/>
-              <a:buNone/>
-              <a:defRPr>
-                <a:solidFill>
-                  <a:srgbClr val="8E908C"/>
-                </a:solidFill>
-                <a:latin typeface="Menlo"/>
-                <a:ea typeface="Menlo"/>
-                <a:cs typeface="Menlo"/>
-                <a:sym typeface="Menlo"/>
-              </a:defRPr>
-            </a:pPr>
-            <a:r>
-              <a:rPr sz="2000" dirty="0">
-                <a:solidFill>
-                  <a:srgbClr val="333333"/>
-                </a:solidFill>
-                <a:latin typeface="Calibri" panose="020F0502020204030204" pitchFamily="34" charset="0"/>
-                <a:cs typeface="Calibri" panose="020F0502020204030204" pitchFamily="34" charset="0"/>
-              </a:rPr>
-              <a:t>foo = </a:t>
-            </a:r>
-            <a:r>
-              <a:rPr sz="2000" dirty="0">
-                <a:solidFill>
-                  <a:srgbClr val="718C00"/>
-                </a:solidFill>
-                <a:latin typeface="Calibri" panose="020F0502020204030204" pitchFamily="34" charset="0"/>
-                <a:cs typeface="Calibri" panose="020F0502020204030204" pitchFamily="34" charset="0"/>
-              </a:rPr>
-              <a:t>'456'</a:t>
-            </a:r>
-            <a:r>
-              <a:rPr sz="2000" dirty="0">
-                <a:solidFill>
-                  <a:srgbClr val="333333"/>
-                </a:solidFill>
-                <a:latin typeface="Calibri" panose="020F0502020204030204" pitchFamily="34" charset="0"/>
-                <a:cs typeface="Calibri" panose="020F0502020204030204" pitchFamily="34" charset="0"/>
-              </a:rPr>
-              <a:t>; </a:t>
-            </a:r>
-            <a:r>
-              <a:rPr sz="2000" dirty="0">
-                <a:latin typeface="Calibri" panose="020F0502020204030204" pitchFamily="34" charset="0"/>
-                <a:cs typeface="Calibri" panose="020F0502020204030204" pitchFamily="34" charset="0"/>
-              </a:rPr>
-              <a:t>// Error: cannot assign `string` to `number</a:t>
-            </a:r>
-            <a:endParaRPr lang="en-US" sz="2000" dirty="0">
-              <a:solidFill>
-                <a:srgbClr val="333333"/>
-              </a:solidFill>
-              <a:latin typeface="Calibri" panose="020F0502020204030204" pitchFamily="34" charset="0"/>
-              <a:cs typeface="Calibri" panose="020F0502020204030204" pitchFamily="34" charset="0"/>
-            </a:endParaRPr>
-          </a:p>
-          <a:p>
-            <a:pPr marL="250031" indent="-250031" defTabSz="457200">
-              <a:lnSpc>
-                <a:spcPct val="150000"/>
-              </a:lnSpc>
-              <a:spcBef>
-                <a:spcPts val="1500"/>
-              </a:spcBef>
-              <a:defRPr b="1">
-                <a:solidFill>
-                  <a:srgbClr val="333333"/>
-                </a:solidFill>
-              </a:defRPr>
-            </a:pPr>
-            <a:r>
-              <a:rPr lang="en-US" sz="2000" dirty="0">
-                <a:latin typeface="Calibri" panose="020F0502020204030204" pitchFamily="34" charset="0"/>
-                <a:cs typeface="Calibri" panose="020F0502020204030204" pitchFamily="34" charset="0"/>
-              </a:rPr>
-              <a:t>Types can be Explicit</a:t>
-            </a:r>
-          </a:p>
-          <a:p>
-            <a:pPr marL="0" indent="0" defTabSz="457200">
-              <a:lnSpc>
-                <a:spcPct val="150000"/>
-              </a:lnSpc>
-              <a:spcBef>
-                <a:spcPts val="0"/>
-              </a:spcBef>
-              <a:buSzTx/>
-              <a:buNone/>
-              <a:defRPr>
-                <a:solidFill>
-                  <a:srgbClr val="333333"/>
-                </a:solidFill>
-                <a:latin typeface="Menlo"/>
-                <a:ea typeface="Menlo"/>
-                <a:cs typeface="Menlo"/>
-                <a:sym typeface="Menlo"/>
-              </a:defRPr>
-            </a:pPr>
-            <a:r>
-              <a:rPr lang="en-US" sz="2000" dirty="0" err="1">
-                <a:solidFill>
-                  <a:srgbClr val="8959A8"/>
-                </a:solidFill>
-                <a:latin typeface="Calibri" panose="020F0502020204030204" pitchFamily="34" charset="0"/>
-                <a:cs typeface="Calibri" panose="020F0502020204030204" pitchFamily="34" charset="0"/>
-              </a:rPr>
-              <a:t>var</a:t>
-            </a:r>
-            <a:r>
-              <a:rPr lang="en-US" sz="2000" dirty="0">
-                <a:latin typeface="Calibri" panose="020F0502020204030204" pitchFamily="34" charset="0"/>
-                <a:cs typeface="Calibri" panose="020F0502020204030204" pitchFamily="34" charset="0"/>
-              </a:rPr>
-              <a:t> foo: </a:t>
-            </a:r>
-            <a:r>
-              <a:rPr lang="en-US" sz="2000" dirty="0">
-                <a:solidFill>
-                  <a:srgbClr val="F5871F"/>
-                </a:solidFill>
-                <a:latin typeface="Calibri" panose="020F0502020204030204" pitchFamily="34" charset="0"/>
-                <a:cs typeface="Calibri" panose="020F0502020204030204" pitchFamily="34" charset="0"/>
-              </a:rPr>
-              <a:t>number</a:t>
-            </a:r>
-            <a:r>
-              <a:rPr lang="en-US" sz="2000" dirty="0">
-                <a:latin typeface="Calibri" panose="020F0502020204030204" pitchFamily="34" charset="0"/>
-                <a:cs typeface="Calibri" panose="020F0502020204030204" pitchFamily="34" charset="0"/>
-              </a:rPr>
-              <a:t> = </a:t>
-            </a:r>
-            <a:r>
-              <a:rPr lang="en-US" sz="2000" dirty="0">
-                <a:solidFill>
-                  <a:srgbClr val="F5871F"/>
-                </a:solidFill>
-                <a:latin typeface="Calibri" panose="020F0502020204030204" pitchFamily="34" charset="0"/>
-                <a:cs typeface="Calibri" panose="020F0502020204030204" pitchFamily="34" charset="0"/>
-              </a:rPr>
-              <a:t>123</a:t>
-            </a:r>
-            <a:r>
-              <a:rPr lang="en-US" sz="2000" dirty="0">
-                <a:latin typeface="Calibri" panose="020F0502020204030204" pitchFamily="34" charset="0"/>
-                <a:cs typeface="Calibri" panose="020F0502020204030204" pitchFamily="34" charset="0"/>
-              </a:rPr>
-              <a:t>;</a:t>
-            </a:r>
-          </a:p>
-          <a:p>
-            <a:pPr marL="0" indent="0" defTabSz="457200">
-              <a:lnSpc>
-                <a:spcPct val="150000"/>
-              </a:lnSpc>
-              <a:spcBef>
-                <a:spcPts val="0"/>
-              </a:spcBef>
-              <a:buSzTx/>
-              <a:buNone/>
-              <a:defRPr>
-                <a:solidFill>
-                  <a:srgbClr val="8E908C"/>
-                </a:solidFill>
-                <a:latin typeface="Menlo"/>
-                <a:ea typeface="Menlo"/>
-                <a:cs typeface="Menlo"/>
-                <a:sym typeface="Menlo"/>
-              </a:defRPr>
-            </a:pPr>
-            <a:r>
-              <a:rPr lang="en-US" sz="2000" dirty="0" err="1">
-                <a:solidFill>
-                  <a:srgbClr val="8959A8"/>
-                </a:solidFill>
-                <a:latin typeface="Calibri" panose="020F0502020204030204" pitchFamily="34" charset="0"/>
-                <a:cs typeface="Calibri" panose="020F0502020204030204" pitchFamily="34" charset="0"/>
-              </a:rPr>
-              <a:t>var</a:t>
-            </a:r>
-            <a:r>
-              <a:rPr lang="en-US" sz="2000" dirty="0">
-                <a:solidFill>
-                  <a:srgbClr val="333333"/>
-                </a:solidFill>
-                <a:latin typeface="Calibri" panose="020F0502020204030204" pitchFamily="34" charset="0"/>
-                <a:cs typeface="Calibri" panose="020F0502020204030204" pitchFamily="34" charset="0"/>
-              </a:rPr>
-              <a:t> foo: </a:t>
-            </a:r>
-            <a:r>
-              <a:rPr lang="en-US" sz="2000" dirty="0">
-                <a:solidFill>
-                  <a:srgbClr val="F5871F"/>
-                </a:solidFill>
-                <a:latin typeface="Calibri" panose="020F0502020204030204" pitchFamily="34" charset="0"/>
-                <a:cs typeface="Calibri" panose="020F0502020204030204" pitchFamily="34" charset="0"/>
-              </a:rPr>
-              <a:t>number</a:t>
-            </a:r>
-            <a:r>
-              <a:rPr lang="en-US" sz="2000" dirty="0">
-                <a:solidFill>
-                  <a:srgbClr val="333333"/>
-                </a:solidFill>
-                <a:latin typeface="Calibri" panose="020F0502020204030204" pitchFamily="34" charset="0"/>
-                <a:cs typeface="Calibri" panose="020F0502020204030204" pitchFamily="34" charset="0"/>
-              </a:rPr>
-              <a:t> = </a:t>
-            </a:r>
-            <a:r>
-              <a:rPr lang="en-US" sz="2000" dirty="0">
-                <a:solidFill>
-                  <a:srgbClr val="718C00"/>
-                </a:solidFill>
-                <a:latin typeface="Calibri" panose="020F0502020204030204" pitchFamily="34" charset="0"/>
-                <a:cs typeface="Calibri" panose="020F0502020204030204" pitchFamily="34" charset="0"/>
-              </a:rPr>
-              <a:t>'123'</a:t>
-            </a:r>
-            <a:r>
-              <a:rPr lang="en-US" sz="2000" dirty="0">
-                <a:solidFill>
-                  <a:srgbClr val="333333"/>
-                </a:solidFill>
-                <a:latin typeface="Calibri" panose="020F0502020204030204" pitchFamily="34" charset="0"/>
-                <a:cs typeface="Calibri" panose="020F0502020204030204" pitchFamily="34" charset="0"/>
-              </a:rPr>
-              <a:t>; </a:t>
-            </a:r>
-            <a:r>
-              <a:rPr lang="en-US" sz="2000" dirty="0">
-                <a:latin typeface="Calibri" panose="020F0502020204030204" pitchFamily="34" charset="0"/>
-                <a:cs typeface="Calibri" panose="020F0502020204030204" pitchFamily="34" charset="0"/>
-              </a:rPr>
-              <a:t>// Error: cannot assign a `string` to a `number`</a:t>
-            </a:r>
-            <a:endParaRPr lang="en-US" sz="2000" dirty="0">
-              <a:solidFill>
-                <a:srgbClr val="333333"/>
-              </a:solidFill>
-              <a:latin typeface="Calibri" panose="020F0502020204030204" pitchFamily="34" charset="0"/>
-              <a:cs typeface="Calibri" panose="020F0502020204030204" pitchFamily="34" charset="0"/>
-            </a:endParaRPr>
-          </a:p>
-          <a:p>
-            <a:pPr marL="0" indent="0" defTabSz="457200">
-              <a:lnSpc>
-                <a:spcPct val="150000"/>
-              </a:lnSpc>
-              <a:spcBef>
-                <a:spcPts val="0"/>
-              </a:spcBef>
-              <a:buSzTx/>
-              <a:buNone/>
-              <a:defRPr>
-                <a:solidFill>
-                  <a:srgbClr val="8E908C"/>
-                </a:solidFill>
-                <a:latin typeface="Menlo"/>
-                <a:ea typeface="Menlo"/>
-                <a:cs typeface="Menlo"/>
-                <a:sym typeface="Menlo"/>
-              </a:defRPr>
-            </a:pPr>
-            <a:endParaRPr sz="2000" dirty="0">
-              <a:solidFill>
-                <a:srgbClr val="333333"/>
-              </a:solidFill>
-              <a:latin typeface="Calibri" panose="020F0502020204030204" pitchFamily="34" charset="0"/>
-              <a:cs typeface="Calibri" panose="020F0502020204030204" pitchFamily="34" charset="0"/>
-            </a:endParaRPr>
-          </a:p>
-        </p:txBody>
-      </p:sp>
-    </p:spTree>
-    <p:extLst>
-      <p:ext uri="{BB962C8B-B14F-4D97-AF65-F5344CB8AC3E}">
-        <p14:creationId xmlns:p14="http://schemas.microsoft.com/office/powerpoint/2010/main" val="1984492712"/>
-      </p:ext>
-    </p:extLst>
-  </p:cSld>
-  <p:clrMapOvr>
-    <a:masterClrMapping/>
-  </p:clrMapOvr>
-  <p:transition spd="med"/>
-</p:sld>
-</file>
-
-<file path=ppt/slides/slide19.xml><?xml version="1.0" encoding="utf-8"?>
-<p:sld xmlns:a="http://schemas.openxmlformats.org/drawingml/2006/main" xmlns:r="http://schemas.openxmlformats.org/officeDocument/2006/relationships" xmlns:p="http://schemas.openxmlformats.org/presentationml/2006/main">
-  <p:cSld>
-    <p:spTree>
-      <p:nvGrpSpPr>
-        <p:cNvPr id="1" name=""/>
-        <p:cNvGrpSpPr/>
-        <p:nvPr/>
-      </p:nvGrpSpPr>
-      <p:grpSpPr>
-        <a:xfrm>
-          <a:off x="0" y="0"/>
-          <a:ext cx="0" cy="0"/>
-          <a:chOff x="0" y="0"/>
-          <a:chExt cx="0" cy="0"/>
-        </a:xfrm>
-      </p:grpSpPr>
-      <p:sp>
-        <p:nvSpPr>
-          <p:cNvPr id="144" name="Types in Typescript"/>
-          <p:cNvSpPr txBox="1">
-            <a:spLocks noGrp="1"/>
-          </p:cNvSpPr>
-          <p:nvPr>
-            <p:ph type="title"/>
-          </p:nvPr>
-        </p:nvSpPr>
-        <p:spPr>
-          <a:prstGeom prst="rect">
-            <a:avLst/>
-          </a:prstGeom>
-        </p:spPr>
-        <p:txBody>
-          <a:bodyPr>
-            <a:normAutofit/>
-          </a:bodyPr>
-          <a:lstStyle/>
-          <a:p>
-            <a:r>
-              <a:rPr sz="4000" dirty="0">
-                <a:latin typeface="Calibri" panose="020F0502020204030204" pitchFamily="34" charset="0"/>
-                <a:cs typeface="Calibri" panose="020F0502020204030204" pitchFamily="34" charset="0"/>
-              </a:rPr>
-              <a:t>Types in Typescript</a:t>
-            </a:r>
-            <a:r>
-              <a:rPr lang="en-US" sz="4000" dirty="0">
-                <a:latin typeface="Calibri" panose="020F0502020204030204" pitchFamily="34" charset="0"/>
-                <a:cs typeface="Calibri" panose="020F0502020204030204" pitchFamily="34" charset="0"/>
-              </a:rPr>
-              <a:t>.</a:t>
-            </a:r>
-            <a:endParaRPr sz="4000" dirty="0">
-              <a:latin typeface="Calibri" panose="020F0502020204030204" pitchFamily="34" charset="0"/>
-              <a:cs typeface="Calibri" panose="020F0502020204030204" pitchFamily="34" charset="0"/>
-            </a:endParaRPr>
-          </a:p>
-        </p:txBody>
-      </p:sp>
-      <p:sp>
-        <p:nvSpPr>
-          <p:cNvPr id="145" name="There are additional types that we don’t have in  languages such as Java and C#…"/>
-          <p:cNvSpPr txBox="1">
-            <a:spLocks noGrp="1"/>
-          </p:cNvSpPr>
-          <p:nvPr>
-            <p:ph type="body" idx="1"/>
-          </p:nvPr>
-        </p:nvSpPr>
-        <p:spPr>
-          <a:prstGeom prst="rect">
-            <a:avLst/>
-          </a:prstGeom>
-        </p:spPr>
-        <p:txBody>
-          <a:bodyPr anchor="t">
-            <a:normAutofit/>
-          </a:bodyPr>
-          <a:lstStyle/>
-          <a:p>
-            <a:pPr marL="324485" indent="-324485" defTabSz="426466">
-              <a:spcBef>
-                <a:spcPts val="3000"/>
-              </a:spcBef>
-              <a:defRPr sz="2336">
-                <a:latin typeface="Helvetica"/>
-                <a:ea typeface="Helvetica"/>
-                <a:cs typeface="Helvetica"/>
-                <a:sym typeface="Helvetica"/>
-              </a:defRPr>
-            </a:pPr>
-            <a:r>
-              <a:rPr sz="2000" dirty="0">
-                <a:latin typeface="Calibri" panose="020F0502020204030204" pitchFamily="34" charset="0"/>
-                <a:cs typeface="Calibri" panose="020F0502020204030204" pitchFamily="34" charset="0"/>
-              </a:rPr>
-              <a:t>There are additional types that we don’t have in  languages such as Java and C#</a:t>
-            </a:r>
-          </a:p>
-          <a:p>
-            <a:pPr marL="324485" indent="-324485" defTabSz="426466">
-              <a:spcBef>
-                <a:spcPts val="3000"/>
-              </a:spcBef>
-              <a:defRPr sz="2336" u="sng">
-                <a:latin typeface="Helvetica"/>
-                <a:ea typeface="Helvetica"/>
-                <a:cs typeface="Helvetica"/>
-                <a:sym typeface="Helvetica"/>
-              </a:defRPr>
-            </a:pPr>
-            <a:r>
-              <a:rPr sz="2000" dirty="0">
-                <a:latin typeface="Calibri" panose="020F0502020204030204" pitchFamily="34" charset="0"/>
-                <a:cs typeface="Calibri" panose="020F0502020204030204" pitchFamily="34" charset="0"/>
-              </a:rPr>
-              <a:t>Union types</a:t>
-            </a:r>
-          </a:p>
-          <a:p>
-            <a:pPr marL="648970" lvl="1" indent="-324485" defTabSz="426466">
-              <a:spcBef>
-                <a:spcPts val="3000"/>
-              </a:spcBef>
-              <a:defRPr sz="2336"/>
-            </a:pPr>
-            <a:r>
-              <a:rPr sz="2000" dirty="0">
-                <a:latin typeface="Calibri" panose="020F0502020204030204" pitchFamily="34" charset="0"/>
-                <a:cs typeface="Calibri" panose="020F0502020204030204" pitchFamily="34" charset="0"/>
-              </a:rPr>
-              <a:t>we can join types together, obtaining all values of both types:</a:t>
-            </a:r>
-          </a:p>
-          <a:p>
-            <a:pPr marL="0" lvl="5" indent="834390" defTabSz="426466">
-              <a:spcBef>
-                <a:spcPts val="3000"/>
-              </a:spcBef>
-              <a:buSzTx/>
-              <a:buNone/>
-              <a:defRPr sz="2336"/>
-            </a:pPr>
-            <a:r>
-              <a:rPr sz="2000" dirty="0">
-                <a:solidFill>
-                  <a:schemeClr val="accent1">
-                    <a:hueOff val="114395"/>
-                    <a:lumOff val="-24975"/>
-                  </a:schemeClr>
-                </a:solidFill>
-                <a:latin typeface="Calibri" panose="020F0502020204030204" pitchFamily="34" charset="0"/>
-                <a:cs typeface="Calibri" panose="020F0502020204030204" pitchFamily="34" charset="0"/>
-              </a:rPr>
-              <a:t>let</a:t>
-            </a:r>
-            <a:r>
-              <a:rPr sz="2000" dirty="0">
-                <a:latin typeface="Calibri" panose="020F0502020204030204" pitchFamily="34" charset="0"/>
-                <a:cs typeface="Calibri" panose="020F0502020204030204" pitchFamily="34" charset="0"/>
-              </a:rPr>
-              <a:t> x1: number | </a:t>
-            </a:r>
-            <a:r>
-              <a:rPr sz="2000" dirty="0">
-                <a:solidFill>
-                  <a:schemeClr val="accent5">
-                    <a:lumOff val="-29866"/>
-                  </a:schemeClr>
-                </a:solidFill>
-                <a:latin typeface="Calibri" panose="020F0502020204030204" pitchFamily="34" charset="0"/>
-                <a:cs typeface="Calibri" panose="020F0502020204030204" pitchFamily="34" charset="0"/>
-              </a:rPr>
-              <a:t>"loading"</a:t>
-            </a:r>
-            <a:r>
-              <a:rPr sz="2000" dirty="0">
-                <a:latin typeface="Calibri" panose="020F0502020204030204" pitchFamily="34" charset="0"/>
-                <a:cs typeface="Calibri" panose="020F0502020204030204" pitchFamily="34" charset="0"/>
-              </a:rPr>
-              <a:t> | </a:t>
-            </a:r>
-            <a:r>
-              <a:rPr sz="2000" dirty="0">
-                <a:solidFill>
-                  <a:schemeClr val="accent5">
-                    <a:lumOff val="-29866"/>
-                  </a:schemeClr>
-                </a:solidFill>
-                <a:latin typeface="Calibri" panose="020F0502020204030204" pitchFamily="34" charset="0"/>
-                <a:cs typeface="Calibri" panose="020F0502020204030204" pitchFamily="34" charset="0"/>
-              </a:rPr>
-              <a:t>"error" </a:t>
-            </a:r>
-            <a:r>
-              <a:rPr sz="2000" dirty="0">
-                <a:latin typeface="Calibri" panose="020F0502020204030204" pitchFamily="34" charset="0"/>
-                <a:cs typeface="Calibri" panose="020F0502020204030204" pitchFamily="34" charset="0"/>
-              </a:rPr>
-              <a:t>= </a:t>
-            </a:r>
-            <a:r>
-              <a:rPr sz="2000" dirty="0">
-                <a:solidFill>
-                  <a:schemeClr val="accent5">
-                    <a:lumOff val="-29866"/>
-                  </a:schemeClr>
-                </a:solidFill>
-                <a:latin typeface="Calibri" panose="020F0502020204030204" pitchFamily="34" charset="0"/>
-                <a:cs typeface="Calibri" panose="020F0502020204030204" pitchFamily="34" charset="0"/>
-              </a:rPr>
-              <a:t>"loading"</a:t>
             </a:r>
           </a:p>
         </p:txBody>
@@ -6570,7 +6927,7 @@
       </p:grpSpPr>
       <p:sp>
         <p:nvSpPr>
-          <p:cNvPr id="144" name="Types in Typescript"/>
+          <p:cNvPr id="141" name="Types in Typescript"/>
           <p:cNvSpPr txBox="1">
             <a:spLocks noGrp="1"/>
           </p:cNvSpPr>
@@ -6596,23 +6953,12 @@
               </a:rPr>
               <a:t>Types in Typescript</a:t>
             </a:r>
-            <a:r>
-              <a:rPr lang="en-US" sz="4000" dirty="0">
-                <a:latin typeface="Calibri" panose="020F0502020204030204" pitchFamily="34" charset="0"/>
-                <a:cs typeface="Calibri" panose="020F0502020204030204" pitchFamily="34" charset="0"/>
-              </a:rPr>
-              <a:t>.</a:t>
-            </a:r>
-            <a:endParaRPr sz="4000" dirty="0">
-              <a:latin typeface="Calibri" panose="020F0502020204030204" pitchFamily="34" charset="0"/>
-              <a:cs typeface="Calibri" panose="020F0502020204030204" pitchFamily="34" charset="0"/>
-            </a:endParaRPr>
           </a:p>
         </p:txBody>
       </p:sp>
       <p:sp>
         <p:nvSpPr>
-          <p:cNvPr id="145" name="There are additional types that we don’t have in  languages such as Java and C#…"/>
+          <p:cNvPr id="142" name="Types can be Implicit…"/>
           <p:cNvSpPr txBox="1">
             <a:spLocks noGrp="1"/>
           </p:cNvSpPr>
@@ -6627,19 +6973,21 @@
         </p:spPr>
         <p:txBody>
           <a:bodyPr anchor="t">
-            <a:normAutofit/>
+            <a:noAutofit/>
           </a:bodyPr>
           <a:lstStyle/>
           <a:p>
-            <a:pPr marL="324485" indent="-324485" defTabSz="426466">
-              <a:spcBef>
-                <a:spcPts val="3000"/>
-              </a:spcBef>
-              <a:defRPr sz="2336">
-                <a:latin typeface="Helvetica"/>
-                <a:ea typeface="Helvetica"/>
-                <a:cs typeface="Helvetica"/>
-                <a:sym typeface="Helvetica"/>
+            <a:pPr marL="250031" indent="-250031" defTabSz="457200">
+              <a:lnSpc>
+                <a:spcPct val="150000"/>
+              </a:lnSpc>
+              <a:spcBef>
+                <a:spcPts val="1500"/>
+              </a:spcBef>
+              <a:defRPr b="1">
+                <a:solidFill>
+                  <a:srgbClr val="333333"/>
+                </a:solidFill>
               </a:defRPr>
             </a:pPr>
             <a:r>
@@ -6647,207 +6995,600 @@
                 <a:latin typeface="Calibri" panose="020F0502020204030204" pitchFamily="34" charset="0"/>
                 <a:cs typeface="Calibri" panose="020F0502020204030204" pitchFamily="34" charset="0"/>
               </a:rPr>
-              <a:t>There are additional types that we don’t have in  languages such as Java and C#</a:t>
-            </a:r>
-          </a:p>
-          <a:p>
-            <a:pPr marL="324485" indent="-324485" defTabSz="426466">
-              <a:spcBef>
-                <a:spcPts val="3000"/>
-              </a:spcBef>
-              <a:defRPr sz="2336" u="sng">
-                <a:latin typeface="Helvetica"/>
-                <a:ea typeface="Helvetica"/>
-                <a:cs typeface="Helvetica"/>
-                <a:sym typeface="Helvetica"/>
-              </a:defRPr>
-            </a:pPr>
-            <a:r>
-              <a:rPr sz="2000" dirty="0">
-                <a:latin typeface="Calibri" panose="020F0502020204030204" pitchFamily="34" charset="0"/>
-                <a:cs typeface="Calibri" panose="020F0502020204030204" pitchFamily="34" charset="0"/>
-              </a:rPr>
-              <a:t>Union types</a:t>
-            </a:r>
-          </a:p>
-          <a:p>
-            <a:pPr marL="648970" lvl="1" indent="-324485" defTabSz="426466">
-              <a:spcBef>
-                <a:spcPts val="3000"/>
-              </a:spcBef>
-              <a:defRPr sz="2336"/>
-            </a:pPr>
-            <a:r>
-              <a:rPr sz="2000" dirty="0">
-                <a:latin typeface="Calibri" panose="020F0502020204030204" pitchFamily="34" charset="0"/>
-                <a:cs typeface="Calibri" panose="020F0502020204030204" pitchFamily="34" charset="0"/>
-              </a:rPr>
-              <a:t>we can join types together, obtaining all values of both types:</a:t>
-            </a:r>
-          </a:p>
-          <a:p>
-            <a:pPr marL="0" lvl="5" indent="834390" defTabSz="426466">
-              <a:spcBef>
-                <a:spcPts val="3000"/>
+              <a:t>Types can be Implicit</a:t>
+            </a:r>
+          </a:p>
+          <a:p>
+            <a:pPr marL="0" indent="0" defTabSz="457200">
+              <a:lnSpc>
+                <a:spcPct val="150000"/>
+              </a:lnSpc>
+              <a:spcBef>
+                <a:spcPts val="0"/>
               </a:spcBef>
               <a:buSzTx/>
               <a:buNone/>
-              <a:defRPr sz="2336"/>
-            </a:pPr>
+              <a:defRPr>
+                <a:solidFill>
+                  <a:srgbClr val="333333"/>
+                </a:solidFill>
+                <a:latin typeface="Menlo"/>
+                <a:ea typeface="Menlo"/>
+                <a:cs typeface="Menlo"/>
+                <a:sym typeface="Menlo"/>
+              </a:defRPr>
+            </a:pPr>
+            <a:r>
+              <a:rPr sz="2000" dirty="0" err="1">
+                <a:solidFill>
+                  <a:srgbClr val="8959A8"/>
+                </a:solidFill>
+                <a:latin typeface="Calibri" panose="020F0502020204030204" pitchFamily="34" charset="0"/>
+                <a:cs typeface="Calibri" panose="020F0502020204030204" pitchFamily="34" charset="0"/>
+              </a:rPr>
+              <a:t>var</a:t>
+            </a:r>
             <a:r>
               <a:rPr sz="2000" dirty="0">
-                <a:solidFill>
-                  <a:schemeClr val="accent1">
-                    <a:hueOff val="114395"/>
-                    <a:lumOff val="-24975"/>
-                  </a:schemeClr>
-                </a:solidFill>
-                <a:latin typeface="Calibri" panose="020F0502020204030204" pitchFamily="34" charset="0"/>
-                <a:cs typeface="Calibri" panose="020F0502020204030204" pitchFamily="34" charset="0"/>
-              </a:rPr>
-              <a:t>let</a:t>
+                <a:latin typeface="Calibri" panose="020F0502020204030204" pitchFamily="34" charset="0"/>
+                <a:cs typeface="Calibri" panose="020F0502020204030204" pitchFamily="34" charset="0"/>
+              </a:rPr>
+              <a:t> foo = </a:t>
+            </a:r>
+            <a:r>
+              <a:rPr lang="en-US" sz="2000" dirty="0">
+                <a:solidFill>
+                  <a:schemeClr val="tx1"/>
+                </a:solidFill>
+                <a:latin typeface="Calibri" panose="020F0502020204030204" pitchFamily="34" charset="0"/>
+                <a:cs typeface="Calibri" panose="020F0502020204030204" pitchFamily="34" charset="0"/>
+              </a:rPr>
+              <a:t>123</a:t>
             </a:r>
             <a:r>
               <a:rPr sz="2000" dirty="0">
                 <a:latin typeface="Calibri" panose="020F0502020204030204" pitchFamily="34" charset="0"/>
                 <a:cs typeface="Calibri" panose="020F0502020204030204" pitchFamily="34" charset="0"/>
               </a:rPr>
-              <a:t> x1: number | </a:t>
-            </a:r>
+              <a:t>;</a:t>
+            </a:r>
+          </a:p>
+          <a:p>
+            <a:pPr marL="0" indent="0" defTabSz="457200">
+              <a:lnSpc>
+                <a:spcPct val="150000"/>
+              </a:lnSpc>
+              <a:spcBef>
+                <a:spcPts val="0"/>
+              </a:spcBef>
+              <a:buSzTx/>
+              <a:buNone/>
+              <a:defRPr>
+                <a:solidFill>
+                  <a:srgbClr val="8E908C"/>
+                </a:solidFill>
+                <a:latin typeface="Menlo"/>
+                <a:ea typeface="Menlo"/>
+                <a:cs typeface="Menlo"/>
+                <a:sym typeface="Menlo"/>
+              </a:defRPr>
+            </a:pPr>
             <a:r>
               <a:rPr sz="2000" dirty="0">
                 <a:solidFill>
-                  <a:schemeClr val="accent5">
-                    <a:lumOff val="-29866"/>
-                  </a:schemeClr>
-                </a:solidFill>
-                <a:latin typeface="Calibri" panose="020F0502020204030204" pitchFamily="34" charset="0"/>
-                <a:cs typeface="Calibri" panose="020F0502020204030204" pitchFamily="34" charset="0"/>
-              </a:rPr>
-              <a:t>"loading"</a:t>
+                  <a:srgbClr val="333333"/>
+                </a:solidFill>
+                <a:latin typeface="Calibri" panose="020F0502020204030204" pitchFamily="34" charset="0"/>
+                <a:cs typeface="Calibri" panose="020F0502020204030204" pitchFamily="34" charset="0"/>
+              </a:rPr>
+              <a:t>foo = </a:t>
             </a:r>
             <a:r>
               <a:rPr sz="2000" dirty="0">
-                <a:latin typeface="Calibri" panose="020F0502020204030204" pitchFamily="34" charset="0"/>
-                <a:cs typeface="Calibri" panose="020F0502020204030204" pitchFamily="34" charset="0"/>
-              </a:rPr>
-              <a:t> | </a:t>
+                <a:solidFill>
+                  <a:srgbClr val="FFC000"/>
+                </a:solidFill>
+                <a:latin typeface="Calibri" panose="020F0502020204030204" pitchFamily="34" charset="0"/>
+                <a:cs typeface="Calibri" panose="020F0502020204030204" pitchFamily="34" charset="0"/>
+              </a:rPr>
+              <a:t>'456'</a:t>
             </a:r>
             <a:r>
               <a:rPr sz="2000" dirty="0">
                 <a:solidFill>
-                  <a:schemeClr val="accent5">
-                    <a:lumOff val="-29866"/>
-                  </a:schemeClr>
-                </a:solidFill>
-                <a:latin typeface="Calibri" panose="020F0502020204030204" pitchFamily="34" charset="0"/>
-                <a:cs typeface="Calibri" panose="020F0502020204030204" pitchFamily="34" charset="0"/>
-              </a:rPr>
-              <a:t>"error" </a:t>
+                  <a:srgbClr val="333333"/>
+                </a:solidFill>
+                <a:latin typeface="Calibri" panose="020F0502020204030204" pitchFamily="34" charset="0"/>
+                <a:cs typeface="Calibri" panose="020F0502020204030204" pitchFamily="34" charset="0"/>
+              </a:rPr>
+              <a:t>; </a:t>
+            </a:r>
+            <a:r>
+              <a:rPr lang="en-US" sz="2000" dirty="0">
+                <a:solidFill>
+                  <a:srgbClr val="333333"/>
+                </a:solidFill>
+                <a:latin typeface="Calibri" panose="020F0502020204030204" pitchFamily="34" charset="0"/>
+                <a:cs typeface="Calibri" panose="020F0502020204030204" pitchFamily="34" charset="0"/>
+              </a:rPr>
+              <a:t> </a:t>
             </a:r>
             <a:r>
               <a:rPr sz="2000" dirty="0">
                 <a:latin typeface="Calibri" panose="020F0502020204030204" pitchFamily="34" charset="0"/>
                 <a:cs typeface="Calibri" panose="020F0502020204030204" pitchFamily="34" charset="0"/>
               </a:rPr>
-              <a:t>= </a:t>
-            </a:r>
-            <a:r>
-              <a:rPr sz="2000" dirty="0">
-                <a:solidFill>
-                  <a:schemeClr val="accent5">
-                    <a:lumOff val="-29866"/>
-                  </a:schemeClr>
-                </a:solidFill>
-                <a:latin typeface="Calibri" panose="020F0502020204030204" pitchFamily="34" charset="0"/>
-                <a:cs typeface="Calibri" panose="020F0502020204030204" pitchFamily="34" charset="0"/>
-              </a:rPr>
-              <a:t>"loading"</a:t>
-            </a:r>
-            <a:endParaRPr lang="en-US" sz="2000" dirty="0">
+              <a:t>// Error: cannot assign `string` to `number</a:t>
+            </a:r>
+            <a:endParaRPr sz="2000" dirty="0">
               <a:solidFill>
-                <a:schemeClr val="accent5">
-                  <a:lumOff val="-29866"/>
-                </a:schemeClr>
+                <a:srgbClr val="333333"/>
               </a:solidFill>
               <a:latin typeface="Calibri" panose="020F0502020204030204" pitchFamily="34" charset="0"/>
               <a:cs typeface="Calibri" panose="020F0502020204030204" pitchFamily="34" charset="0"/>
             </a:endParaRPr>
           </a:p>
           <a:p>
-            <a:pPr marL="648970" lvl="1" indent="-324485" defTabSz="426466">
-              <a:spcBef>
-                <a:spcPts val="3000"/>
-              </a:spcBef>
-              <a:defRPr sz="2336"/>
-            </a:pPr>
-            <a:r>
-              <a:rPr lang="en-US" sz="2000" dirty="0">
-                <a:latin typeface="Calibri" panose="020F0502020204030204" pitchFamily="34" charset="0"/>
-                <a:cs typeface="Calibri" panose="020F0502020204030204" pitchFamily="34" charset="0"/>
-              </a:rPr>
-              <a:t>we can also join more complex types together</a:t>
-            </a:r>
-          </a:p>
-          <a:p>
-            <a:pPr marL="0" lvl="5" indent="834390" defTabSz="426466">
-              <a:spcBef>
-                <a:spcPts val="3000"/>
+            <a:pPr marL="0" indent="0" defTabSz="457200">
+              <a:lnSpc>
+                <a:spcPct val="150000"/>
+              </a:lnSpc>
+              <a:spcBef>
+                <a:spcPts val="0"/>
               </a:spcBef>
               <a:buSzTx/>
               <a:buNone/>
-              <a:defRPr sz="2336"/>
-            </a:pPr>
-            <a:r>
-              <a:rPr lang="en-US" sz="2000" dirty="0">
-                <a:solidFill>
-                  <a:schemeClr val="accent1">
-                    <a:hueOff val="114395"/>
-                    <a:lumOff val="-24975"/>
-                  </a:schemeClr>
-                </a:solidFill>
-                <a:latin typeface="Calibri" panose="020F0502020204030204" pitchFamily="34" charset="0"/>
-                <a:cs typeface="Calibri" panose="020F0502020204030204" pitchFamily="34" charset="0"/>
-              </a:rPr>
-              <a:t>type</a:t>
-            </a:r>
-            <a:r>
-              <a:rPr lang="en-US" sz="2000" dirty="0">
-                <a:latin typeface="Calibri" panose="020F0502020204030204" pitchFamily="34" charset="0"/>
-                <a:cs typeface="Calibri" panose="020F0502020204030204" pitchFamily="34" charset="0"/>
-              </a:rPr>
-              <a:t> Person = Student | Teacher</a:t>
-            </a:r>
-          </a:p>
-          <a:p>
-            <a:pPr marL="648970" lvl="1" indent="-324485" defTabSz="426466">
-              <a:spcBef>
-                <a:spcPts val="3000"/>
-              </a:spcBef>
-              <a:defRPr sz="2336"/>
-            </a:pPr>
-            <a:r>
-              <a:rPr lang="en-US" sz="2000" dirty="0">
-                <a:latin typeface="Calibri" panose="020F0502020204030204" pitchFamily="34" charset="0"/>
-                <a:cs typeface="Calibri" panose="020F0502020204030204" pitchFamily="34" charset="0"/>
-              </a:rPr>
-              <a:t>to recover the original type information, we can use a discriminated union</a:t>
-            </a:r>
-          </a:p>
-          <a:p>
-            <a:pPr marL="0" lvl="5" indent="834390" defTabSz="426466">
-              <a:spcBef>
-                <a:spcPts val="3000"/>
+              <a:defRPr>
+                <a:solidFill>
+                  <a:srgbClr val="8E908C"/>
+                </a:solidFill>
+                <a:latin typeface="Menlo"/>
+                <a:ea typeface="Menlo"/>
+                <a:cs typeface="Menlo"/>
+                <a:sym typeface="Menlo"/>
+              </a:defRPr>
+            </a:pPr>
+            <a:endParaRPr sz="2000" dirty="0">
+              <a:solidFill>
+                <a:srgbClr val="333333"/>
+              </a:solidFill>
+              <a:latin typeface="Calibri" panose="020F0502020204030204" pitchFamily="34" charset="0"/>
+              <a:cs typeface="Calibri" panose="020F0502020204030204" pitchFamily="34" charset="0"/>
+            </a:endParaRPr>
+          </a:p>
+        </p:txBody>
+      </p:sp>
+    </p:spTree>
+  </p:cSld>
+  <p:clrMapOvr>
+    <a:masterClrMapping/>
+  </p:clrMapOvr>
+  <p:transition spd="med"/>
+</p:sld>
+</file>
+
+<file path=ppt/slides/slide21.xml><?xml version="1.0" encoding="utf-8"?>
+<p:sld xmlns:a="http://schemas.openxmlformats.org/drawingml/2006/main" xmlns:r="http://schemas.openxmlformats.org/officeDocument/2006/relationships" xmlns:p="http://schemas.openxmlformats.org/presentationml/2006/main">
+  <p:cSld>
+    <p:spTree>
+      <p:nvGrpSpPr>
+        <p:cNvPr id="1" name=""/>
+        <p:cNvGrpSpPr/>
+        <p:nvPr/>
+      </p:nvGrpSpPr>
+      <p:grpSpPr>
+        <a:xfrm>
+          <a:off x="0" y="0"/>
+          <a:ext cx="0" cy="0"/>
+          <a:chOff x="0" y="0"/>
+          <a:chExt cx="0" cy="0"/>
+        </a:xfrm>
+      </p:grpSpPr>
+      <p:sp>
+        <p:nvSpPr>
+          <p:cNvPr id="141" name="Types in Typescript"/>
+          <p:cNvSpPr txBox="1">
+            <a:spLocks noGrp="1"/>
+          </p:cNvSpPr>
+          <p:nvPr>
+            <p:ph type="title"/>
+          </p:nvPr>
+        </p:nvSpPr>
+        <p:spPr>
+          <a:prstGeom prst="rect">
+            <a:avLst/>
+          </a:prstGeom>
+        </p:spPr>
+        <p:txBody>
+          <a:bodyPr>
+            <a:normAutofit/>
+          </a:bodyPr>
+          <a:lstStyle/>
+          <a:p>
+            <a:r>
+              <a:rPr sz="4000" dirty="0">
+                <a:latin typeface="Calibri" panose="020F0502020204030204" pitchFamily="34" charset="0"/>
+                <a:cs typeface="Calibri" panose="020F0502020204030204" pitchFamily="34" charset="0"/>
+              </a:rPr>
+              <a:t>Types in Typescript</a:t>
+            </a:r>
+          </a:p>
+        </p:txBody>
+      </p:sp>
+      <p:sp>
+        <p:nvSpPr>
+          <p:cNvPr id="142" name="Types can be Implicit…"/>
+          <p:cNvSpPr txBox="1">
+            <a:spLocks noGrp="1"/>
+          </p:cNvSpPr>
+          <p:nvPr>
+            <p:ph type="body" idx="1"/>
+          </p:nvPr>
+        </p:nvSpPr>
+        <p:spPr>
+          <a:prstGeom prst="rect">
+            <a:avLst/>
+          </a:prstGeom>
+        </p:spPr>
+        <p:txBody>
+          <a:bodyPr anchor="t">
+            <a:noAutofit/>
+          </a:bodyPr>
+          <a:lstStyle/>
+          <a:p>
+            <a:pPr marL="250031" indent="-250031" defTabSz="457200">
+              <a:lnSpc>
+                <a:spcPct val="150000"/>
+              </a:lnSpc>
+              <a:spcBef>
+                <a:spcPts val="1500"/>
+              </a:spcBef>
+              <a:defRPr b="1">
+                <a:solidFill>
+                  <a:srgbClr val="333333"/>
+                </a:solidFill>
+              </a:defRPr>
+            </a:pPr>
+            <a:r>
+              <a:rPr sz="2000" dirty="0">
+                <a:latin typeface="Calibri" panose="020F0502020204030204" pitchFamily="34" charset="0"/>
+                <a:cs typeface="Calibri" panose="020F0502020204030204" pitchFamily="34" charset="0"/>
+              </a:rPr>
+              <a:t>Types can be Implicit</a:t>
+            </a:r>
+          </a:p>
+          <a:p>
+            <a:pPr marL="0" indent="0" defTabSz="457200">
+              <a:lnSpc>
+                <a:spcPct val="150000"/>
+              </a:lnSpc>
+              <a:spcBef>
+                <a:spcPts val="0"/>
               </a:spcBef>
               <a:buSzTx/>
               <a:buNone/>
-              <a:defRPr sz="2336"/>
+              <a:defRPr>
+                <a:solidFill>
+                  <a:srgbClr val="333333"/>
+                </a:solidFill>
+                <a:latin typeface="Menlo"/>
+                <a:ea typeface="Menlo"/>
+                <a:cs typeface="Menlo"/>
+                <a:sym typeface="Menlo"/>
+              </a:defRPr>
+            </a:pPr>
+            <a:r>
+              <a:rPr sz="2000" dirty="0" err="1">
+                <a:solidFill>
+                  <a:srgbClr val="8959A8"/>
+                </a:solidFill>
+                <a:latin typeface="Calibri" panose="020F0502020204030204" pitchFamily="34" charset="0"/>
+                <a:cs typeface="Calibri" panose="020F0502020204030204" pitchFamily="34" charset="0"/>
+              </a:rPr>
+              <a:t>var</a:t>
+            </a:r>
+            <a:r>
+              <a:rPr sz="2000" dirty="0">
+                <a:latin typeface="Calibri" panose="020F0502020204030204" pitchFamily="34" charset="0"/>
+                <a:cs typeface="Calibri" panose="020F0502020204030204" pitchFamily="34" charset="0"/>
+              </a:rPr>
+              <a:t> foo = </a:t>
+            </a:r>
+            <a:r>
+              <a:rPr sz="2000" dirty="0">
+                <a:solidFill>
+                  <a:srgbClr val="F5871F"/>
+                </a:solidFill>
+                <a:latin typeface="Calibri" panose="020F0502020204030204" pitchFamily="34" charset="0"/>
+                <a:cs typeface="Calibri" panose="020F0502020204030204" pitchFamily="34" charset="0"/>
+              </a:rPr>
+              <a:t>123</a:t>
+            </a:r>
+            <a:r>
+              <a:rPr sz="2000" dirty="0">
+                <a:latin typeface="Calibri" panose="020F0502020204030204" pitchFamily="34" charset="0"/>
+                <a:cs typeface="Calibri" panose="020F0502020204030204" pitchFamily="34" charset="0"/>
+              </a:rPr>
+              <a:t>;</a:t>
+            </a:r>
+          </a:p>
+          <a:p>
+            <a:pPr marL="0" indent="0" defTabSz="457200">
+              <a:lnSpc>
+                <a:spcPct val="150000"/>
+              </a:lnSpc>
+              <a:spcBef>
+                <a:spcPts val="0"/>
+              </a:spcBef>
+              <a:buSzTx/>
+              <a:buNone/>
+              <a:defRPr>
+                <a:solidFill>
+                  <a:srgbClr val="8E908C"/>
+                </a:solidFill>
+                <a:latin typeface="Menlo"/>
+                <a:ea typeface="Menlo"/>
+                <a:cs typeface="Menlo"/>
+                <a:sym typeface="Menlo"/>
+              </a:defRPr>
+            </a:pPr>
+            <a:r>
+              <a:rPr sz="2000" dirty="0">
+                <a:solidFill>
+                  <a:srgbClr val="333333"/>
+                </a:solidFill>
+                <a:latin typeface="Calibri" panose="020F0502020204030204" pitchFamily="34" charset="0"/>
+                <a:cs typeface="Calibri" panose="020F0502020204030204" pitchFamily="34" charset="0"/>
+              </a:rPr>
+              <a:t>foo = </a:t>
+            </a:r>
+            <a:r>
+              <a:rPr sz="2000" dirty="0">
+                <a:solidFill>
+                  <a:srgbClr val="718C00"/>
+                </a:solidFill>
+                <a:latin typeface="Calibri" panose="020F0502020204030204" pitchFamily="34" charset="0"/>
+                <a:cs typeface="Calibri" panose="020F0502020204030204" pitchFamily="34" charset="0"/>
+              </a:rPr>
+              <a:t>'456'</a:t>
+            </a:r>
+            <a:r>
+              <a:rPr sz="2000" dirty="0">
+                <a:solidFill>
+                  <a:srgbClr val="333333"/>
+                </a:solidFill>
+                <a:latin typeface="Calibri" panose="020F0502020204030204" pitchFamily="34" charset="0"/>
+                <a:cs typeface="Calibri" panose="020F0502020204030204" pitchFamily="34" charset="0"/>
+              </a:rPr>
+              <a:t>; </a:t>
+            </a:r>
+            <a:r>
+              <a:rPr sz="2000" dirty="0">
+                <a:latin typeface="Calibri" panose="020F0502020204030204" pitchFamily="34" charset="0"/>
+                <a:cs typeface="Calibri" panose="020F0502020204030204" pitchFamily="34" charset="0"/>
+              </a:rPr>
+              <a:t>// Error: cannot assign `string` to `number</a:t>
+            </a:r>
+            <a:endParaRPr lang="en-US" sz="2000" dirty="0">
+              <a:solidFill>
+                <a:srgbClr val="333333"/>
+              </a:solidFill>
+              <a:latin typeface="Calibri" panose="020F0502020204030204" pitchFamily="34" charset="0"/>
+              <a:cs typeface="Calibri" panose="020F0502020204030204" pitchFamily="34" charset="0"/>
+            </a:endParaRPr>
+          </a:p>
+          <a:p>
+            <a:pPr marL="250031" indent="-250031" defTabSz="457200">
+              <a:lnSpc>
+                <a:spcPct val="150000"/>
+              </a:lnSpc>
+              <a:spcBef>
+                <a:spcPts val="1500"/>
+              </a:spcBef>
+              <a:defRPr b="1">
+                <a:solidFill>
+                  <a:srgbClr val="333333"/>
+                </a:solidFill>
+              </a:defRPr>
+            </a:pPr>
+            <a:r>
+              <a:rPr lang="en-US" sz="2000" dirty="0">
+                <a:latin typeface="Calibri" panose="020F0502020204030204" pitchFamily="34" charset="0"/>
+                <a:cs typeface="Calibri" panose="020F0502020204030204" pitchFamily="34" charset="0"/>
+              </a:rPr>
+              <a:t>Types can be Explicit</a:t>
+            </a:r>
+          </a:p>
+          <a:p>
+            <a:pPr marL="0" indent="0" defTabSz="457200">
+              <a:lnSpc>
+                <a:spcPct val="150000"/>
+              </a:lnSpc>
+              <a:spcBef>
+                <a:spcPts val="0"/>
+              </a:spcBef>
+              <a:buSzTx/>
+              <a:buNone/>
+              <a:defRPr>
+                <a:solidFill>
+                  <a:srgbClr val="333333"/>
+                </a:solidFill>
+                <a:latin typeface="Menlo"/>
+                <a:ea typeface="Menlo"/>
+                <a:cs typeface="Menlo"/>
+                <a:sym typeface="Menlo"/>
+              </a:defRPr>
+            </a:pPr>
+            <a:r>
+              <a:rPr lang="en-US" sz="2000" dirty="0" err="1">
+                <a:solidFill>
+                  <a:srgbClr val="8959A8"/>
+                </a:solidFill>
+                <a:latin typeface="Calibri" panose="020F0502020204030204" pitchFamily="34" charset="0"/>
+                <a:cs typeface="Calibri" panose="020F0502020204030204" pitchFamily="34" charset="0"/>
+              </a:rPr>
+              <a:t>var</a:t>
+            </a:r>
+            <a:r>
+              <a:rPr lang="en-US" sz="2000" dirty="0">
+                <a:latin typeface="Calibri" panose="020F0502020204030204" pitchFamily="34" charset="0"/>
+                <a:cs typeface="Calibri" panose="020F0502020204030204" pitchFamily="34" charset="0"/>
+              </a:rPr>
+              <a:t> foo: </a:t>
+            </a:r>
+            <a:r>
+              <a:rPr lang="en-US" sz="2000" dirty="0">
+                <a:solidFill>
+                  <a:srgbClr val="F5871F"/>
+                </a:solidFill>
+                <a:latin typeface="Calibri" panose="020F0502020204030204" pitchFamily="34" charset="0"/>
+                <a:cs typeface="Calibri" panose="020F0502020204030204" pitchFamily="34" charset="0"/>
+              </a:rPr>
+              <a:t>number</a:t>
+            </a:r>
+            <a:r>
+              <a:rPr lang="en-US" sz="2000" dirty="0">
+                <a:latin typeface="Calibri" panose="020F0502020204030204" pitchFamily="34" charset="0"/>
+                <a:cs typeface="Calibri" panose="020F0502020204030204" pitchFamily="34" charset="0"/>
+              </a:rPr>
+              <a:t> = </a:t>
+            </a:r>
+            <a:r>
+              <a:rPr lang="en-US" sz="2000" dirty="0">
+                <a:solidFill>
+                  <a:srgbClr val="F5871F"/>
+                </a:solidFill>
+                <a:latin typeface="Calibri" panose="020F0502020204030204" pitchFamily="34" charset="0"/>
+                <a:cs typeface="Calibri" panose="020F0502020204030204" pitchFamily="34" charset="0"/>
+              </a:rPr>
+              <a:t>123</a:t>
+            </a:r>
+            <a:r>
+              <a:rPr lang="en-US" sz="2000" dirty="0">
+                <a:latin typeface="Calibri" panose="020F0502020204030204" pitchFamily="34" charset="0"/>
+                <a:cs typeface="Calibri" panose="020F0502020204030204" pitchFamily="34" charset="0"/>
+              </a:rPr>
+              <a:t>;</a:t>
+            </a:r>
+          </a:p>
+          <a:p>
+            <a:pPr marL="0" indent="0" defTabSz="457200">
+              <a:lnSpc>
+                <a:spcPct val="150000"/>
+              </a:lnSpc>
+              <a:spcBef>
+                <a:spcPts val="0"/>
+              </a:spcBef>
+              <a:buSzTx/>
+              <a:buNone/>
+              <a:defRPr>
+                <a:solidFill>
+                  <a:srgbClr val="8E908C"/>
+                </a:solidFill>
+                <a:latin typeface="Menlo"/>
+                <a:ea typeface="Menlo"/>
+                <a:cs typeface="Menlo"/>
+                <a:sym typeface="Menlo"/>
+              </a:defRPr>
+            </a:pPr>
+            <a:r>
+              <a:rPr lang="en-US" sz="2000" dirty="0" err="1">
+                <a:solidFill>
+                  <a:srgbClr val="8959A8"/>
+                </a:solidFill>
+                <a:latin typeface="Calibri" panose="020F0502020204030204" pitchFamily="34" charset="0"/>
+                <a:cs typeface="Calibri" panose="020F0502020204030204" pitchFamily="34" charset="0"/>
+              </a:rPr>
+              <a:t>var</a:t>
+            </a:r>
+            <a:r>
+              <a:rPr lang="en-US" sz="2000" dirty="0">
+                <a:solidFill>
+                  <a:srgbClr val="333333"/>
+                </a:solidFill>
+                <a:latin typeface="Calibri" panose="020F0502020204030204" pitchFamily="34" charset="0"/>
+                <a:cs typeface="Calibri" panose="020F0502020204030204" pitchFamily="34" charset="0"/>
+              </a:rPr>
+              <a:t> foo: </a:t>
+            </a:r>
+            <a:r>
+              <a:rPr lang="en-US" sz="2000" dirty="0">
+                <a:solidFill>
+                  <a:srgbClr val="F5871F"/>
+                </a:solidFill>
+                <a:latin typeface="Calibri" panose="020F0502020204030204" pitchFamily="34" charset="0"/>
+                <a:cs typeface="Calibri" panose="020F0502020204030204" pitchFamily="34" charset="0"/>
+              </a:rPr>
+              <a:t>number</a:t>
+            </a:r>
+            <a:r>
+              <a:rPr lang="en-US" sz="2000" dirty="0">
+                <a:solidFill>
+                  <a:srgbClr val="333333"/>
+                </a:solidFill>
+                <a:latin typeface="Calibri" panose="020F0502020204030204" pitchFamily="34" charset="0"/>
+                <a:cs typeface="Calibri" panose="020F0502020204030204" pitchFamily="34" charset="0"/>
+              </a:rPr>
+              <a:t> = </a:t>
+            </a:r>
+            <a:r>
+              <a:rPr lang="en-US" sz="2000" dirty="0">
+                <a:solidFill>
+                  <a:srgbClr val="718C00"/>
+                </a:solidFill>
+                <a:latin typeface="Calibri" panose="020F0502020204030204" pitchFamily="34" charset="0"/>
+                <a:cs typeface="Calibri" panose="020F0502020204030204" pitchFamily="34" charset="0"/>
+              </a:rPr>
+              <a:t>'123'</a:t>
+            </a:r>
+            <a:r>
+              <a:rPr lang="en-US" sz="2000" dirty="0">
+                <a:solidFill>
+                  <a:srgbClr val="333333"/>
+                </a:solidFill>
+                <a:latin typeface="Calibri" panose="020F0502020204030204" pitchFamily="34" charset="0"/>
+                <a:cs typeface="Calibri" panose="020F0502020204030204" pitchFamily="34" charset="0"/>
+              </a:rPr>
+              <a:t>; </a:t>
+            </a:r>
+            <a:r>
+              <a:rPr lang="en-US" sz="2000" dirty="0">
+                <a:latin typeface="Calibri" panose="020F0502020204030204" pitchFamily="34" charset="0"/>
+                <a:cs typeface="Calibri" panose="020F0502020204030204" pitchFamily="34" charset="0"/>
+              </a:rPr>
+              <a:t>// Error: cannot assign a `string` to a `number`</a:t>
+            </a:r>
+            <a:endParaRPr lang="en-US" sz="2000" dirty="0">
+              <a:solidFill>
+                <a:srgbClr val="333333"/>
+              </a:solidFill>
+              <a:latin typeface="Calibri" panose="020F0502020204030204" pitchFamily="34" charset="0"/>
+              <a:cs typeface="Calibri" panose="020F0502020204030204" pitchFamily="34" charset="0"/>
+            </a:endParaRPr>
+          </a:p>
+          <a:p>
+            <a:pPr marL="0" indent="0" defTabSz="457200">
+              <a:lnSpc>
+                <a:spcPct val="150000"/>
+              </a:lnSpc>
+              <a:spcBef>
+                <a:spcPts val="0"/>
+              </a:spcBef>
+              <a:buSzTx/>
+              <a:buNone/>
+              <a:defRPr>
+                <a:solidFill>
+                  <a:srgbClr val="8E908C"/>
+                </a:solidFill>
+                <a:latin typeface="Menlo"/>
+                <a:ea typeface="Menlo"/>
+                <a:cs typeface="Menlo"/>
+                <a:sym typeface="Menlo"/>
+              </a:defRPr>
             </a:pPr>
             <a:endParaRPr sz="2000" dirty="0">
               <a:solidFill>
-                <a:schemeClr val="accent5">
-                  <a:lumOff val="-29866"/>
-                </a:schemeClr>
+                <a:srgbClr val="333333"/>
               </a:solidFill>
               <a:latin typeface="Calibri" panose="020F0502020204030204" pitchFamily="34" charset="0"/>
               <a:cs typeface="Calibri" panose="020F0502020204030204" pitchFamily="34" charset="0"/>
@@ -6858,7 +7599,7 @@
     </p:spTree>
     <p:extLst>
       <p:ext uri="{BB962C8B-B14F-4D97-AF65-F5344CB8AC3E}">
-        <p14:creationId xmlns:p14="http://schemas.microsoft.com/office/powerpoint/2010/main" val="1661145459"/>
+        <p14:creationId xmlns:p14="http://schemas.microsoft.com/office/powerpoint/2010/main" val="1984492712"/>
       </p:ext>
     </p:extLst>
   </p:cSld>
@@ -6869,7 +7610,124 @@
 </p:sld>
 </file>
 
-<file path=ppt/slides/slide21.xml><?xml version="1.0" encoding="utf-8"?>
+<file path=ppt/slides/slide22.xml><?xml version="1.0" encoding="utf-8"?>
+<p:sld xmlns:a="http://schemas.openxmlformats.org/drawingml/2006/main" xmlns:r="http://schemas.openxmlformats.org/officeDocument/2006/relationships" xmlns:p="http://schemas.openxmlformats.org/presentationml/2006/main">
+  <p:cSld>
+    <p:spTree>
+      <p:nvGrpSpPr>
+        <p:cNvPr id="1" name=""/>
+        <p:cNvGrpSpPr/>
+        <p:nvPr/>
+      </p:nvGrpSpPr>
+      <p:grpSpPr>
+        <a:xfrm>
+          <a:off x="0" y="0"/>
+          <a:ext cx="0" cy="0"/>
+          <a:chOff x="0" y="0"/>
+          <a:chExt cx="0" cy="0"/>
+        </a:xfrm>
+      </p:grpSpPr>
+      <p:sp>
+        <p:nvSpPr>
+          <p:cNvPr id="141" name="Types in Typescript"/>
+          <p:cNvSpPr txBox="1">
+            <a:spLocks noGrp="1"/>
+          </p:cNvSpPr>
+          <p:nvPr>
+            <p:ph type="title"/>
+          </p:nvPr>
+        </p:nvSpPr>
+        <p:spPr>
+          <a:prstGeom prst="rect">
+            <a:avLst/>
+          </a:prstGeom>
+        </p:spPr>
+        <p:txBody>
+          <a:bodyPr>
+            <a:normAutofit/>
+          </a:bodyPr>
+          <a:lstStyle/>
+          <a:p>
+            <a:r>
+              <a:rPr lang="en-US" sz="4000" dirty="0">
+                <a:latin typeface="Calibri" panose="020F0502020204030204" pitchFamily="34" charset="0"/>
+                <a:cs typeface="Calibri" panose="020F0502020204030204" pitchFamily="34" charset="0"/>
+              </a:rPr>
+              <a:t>Example</a:t>
+            </a:r>
+            <a:endParaRPr sz="4000" dirty="0">
+              <a:latin typeface="Calibri" panose="020F0502020204030204" pitchFamily="34" charset="0"/>
+              <a:cs typeface="Calibri" panose="020F0502020204030204" pitchFamily="34" charset="0"/>
+            </a:endParaRPr>
+          </a:p>
+        </p:txBody>
+      </p:sp>
+      <p:sp>
+        <p:nvSpPr>
+          <p:cNvPr id="142" name="Types can be Implicit…"/>
+          <p:cNvSpPr txBox="1">
+            <a:spLocks noGrp="1"/>
+          </p:cNvSpPr>
+          <p:nvPr>
+            <p:ph type="body" idx="1"/>
+          </p:nvPr>
+        </p:nvSpPr>
+        <p:spPr>
+          <a:prstGeom prst="rect">
+            <a:avLst/>
+          </a:prstGeom>
+        </p:spPr>
+        <p:txBody>
+          <a:bodyPr anchor="t">
+            <a:noAutofit/>
+          </a:bodyPr>
+          <a:lstStyle/>
+          <a:p>
+            <a:pPr marL="250031" indent="-250031" defTabSz="457200">
+              <a:lnSpc>
+                <a:spcPct val="150000"/>
+              </a:lnSpc>
+              <a:spcBef>
+                <a:spcPts val="1500"/>
+              </a:spcBef>
+              <a:defRPr b="1">
+                <a:solidFill>
+                  <a:srgbClr val="333333"/>
+                </a:solidFill>
+              </a:defRPr>
+            </a:pPr>
+            <a:r>
+              <a:rPr lang="en-US" sz="2000" dirty="0">
+                <a:latin typeface="Calibri" panose="020F0502020204030204" pitchFamily="34" charset="0"/>
+                <a:cs typeface="Calibri" panose="020F0502020204030204" pitchFamily="34" charset="0"/>
+              </a:rPr>
+              <a:t>Demo</a:t>
+            </a:r>
+            <a:endParaRPr sz="2000" dirty="0">
+              <a:solidFill>
+                <a:srgbClr val="333333"/>
+              </a:solidFill>
+              <a:latin typeface="Calibri" panose="020F0502020204030204" pitchFamily="34" charset="0"/>
+              <a:cs typeface="Calibri" panose="020F0502020204030204" pitchFamily="34" charset="0"/>
+            </a:endParaRPr>
+          </a:p>
+        </p:txBody>
+      </p:sp>
+    </p:spTree>
+    <p:extLst>
+      <p:ext uri="{BB962C8B-B14F-4D97-AF65-F5344CB8AC3E}">
+        <p14:creationId xmlns:p14="http://schemas.microsoft.com/office/powerpoint/2010/main" val="2383841777"/>
+      </p:ext>
+    </p:extLst>
+  </p:cSld>
+  <p:clrMapOvr>
+    <a:masterClrMapping/>
+  </p:clrMapOvr>
+  <p:transition spd="med"/>
+</p:sld>
+</file>
+
+<file path=ppt/slides/slide23.xml><?xml version="1.0" encoding="utf-8"?>
 <p:sld xmlns:a="http://schemas.openxmlformats.org/drawingml/2006/main" xmlns:r="http://schemas.openxmlformats.org/officeDocument/2006/relationships" xmlns:p="http://schemas.openxmlformats.org/presentationml/2006/main">
   <p:cSld>
     <p:spTree>
@@ -7082,6 +7940,231 @@
               </a:rPr>
               <a:t>"loading"</a:t>
             </a:r>
+          </a:p>
+        </p:txBody>
+      </p:sp>
+    </p:spTree>
+  </p:cSld>
+  <p:clrMapOvr>
+    <a:masterClrMapping/>
+  </p:clrMapOvr>
+  <p:transition spd="med"/>
+</p:sld>
+</file>
+
+<file path=ppt/slides/slide24.xml><?xml version="1.0" encoding="utf-8"?>
+<p:sld xmlns:a="http://schemas.openxmlformats.org/drawingml/2006/main" xmlns:r="http://schemas.openxmlformats.org/officeDocument/2006/relationships" xmlns:p="http://schemas.openxmlformats.org/presentationml/2006/main">
+  <p:cSld>
+    <p:spTree>
+      <p:nvGrpSpPr>
+        <p:cNvPr id="1" name=""/>
+        <p:cNvGrpSpPr/>
+        <p:nvPr/>
+      </p:nvGrpSpPr>
+      <p:grpSpPr>
+        <a:xfrm>
+          <a:off x="0" y="0"/>
+          <a:ext cx="0" cy="0"/>
+          <a:chOff x="0" y="0"/>
+          <a:chExt cx="0" cy="0"/>
+        </a:xfrm>
+      </p:grpSpPr>
+      <p:sp>
+        <p:nvSpPr>
+          <p:cNvPr id="144" name="Types in Typescript"/>
+          <p:cNvSpPr txBox="1">
+            <a:spLocks noGrp="1"/>
+          </p:cNvSpPr>
+          <p:nvPr>
+            <p:ph type="title"/>
+          </p:nvPr>
+        </p:nvSpPr>
+        <p:spPr>
+          <a:prstGeom prst="rect">
+            <a:avLst/>
+          </a:prstGeom>
+        </p:spPr>
+        <p:txBody>
+          <a:bodyPr>
+            <a:normAutofit/>
+          </a:bodyPr>
+          <a:lstStyle/>
+          <a:p>
+            <a:r>
+              <a:rPr sz="4000" dirty="0">
+                <a:latin typeface="Calibri" panose="020F0502020204030204" pitchFamily="34" charset="0"/>
+                <a:cs typeface="Calibri" panose="020F0502020204030204" pitchFamily="34" charset="0"/>
+              </a:rPr>
+              <a:t>Types in Typescript</a:t>
+            </a:r>
+            <a:r>
+              <a:rPr lang="en-US" sz="4000" dirty="0">
+                <a:latin typeface="Calibri" panose="020F0502020204030204" pitchFamily="34" charset="0"/>
+                <a:cs typeface="Calibri" panose="020F0502020204030204" pitchFamily="34" charset="0"/>
+              </a:rPr>
+              <a:t>.</a:t>
+            </a:r>
+            <a:endParaRPr sz="4000" dirty="0">
+              <a:latin typeface="Calibri" panose="020F0502020204030204" pitchFamily="34" charset="0"/>
+              <a:cs typeface="Calibri" panose="020F0502020204030204" pitchFamily="34" charset="0"/>
+            </a:endParaRPr>
+          </a:p>
+        </p:txBody>
+      </p:sp>
+      <p:sp>
+        <p:nvSpPr>
+          <p:cNvPr id="145" name="There are additional types that we don’t have in  languages such as Java and C#…"/>
+          <p:cNvSpPr txBox="1">
+            <a:spLocks noGrp="1"/>
+          </p:cNvSpPr>
+          <p:nvPr>
+            <p:ph type="body" idx="1"/>
+          </p:nvPr>
+        </p:nvSpPr>
+        <p:spPr>
+          <a:prstGeom prst="rect">
+            <a:avLst/>
+          </a:prstGeom>
+        </p:spPr>
+        <p:txBody>
+          <a:bodyPr anchor="t">
+            <a:normAutofit/>
+          </a:bodyPr>
+          <a:lstStyle/>
+          <a:p>
+            <a:pPr marL="324485" indent="-324485" defTabSz="426466">
+              <a:spcBef>
+                <a:spcPts val="3000"/>
+              </a:spcBef>
+              <a:defRPr sz="2336">
+                <a:latin typeface="Helvetica"/>
+                <a:ea typeface="Helvetica"/>
+                <a:cs typeface="Helvetica"/>
+                <a:sym typeface="Helvetica"/>
+              </a:defRPr>
+            </a:pPr>
+            <a:r>
+              <a:rPr sz="2000" dirty="0">
+                <a:latin typeface="Calibri" panose="020F0502020204030204" pitchFamily="34" charset="0"/>
+                <a:cs typeface="Calibri" panose="020F0502020204030204" pitchFamily="34" charset="0"/>
+              </a:rPr>
+              <a:t>There are additional types that we don’t have in  languages such as Java and C#</a:t>
+            </a:r>
+          </a:p>
+          <a:p>
+            <a:pPr marL="324485" indent="-324485" defTabSz="426466">
+              <a:spcBef>
+                <a:spcPts val="3000"/>
+              </a:spcBef>
+              <a:defRPr sz="2336" u="sng">
+                <a:latin typeface="Helvetica"/>
+                <a:ea typeface="Helvetica"/>
+                <a:cs typeface="Helvetica"/>
+                <a:sym typeface="Helvetica"/>
+              </a:defRPr>
+            </a:pPr>
+            <a:r>
+              <a:rPr sz="2000" dirty="0">
+                <a:latin typeface="Calibri" panose="020F0502020204030204" pitchFamily="34" charset="0"/>
+                <a:cs typeface="Calibri" panose="020F0502020204030204" pitchFamily="34" charset="0"/>
+              </a:rPr>
+              <a:t>Union types</a:t>
+            </a:r>
+          </a:p>
+          <a:p>
+            <a:pPr marL="648970" lvl="1" indent="-324485" defTabSz="426466">
+              <a:spcBef>
+                <a:spcPts val="3000"/>
+              </a:spcBef>
+              <a:defRPr sz="2336"/>
+            </a:pPr>
+            <a:r>
+              <a:rPr sz="2000" dirty="0">
+                <a:latin typeface="Calibri" panose="020F0502020204030204" pitchFamily="34" charset="0"/>
+                <a:cs typeface="Calibri" panose="020F0502020204030204" pitchFamily="34" charset="0"/>
+              </a:rPr>
+              <a:t>we can join types together, obtaining all values of both types:</a:t>
+            </a:r>
+          </a:p>
+          <a:p>
+            <a:pPr marL="0" lvl="5" indent="834390" defTabSz="426466">
+              <a:spcBef>
+                <a:spcPts val="3000"/>
+              </a:spcBef>
+              <a:buSzTx/>
+              <a:buNone/>
+              <a:defRPr sz="2336"/>
+            </a:pPr>
+            <a:r>
+              <a:rPr sz="2000" dirty="0">
+                <a:solidFill>
+                  <a:schemeClr val="accent1">
+                    <a:hueOff val="114395"/>
+                    <a:lumOff val="-24975"/>
+                  </a:schemeClr>
+                </a:solidFill>
+                <a:latin typeface="Calibri" panose="020F0502020204030204" pitchFamily="34" charset="0"/>
+                <a:cs typeface="Calibri" panose="020F0502020204030204" pitchFamily="34" charset="0"/>
+              </a:rPr>
+              <a:t>let</a:t>
+            </a:r>
+            <a:r>
+              <a:rPr sz="2000" dirty="0">
+                <a:latin typeface="Calibri" panose="020F0502020204030204" pitchFamily="34" charset="0"/>
+                <a:cs typeface="Calibri" panose="020F0502020204030204" pitchFamily="34" charset="0"/>
+              </a:rPr>
+              <a:t> x1: number | </a:t>
+            </a:r>
+            <a:r>
+              <a:rPr sz="2000" dirty="0">
+                <a:solidFill>
+                  <a:schemeClr val="accent5">
+                    <a:lumOff val="-29866"/>
+                  </a:schemeClr>
+                </a:solidFill>
+                <a:latin typeface="Calibri" panose="020F0502020204030204" pitchFamily="34" charset="0"/>
+                <a:cs typeface="Calibri" panose="020F0502020204030204" pitchFamily="34" charset="0"/>
+              </a:rPr>
+              <a:t>"loading"</a:t>
+            </a:r>
+            <a:r>
+              <a:rPr sz="2000" dirty="0">
+                <a:latin typeface="Calibri" panose="020F0502020204030204" pitchFamily="34" charset="0"/>
+                <a:cs typeface="Calibri" panose="020F0502020204030204" pitchFamily="34" charset="0"/>
+              </a:rPr>
+              <a:t> | </a:t>
+            </a:r>
+            <a:r>
+              <a:rPr sz="2000" dirty="0">
+                <a:solidFill>
+                  <a:schemeClr val="accent5">
+                    <a:lumOff val="-29866"/>
+                  </a:schemeClr>
+                </a:solidFill>
+                <a:latin typeface="Calibri" panose="020F0502020204030204" pitchFamily="34" charset="0"/>
+                <a:cs typeface="Calibri" panose="020F0502020204030204" pitchFamily="34" charset="0"/>
+              </a:rPr>
+              <a:t>"error" </a:t>
+            </a:r>
+            <a:r>
+              <a:rPr sz="2000" dirty="0">
+                <a:latin typeface="Calibri" panose="020F0502020204030204" pitchFamily="34" charset="0"/>
+                <a:cs typeface="Calibri" panose="020F0502020204030204" pitchFamily="34" charset="0"/>
+              </a:rPr>
+              <a:t>= </a:t>
+            </a:r>
+            <a:r>
+              <a:rPr sz="2000" dirty="0">
+                <a:solidFill>
+                  <a:schemeClr val="accent5">
+                    <a:lumOff val="-29866"/>
+                  </a:schemeClr>
+                </a:solidFill>
+                <a:latin typeface="Calibri" panose="020F0502020204030204" pitchFamily="34" charset="0"/>
+                <a:cs typeface="Calibri" panose="020F0502020204030204" pitchFamily="34" charset="0"/>
+              </a:rPr>
+              <a:t>"loading"</a:t>
+            </a:r>
             <a:endParaRPr lang="en-US" sz="2000" dirty="0">
               <a:solidFill>
                 <a:schemeClr val="accent5">
@@ -7134,7 +8217,339 @@
                 <a:latin typeface="Calibri" panose="020F0502020204030204" pitchFamily="34" charset="0"/>
                 <a:cs typeface="Calibri" panose="020F0502020204030204" pitchFamily="34" charset="0"/>
               </a:rPr>
-              <a:t> Person = Student | Teacher</a:t>
+              <a:t> </a:t>
+            </a:r>
+            <a:r>
+              <a:rPr lang="en-US" sz="2000" dirty="0" err="1">
+                <a:latin typeface="Calibri" panose="020F0502020204030204" pitchFamily="34" charset="0"/>
+                <a:cs typeface="Calibri" panose="020F0502020204030204" pitchFamily="34" charset="0"/>
+              </a:rPr>
+              <a:t>Recor</a:t>
+            </a:r>
+            <a:r>
+              <a:rPr lang="en-US" sz="2000" dirty="0">
+                <a:latin typeface="Calibri" panose="020F0502020204030204" pitchFamily="34" charset="0"/>
+                <a:cs typeface="Calibri" panose="020F0502020204030204" pitchFamily="34" charset="0"/>
+              </a:rPr>
+              <a:t> = Movie | Actor</a:t>
+            </a:r>
+          </a:p>
+          <a:p>
+            <a:pPr marL="648970" lvl="1" indent="-324485" defTabSz="426466">
+              <a:spcBef>
+                <a:spcPts val="3000"/>
+              </a:spcBef>
+              <a:defRPr sz="2336"/>
+            </a:pPr>
+            <a:r>
+              <a:rPr lang="en-US" sz="2000" dirty="0">
+                <a:latin typeface="Calibri" panose="020F0502020204030204" pitchFamily="34" charset="0"/>
+                <a:cs typeface="Calibri" panose="020F0502020204030204" pitchFamily="34" charset="0"/>
+              </a:rPr>
+              <a:t>to recover the original type information, we can use a discriminated union</a:t>
+            </a:r>
+          </a:p>
+          <a:p>
+            <a:pPr marL="0" lvl="5" indent="834390" defTabSz="426466">
+              <a:spcBef>
+                <a:spcPts val="3000"/>
+              </a:spcBef>
+              <a:buSzTx/>
+              <a:buNone/>
+              <a:defRPr sz="2336"/>
+            </a:pPr>
+            <a:endParaRPr sz="2000" dirty="0">
+              <a:solidFill>
+                <a:schemeClr val="accent5">
+                  <a:lumOff val="-29866"/>
+                </a:schemeClr>
+              </a:solidFill>
+              <a:latin typeface="Calibri" panose="020F0502020204030204" pitchFamily="34" charset="0"/>
+              <a:cs typeface="Calibri" panose="020F0502020204030204" pitchFamily="34" charset="0"/>
+            </a:endParaRPr>
+          </a:p>
+        </p:txBody>
+      </p:sp>
+    </p:spTree>
+    <p:extLst>
+      <p:ext uri="{BB962C8B-B14F-4D97-AF65-F5344CB8AC3E}">
+        <p14:creationId xmlns:p14="http://schemas.microsoft.com/office/powerpoint/2010/main" val="1661145459"/>
+      </p:ext>
+    </p:extLst>
+  </p:cSld>
+  <p:clrMapOvr>
+    <a:masterClrMapping/>
+  </p:clrMapOvr>
+  <p:transition spd="med"/>
+</p:sld>
+</file>
+
+<file path=ppt/slides/slide25.xml><?xml version="1.0" encoding="utf-8"?>
+<p:sld xmlns:a="http://schemas.openxmlformats.org/drawingml/2006/main" xmlns:r="http://schemas.openxmlformats.org/officeDocument/2006/relationships" xmlns:p="http://schemas.openxmlformats.org/presentationml/2006/main">
+  <p:cSld>
+    <p:spTree>
+      <p:nvGrpSpPr>
+        <p:cNvPr id="1" name=""/>
+        <p:cNvGrpSpPr/>
+        <p:nvPr/>
+      </p:nvGrpSpPr>
+      <p:grpSpPr>
+        <a:xfrm>
+          <a:off x="0" y="0"/>
+          <a:ext cx="0" cy="0"/>
+          <a:chOff x="0" y="0"/>
+          <a:chExt cx="0" cy="0"/>
+        </a:xfrm>
+      </p:grpSpPr>
+      <p:sp>
+        <p:nvSpPr>
+          <p:cNvPr id="144" name="Types in Typescript"/>
+          <p:cNvSpPr txBox="1">
+            <a:spLocks noGrp="1"/>
+          </p:cNvSpPr>
+          <p:nvPr>
+            <p:ph type="title"/>
+          </p:nvPr>
+        </p:nvSpPr>
+        <p:spPr>
+          <a:prstGeom prst="rect">
+            <a:avLst/>
+          </a:prstGeom>
+        </p:spPr>
+        <p:txBody>
+          <a:bodyPr>
+            <a:normAutofit/>
+          </a:bodyPr>
+          <a:lstStyle/>
+          <a:p>
+            <a:r>
+              <a:rPr sz="4000" dirty="0">
+                <a:latin typeface="Calibri" panose="020F0502020204030204" pitchFamily="34" charset="0"/>
+                <a:cs typeface="Calibri" panose="020F0502020204030204" pitchFamily="34" charset="0"/>
+              </a:rPr>
+              <a:t>Types in Typescript</a:t>
+            </a:r>
+            <a:r>
+              <a:rPr lang="en-US" sz="4000" dirty="0">
+                <a:latin typeface="Calibri" panose="020F0502020204030204" pitchFamily="34" charset="0"/>
+                <a:cs typeface="Calibri" panose="020F0502020204030204" pitchFamily="34" charset="0"/>
+              </a:rPr>
+              <a:t>.</a:t>
+            </a:r>
+            <a:endParaRPr sz="4000" dirty="0">
+              <a:latin typeface="Calibri" panose="020F0502020204030204" pitchFamily="34" charset="0"/>
+              <a:cs typeface="Calibri" panose="020F0502020204030204" pitchFamily="34" charset="0"/>
+            </a:endParaRPr>
+          </a:p>
+        </p:txBody>
+      </p:sp>
+      <p:sp>
+        <p:nvSpPr>
+          <p:cNvPr id="145" name="There are additional types that we don’t have in  languages such as Java and C#…"/>
+          <p:cNvSpPr txBox="1">
+            <a:spLocks noGrp="1"/>
+          </p:cNvSpPr>
+          <p:nvPr>
+            <p:ph type="body" idx="1"/>
+          </p:nvPr>
+        </p:nvSpPr>
+        <p:spPr>
+          <a:prstGeom prst="rect">
+            <a:avLst/>
+          </a:prstGeom>
+        </p:spPr>
+        <p:txBody>
+          <a:bodyPr anchor="t">
+            <a:normAutofit/>
+          </a:bodyPr>
+          <a:lstStyle/>
+          <a:p>
+            <a:pPr marL="324485" indent="-324485" defTabSz="426466">
+              <a:spcBef>
+                <a:spcPts val="3000"/>
+              </a:spcBef>
+              <a:defRPr sz="2336">
+                <a:latin typeface="Helvetica"/>
+                <a:ea typeface="Helvetica"/>
+                <a:cs typeface="Helvetica"/>
+                <a:sym typeface="Helvetica"/>
+              </a:defRPr>
+            </a:pPr>
+            <a:r>
+              <a:rPr sz="2000" dirty="0">
+                <a:latin typeface="Calibri" panose="020F0502020204030204" pitchFamily="34" charset="0"/>
+                <a:cs typeface="Calibri" panose="020F0502020204030204" pitchFamily="34" charset="0"/>
+              </a:rPr>
+              <a:t>There are additional types that we don’t have in  languages such as Java and C#</a:t>
+            </a:r>
+          </a:p>
+          <a:p>
+            <a:pPr marL="324485" indent="-324485" defTabSz="426466">
+              <a:spcBef>
+                <a:spcPts val="3000"/>
+              </a:spcBef>
+              <a:defRPr sz="2336" u="sng">
+                <a:latin typeface="Helvetica"/>
+                <a:ea typeface="Helvetica"/>
+                <a:cs typeface="Helvetica"/>
+                <a:sym typeface="Helvetica"/>
+              </a:defRPr>
+            </a:pPr>
+            <a:r>
+              <a:rPr sz="2000" dirty="0">
+                <a:latin typeface="Calibri" panose="020F0502020204030204" pitchFamily="34" charset="0"/>
+                <a:cs typeface="Calibri" panose="020F0502020204030204" pitchFamily="34" charset="0"/>
+              </a:rPr>
+              <a:t>Union types</a:t>
+            </a:r>
+          </a:p>
+          <a:p>
+            <a:pPr marL="648970" lvl="1" indent="-324485" defTabSz="426466">
+              <a:spcBef>
+                <a:spcPts val="3000"/>
+              </a:spcBef>
+              <a:defRPr sz="2336"/>
+            </a:pPr>
+            <a:r>
+              <a:rPr sz="2000" dirty="0">
+                <a:latin typeface="Calibri" panose="020F0502020204030204" pitchFamily="34" charset="0"/>
+                <a:cs typeface="Calibri" panose="020F0502020204030204" pitchFamily="34" charset="0"/>
+              </a:rPr>
+              <a:t>we can join types together, obtaining all values of both types:</a:t>
+            </a:r>
+          </a:p>
+          <a:p>
+            <a:pPr marL="0" lvl="5" indent="834390" defTabSz="426466">
+              <a:spcBef>
+                <a:spcPts val="3000"/>
+              </a:spcBef>
+              <a:buSzTx/>
+              <a:buNone/>
+              <a:defRPr sz="2336"/>
+            </a:pPr>
+            <a:r>
+              <a:rPr sz="2000" dirty="0">
+                <a:solidFill>
+                  <a:schemeClr val="accent1">
+                    <a:hueOff val="114395"/>
+                    <a:lumOff val="-24975"/>
+                  </a:schemeClr>
+                </a:solidFill>
+                <a:latin typeface="Calibri" panose="020F0502020204030204" pitchFamily="34" charset="0"/>
+                <a:cs typeface="Calibri" panose="020F0502020204030204" pitchFamily="34" charset="0"/>
+              </a:rPr>
+              <a:t>let</a:t>
+            </a:r>
+            <a:r>
+              <a:rPr sz="2000" dirty="0">
+                <a:latin typeface="Calibri" panose="020F0502020204030204" pitchFamily="34" charset="0"/>
+                <a:cs typeface="Calibri" panose="020F0502020204030204" pitchFamily="34" charset="0"/>
+              </a:rPr>
+              <a:t> x1: number | </a:t>
+            </a:r>
+            <a:r>
+              <a:rPr sz="2000" dirty="0">
+                <a:solidFill>
+                  <a:schemeClr val="accent5">
+                    <a:lumOff val="-29866"/>
+                  </a:schemeClr>
+                </a:solidFill>
+                <a:latin typeface="Calibri" panose="020F0502020204030204" pitchFamily="34" charset="0"/>
+                <a:cs typeface="Calibri" panose="020F0502020204030204" pitchFamily="34" charset="0"/>
+              </a:rPr>
+              <a:t>"loading"</a:t>
+            </a:r>
+            <a:r>
+              <a:rPr sz="2000" dirty="0">
+                <a:latin typeface="Calibri" panose="020F0502020204030204" pitchFamily="34" charset="0"/>
+                <a:cs typeface="Calibri" panose="020F0502020204030204" pitchFamily="34" charset="0"/>
+              </a:rPr>
+              <a:t> | </a:t>
+            </a:r>
+            <a:r>
+              <a:rPr sz="2000" dirty="0">
+                <a:solidFill>
+                  <a:schemeClr val="accent5">
+                    <a:lumOff val="-29866"/>
+                  </a:schemeClr>
+                </a:solidFill>
+                <a:latin typeface="Calibri" panose="020F0502020204030204" pitchFamily="34" charset="0"/>
+                <a:cs typeface="Calibri" panose="020F0502020204030204" pitchFamily="34" charset="0"/>
+              </a:rPr>
+              <a:t>"error" </a:t>
+            </a:r>
+            <a:r>
+              <a:rPr sz="2000" dirty="0">
+                <a:latin typeface="Calibri" panose="020F0502020204030204" pitchFamily="34" charset="0"/>
+                <a:cs typeface="Calibri" panose="020F0502020204030204" pitchFamily="34" charset="0"/>
+              </a:rPr>
+              <a:t>= </a:t>
+            </a:r>
+            <a:r>
+              <a:rPr sz="2000" dirty="0">
+                <a:solidFill>
+                  <a:schemeClr val="accent5">
+                    <a:lumOff val="-29866"/>
+                  </a:schemeClr>
+                </a:solidFill>
+                <a:latin typeface="Calibri" panose="020F0502020204030204" pitchFamily="34" charset="0"/>
+                <a:cs typeface="Calibri" panose="020F0502020204030204" pitchFamily="34" charset="0"/>
+              </a:rPr>
+              <a:t>"loading"</a:t>
+            </a:r>
+            <a:endParaRPr lang="en-US" sz="2000" dirty="0">
+              <a:solidFill>
+                <a:schemeClr val="accent5">
+                  <a:lumOff val="-29866"/>
+                </a:schemeClr>
+              </a:solidFill>
+              <a:latin typeface="Calibri" panose="020F0502020204030204" pitchFamily="34" charset="0"/>
+              <a:cs typeface="Calibri" panose="020F0502020204030204" pitchFamily="34" charset="0"/>
+            </a:endParaRPr>
+          </a:p>
+          <a:p>
+            <a:pPr marL="648970" lvl="1" indent="-324485" defTabSz="426466">
+              <a:spcBef>
+                <a:spcPts val="3000"/>
+              </a:spcBef>
+              <a:defRPr sz="2336"/>
+            </a:pPr>
+            <a:r>
+              <a:rPr lang="en-US" sz="2000" dirty="0">
+                <a:latin typeface="Calibri" panose="020F0502020204030204" pitchFamily="34" charset="0"/>
+                <a:cs typeface="Calibri" panose="020F0502020204030204" pitchFamily="34" charset="0"/>
+              </a:rPr>
+              <a:t>we can also join more complex types together</a:t>
+            </a:r>
+          </a:p>
+          <a:p>
+            <a:pPr marL="0" lvl="5" indent="834390" defTabSz="426466">
+              <a:spcBef>
+                <a:spcPts val="3000"/>
+              </a:spcBef>
+              <a:buSzTx/>
+              <a:buNone/>
+              <a:defRPr sz="2336"/>
+            </a:pPr>
+            <a:r>
+              <a:rPr lang="en-US" sz="2000" dirty="0">
+                <a:solidFill>
+                  <a:schemeClr val="accent1">
+                    <a:hueOff val="114395"/>
+                    <a:lumOff val="-24975"/>
+                  </a:schemeClr>
+                </a:solidFill>
+                <a:latin typeface="Calibri" panose="020F0502020204030204" pitchFamily="34" charset="0"/>
+                <a:cs typeface="Calibri" panose="020F0502020204030204" pitchFamily="34" charset="0"/>
+              </a:rPr>
+              <a:t>type</a:t>
+            </a:r>
+            <a:r>
+              <a:rPr lang="en-US" sz="2000" dirty="0">
+                <a:latin typeface="Calibri" panose="020F0502020204030204" pitchFamily="34" charset="0"/>
+                <a:cs typeface="Calibri" panose="020F0502020204030204" pitchFamily="34" charset="0"/>
+              </a:rPr>
+              <a:t> Record = Movie | Actor</a:t>
             </a:r>
           </a:p>
           <a:p>
@@ -7209,7 +8624,7 @@
 </p:sld>
 </file>
 
-<file path=ppt/slides/slide22.xml><?xml version="1.0" encoding="utf-8"?>
+<file path=ppt/slides/slide26.xml><?xml version="1.0" encoding="utf-8"?>
 <p:sld xmlns:a="http://schemas.openxmlformats.org/drawingml/2006/main" xmlns:r="http://schemas.openxmlformats.org/officeDocument/2006/relationships" xmlns:p="http://schemas.openxmlformats.org/presentationml/2006/main">
   <p:cSld>
     <p:spTree>
@@ -7383,7 +8798,7 @@
               </a:defRPr>
             </a:pPr>
             <a:r>
-              <a:rPr sz="2000" dirty="0">
+              <a:rPr lang="en-US" sz="2000" dirty="0">
                 <a:solidFill>
                   <a:schemeClr val="accent1">
                     <a:hueOff val="114395"/>
@@ -7396,14 +8811,14 @@
               <a:t>type</a:t>
             </a:r>
             <a:r>
-              <a:rPr sz="2000" dirty="0">
-                <a:latin typeface="Calibri" panose="020F0502020204030204" pitchFamily="34" charset="0"/>
-                <a:cs typeface="Calibri" panose="020F0502020204030204" pitchFamily="34" charset="0"/>
-              </a:rPr>
-              <a:t> Person = Student &amp; { kind: </a:t>
-            </a:r>
-            <a:r>
-              <a:rPr sz="2000" dirty="0">
+              <a:rPr lang="en-US" sz="2000" dirty="0">
+                <a:latin typeface="Calibri" panose="020F0502020204030204" pitchFamily="34" charset="0"/>
+                <a:cs typeface="Calibri" panose="020F0502020204030204" pitchFamily="34" charset="0"/>
+              </a:rPr>
+              <a:t> Record = Movie &amp; { kind: </a:t>
+            </a:r>
+            <a:r>
+              <a:rPr lang="en-US" sz="2000" dirty="0">
                 <a:solidFill>
                   <a:schemeClr val="accent5">
                     <a:lumOff val="-29866"/>
@@ -7412,17 +8827,17 @@
                 <a:latin typeface="Calibri" panose="020F0502020204030204" pitchFamily="34" charset="0"/>
                 <a:cs typeface="Calibri" panose="020F0502020204030204" pitchFamily="34" charset="0"/>
               </a:rPr>
-              <a:t>"student"</a:t>
-            </a:r>
-            <a:r>
-              <a:rPr sz="2000" dirty="0">
-                <a:latin typeface="Calibri" panose="020F0502020204030204" pitchFamily="34" charset="0"/>
-                <a:cs typeface="Calibri" panose="020F0502020204030204" pitchFamily="34" charset="0"/>
-              </a:rPr>
-              <a:t> } | Teacher &amp; { kind: </a:t>
-            </a:r>
-            <a:r>
-              <a:rPr sz="2000" dirty="0">
+              <a:t>"Movie"</a:t>
+            </a:r>
+            <a:r>
+              <a:rPr lang="en-US" sz="2000" dirty="0">
+                <a:latin typeface="Calibri" panose="020F0502020204030204" pitchFamily="34" charset="0"/>
+                <a:cs typeface="Calibri" panose="020F0502020204030204" pitchFamily="34" charset="0"/>
+              </a:rPr>
+              <a:t> } | Actor &amp; { kind: </a:t>
+            </a:r>
+            <a:r>
+              <a:rPr lang="en-US" sz="2000" dirty="0">
                 <a:solidFill>
                   <a:schemeClr val="accent5">
                     <a:lumOff val="-29866"/>
@@ -7431,15 +8846,19 @@
                 <a:latin typeface="Calibri" panose="020F0502020204030204" pitchFamily="34" charset="0"/>
                 <a:cs typeface="Calibri" panose="020F0502020204030204" pitchFamily="34" charset="0"/>
               </a:rPr>
-              <a:t>"teacher" </a:t>
-            </a:r>
-            <a:r>
-              <a:rPr sz="2000" dirty="0">
+              <a:t>"Actor" </a:t>
+            </a:r>
+            <a:r>
+              <a:rPr lang="en-US" sz="2000" dirty="0">
                 <a:latin typeface="Calibri" panose="020F0502020204030204" pitchFamily="34" charset="0"/>
                 <a:cs typeface="Calibri" panose="020F0502020204030204" pitchFamily="34" charset="0"/>
               </a:rPr>
               <a:t>}</a:t>
             </a:r>
+            <a:endParaRPr sz="2000" dirty="0">
+              <a:latin typeface="Calibri" panose="020F0502020204030204" pitchFamily="34" charset="0"/>
+              <a:cs typeface="Calibri" panose="020F0502020204030204" pitchFamily="34" charset="0"/>
+            </a:endParaRPr>
           </a:p>
         </p:txBody>
       </p:sp>
@@ -7452,7 +8871,7 @@
 </p:sld>
 </file>
 
-<file path=ppt/slides/slide23.xml><?xml version="1.0" encoding="utf-8"?>
+<file path=ppt/slides/slide27.xml><?xml version="1.0" encoding="utf-8"?>
 <p:sld xmlns:a="http://schemas.openxmlformats.org/drawingml/2006/main" xmlns:r="http://schemas.openxmlformats.org/officeDocument/2006/relationships" xmlns:p="http://schemas.openxmlformats.org/presentationml/2006/main">
   <p:cSld>
     <p:spTree>
@@ -7873,7 +9292,7 @@
 </p:sld>
 </file>
 
-<file path=ppt/slides/slide24.xml><?xml version="1.0" encoding="utf-8"?>
+<file path=ppt/slides/slide28.xml><?xml version="1.0" encoding="utf-8"?>
 <p:sld xmlns:a="http://schemas.openxmlformats.org/drawingml/2006/main" xmlns:r="http://schemas.openxmlformats.org/officeDocument/2006/relationships" xmlns:p="http://schemas.openxmlformats.org/presentationml/2006/main">
   <p:cSld>
     <p:spTree>
@@ -8280,7 +9699,7 @@
                 <a:latin typeface="Calibri" panose="020F0502020204030204" pitchFamily="34" charset="0"/>
                 <a:cs typeface="Calibri" panose="020F0502020204030204" pitchFamily="34" charset="0"/>
               </a:rPr>
-              <a:t>values of A | B are { x:"A1" }, { x:"A2" }, but also { y:"B1" }, etc. There are five of them;</a:t>
+              <a:t>Values of A | B are { x:"A1" }, { x:"A2" }, but also { y:"B1" }, etc. There are five of them;</a:t>
             </a:r>
           </a:p>
         </p:txBody>
@@ -8299,7 +9718,7 @@
 </p:sld>
 </file>
 
-<file path=ppt/slides/slide25.xml><?xml version="1.0" encoding="utf-8"?>
+<file path=ppt/slides/slide29.xml><?xml version="1.0" encoding="utf-8"?>
 <p:sld xmlns:a="http://schemas.openxmlformats.org/drawingml/2006/main" xmlns:r="http://schemas.openxmlformats.org/officeDocument/2006/relationships" xmlns:p="http://schemas.openxmlformats.org/presentationml/2006/main">
   <p:cSld>
     <p:spTree>
@@ -8702,11 +10121,18 @@
               </a:defRPr>
             </a:pPr>
             <a:r>
+              <a:rPr lang="en-US" sz="2000" dirty="0">
+                <a:latin typeface="Calibri" panose="020F0502020204030204" pitchFamily="34" charset="0"/>
+                <a:cs typeface="Calibri" panose="020F0502020204030204" pitchFamily="34" charset="0"/>
+              </a:rPr>
+              <a:t>V</a:t>
+            </a:r>
+            <a:r>
               <a:rPr sz="2000" dirty="0">
                 <a:latin typeface="Calibri" panose="020F0502020204030204" pitchFamily="34" charset="0"/>
                 <a:cs typeface="Calibri" panose="020F0502020204030204" pitchFamily="34" charset="0"/>
               </a:rPr>
-              <a:t>values of A | B are { x:"A1" }, { x:"A2" }, but also { y:"B1" }, etc. There are five of them;</a:t>
+              <a:t>alues of A | B are { x:"A1" }, { x:"A2" }, but also { y:"B1" }, etc. There are five of them;</a:t>
             </a:r>
             <a:endParaRPr lang="en-US" sz="2000" dirty="0">
               <a:latin typeface="Calibri" panose="020F0502020204030204" pitchFamily="34" charset="0"/>
@@ -8990,7 +10416,21 @@
                 <a:latin typeface="Calibri" panose="020F0502020204030204" pitchFamily="34" charset="0"/>
                 <a:cs typeface="Calibri" panose="020F0502020204030204" pitchFamily="34" charset="0"/>
               </a:rPr>
-              <a:t>What are possible values of A  B?</a:t>
+              <a:t>What are possible values of </a:t>
+            </a:r>
+            <a:r>
+              <a:rPr lang="en-US" sz="2000">
+                <a:latin typeface="Calibri" panose="020F0502020204030204" pitchFamily="34" charset="0"/>
+                <a:cs typeface="Calibri" panose="020F0502020204030204" pitchFamily="34" charset="0"/>
+              </a:rPr>
+              <a:t>A  &amp; B</a:t>
+            </a:r>
+            <a:r>
+              <a:rPr lang="en-US" sz="2000" dirty="0">
+                <a:latin typeface="Calibri" panose="020F0502020204030204" pitchFamily="34" charset="0"/>
+                <a:cs typeface="Calibri" panose="020F0502020204030204" pitchFamily="34" charset="0"/>
+              </a:rPr>
+              <a:t>?</a:t>
             </a:r>
           </a:p>
           <a:p>
@@ -9023,750 +10463,6 @@
     <p:extLst>
       <p:ext uri="{BB962C8B-B14F-4D97-AF65-F5344CB8AC3E}">
         <p14:creationId xmlns:p14="http://schemas.microsoft.com/office/powerpoint/2010/main" val="962924757"/>
-      </p:ext>
-    </p:extLst>
-  </p:cSld>
-  <p:clrMapOvr>
-    <a:masterClrMapping/>
-  </p:clrMapOvr>
-  <p:transition spd="med"/>
-</p:sld>
-</file>
-
-<file path=ppt/slides/slide26.xml><?xml version="1.0" encoding="utf-8"?>
-<p:sld xmlns:a="http://schemas.openxmlformats.org/drawingml/2006/main" xmlns:r="http://schemas.openxmlformats.org/officeDocument/2006/relationships" xmlns:p="http://schemas.openxmlformats.org/presentationml/2006/main">
-  <p:cSld>
-    <p:spTree>
-      <p:nvGrpSpPr>
-        <p:cNvPr id="1" name=""/>
-        <p:cNvGrpSpPr/>
-        <p:nvPr/>
-      </p:nvGrpSpPr>
-      <p:grpSpPr>
-        <a:xfrm>
-          <a:off x="0" y="0"/>
-          <a:ext cx="0" cy="0"/>
-          <a:chOff x="0" y="0"/>
-          <a:chExt cx="0" cy="0"/>
-        </a:xfrm>
-      </p:grpSpPr>
-      <p:sp>
-        <p:nvSpPr>
-          <p:cNvPr id="150" name="Types in Typescript"/>
-          <p:cNvSpPr txBox="1">
-            <a:spLocks noGrp="1"/>
-          </p:cNvSpPr>
-          <p:nvPr>
-            <p:ph type="title"/>
-          </p:nvPr>
-        </p:nvSpPr>
-        <p:spPr>
-          <a:prstGeom prst="rect">
-            <a:avLst/>
-          </a:prstGeom>
-        </p:spPr>
-        <p:txBody>
-          <a:bodyPr>
-            <a:normAutofit/>
-          </a:bodyPr>
-          <a:lstStyle/>
-          <a:p>
-            <a:r>
-              <a:rPr sz="4000" dirty="0">
-                <a:latin typeface="Calibri" panose="020F0502020204030204" pitchFamily="34" charset="0"/>
-                <a:cs typeface="Calibri" panose="020F0502020204030204" pitchFamily="34" charset="0"/>
-              </a:rPr>
-              <a:t>Types </a:t>
-            </a:r>
-            <a:r>
-              <a:rPr sz="4000">
-                <a:latin typeface="Calibri" panose="020F0502020204030204" pitchFamily="34" charset="0"/>
-                <a:cs typeface="Calibri" panose="020F0502020204030204" pitchFamily="34" charset="0"/>
-              </a:rPr>
-              <a:t>in Typescript</a:t>
-            </a:r>
-            <a:r>
-              <a:rPr lang="en-US" sz="4000">
-                <a:latin typeface="Calibri" panose="020F0502020204030204" pitchFamily="34" charset="0"/>
-                <a:cs typeface="Calibri" panose="020F0502020204030204" pitchFamily="34" charset="0"/>
-              </a:rPr>
-              <a:t>..</a:t>
-            </a:r>
-            <a:endParaRPr sz="4000" dirty="0">
-              <a:latin typeface="Calibri" panose="020F0502020204030204" pitchFamily="34" charset="0"/>
-              <a:cs typeface="Calibri" panose="020F0502020204030204" pitchFamily="34" charset="0"/>
-            </a:endParaRPr>
-          </a:p>
-        </p:txBody>
-      </p:sp>
-      <p:sp>
-        <p:nvSpPr>
-          <p:cNvPr id="151" name="Union is a sort of sum, or set union:…"/>
-          <p:cNvSpPr txBox="1">
-            <a:spLocks noGrp="1"/>
-          </p:cNvSpPr>
-          <p:nvPr>
-            <p:ph type="body" idx="1"/>
-          </p:nvPr>
-        </p:nvSpPr>
-        <p:spPr>
-          <a:xfrm>
-            <a:off x="952500" y="2590800"/>
-            <a:ext cx="11099800" cy="6286500"/>
-          </a:xfrm>
-          <a:prstGeom prst="rect">
-            <a:avLst/>
-          </a:prstGeom>
-        </p:spPr>
-        <p:txBody>
-          <a:bodyPr anchor="t">
-            <a:noAutofit/>
-          </a:bodyPr>
-          <a:lstStyle/>
-          <a:p>
-            <a:pPr marL="284479" indent="-284479" defTabSz="292607">
-              <a:lnSpc>
-                <a:spcPts val="3700"/>
-              </a:lnSpc>
-              <a:spcBef>
-                <a:spcPts val="0"/>
-              </a:spcBef>
-              <a:tabLst>
-                <a:tab pos="88900" algn="l"/>
-                <a:tab pos="292100" algn="l"/>
-              </a:tabLst>
-              <a:defRPr sz="2048">
-                <a:latin typeface="Helvetica"/>
-                <a:ea typeface="Helvetica"/>
-                <a:cs typeface="Helvetica"/>
-                <a:sym typeface="Helvetica"/>
-              </a:defRPr>
-            </a:pPr>
-            <a:r>
-              <a:rPr sz="2000" dirty="0">
-                <a:latin typeface="Calibri" panose="020F0502020204030204" pitchFamily="34" charset="0"/>
-                <a:cs typeface="Calibri" panose="020F0502020204030204" pitchFamily="34" charset="0"/>
-              </a:rPr>
-              <a:t>U</a:t>
-            </a:r>
-            <a:r>
-              <a:rPr sz="2000" u="sng" dirty="0">
-                <a:latin typeface="Calibri" panose="020F0502020204030204" pitchFamily="34" charset="0"/>
-                <a:cs typeface="Calibri" panose="020F0502020204030204" pitchFamily="34" charset="0"/>
-              </a:rPr>
-              <a:t>nion</a:t>
-            </a:r>
-            <a:r>
-              <a:rPr sz="2000" dirty="0">
-                <a:latin typeface="Calibri" panose="020F0502020204030204" pitchFamily="34" charset="0"/>
-                <a:cs typeface="Calibri" panose="020F0502020204030204" pitchFamily="34" charset="0"/>
-              </a:rPr>
-              <a:t> is a sort of sum, or set union: </a:t>
-            </a:r>
-          </a:p>
-          <a:p>
-            <a:pPr marL="568959" lvl="1" indent="-284479" defTabSz="292607">
-              <a:lnSpc>
-                <a:spcPts val="3700"/>
-              </a:lnSpc>
-              <a:spcBef>
-                <a:spcPts val="0"/>
-              </a:spcBef>
-              <a:tabLst>
-                <a:tab pos="88900" algn="l"/>
-                <a:tab pos="292100" algn="l"/>
-              </a:tabLst>
-              <a:defRPr sz="2048">
-                <a:latin typeface="Helvetica"/>
-                <a:ea typeface="Helvetica"/>
-                <a:cs typeface="Helvetica"/>
-                <a:sym typeface="Helvetica"/>
-              </a:defRPr>
-            </a:pPr>
-            <a:r>
-              <a:rPr sz="2000" dirty="0">
-                <a:latin typeface="Calibri" panose="020F0502020204030204" pitchFamily="34" charset="0"/>
-                <a:cs typeface="Calibri" panose="020F0502020204030204" pitchFamily="34" charset="0"/>
-              </a:rPr>
-              <a:t>A | B is a type that contains:</a:t>
-            </a:r>
-          </a:p>
-          <a:p>
-            <a:pPr marL="853439" lvl="2" indent="-284479" defTabSz="292607">
-              <a:lnSpc>
-                <a:spcPts val="3700"/>
-              </a:lnSpc>
-              <a:spcBef>
-                <a:spcPts val="0"/>
-              </a:spcBef>
-              <a:tabLst>
-                <a:tab pos="88900" algn="l"/>
-                <a:tab pos="292100" algn="l"/>
-              </a:tabLst>
-              <a:defRPr sz="2048">
-                <a:latin typeface="Helvetica"/>
-                <a:ea typeface="Helvetica"/>
-                <a:cs typeface="Helvetica"/>
-                <a:sym typeface="Helvetica"/>
-              </a:defRPr>
-            </a:pPr>
-            <a:r>
-              <a:rPr sz="2000" dirty="0">
-                <a:latin typeface="Calibri" panose="020F0502020204030204" pitchFamily="34" charset="0"/>
-                <a:cs typeface="Calibri" panose="020F0502020204030204" pitchFamily="34" charset="0"/>
-              </a:rPr>
-              <a:t>all the values of A, </a:t>
-            </a:r>
-          </a:p>
-          <a:p>
-            <a:pPr marL="853439" lvl="2" indent="-284479" defTabSz="292607">
-              <a:lnSpc>
-                <a:spcPts val="3700"/>
-              </a:lnSpc>
-              <a:spcBef>
-                <a:spcPts val="0"/>
-              </a:spcBef>
-              <a:tabLst>
-                <a:tab pos="88900" algn="l"/>
-                <a:tab pos="292100" algn="l"/>
-              </a:tabLst>
-              <a:defRPr sz="2048">
-                <a:latin typeface="Helvetica"/>
-                <a:ea typeface="Helvetica"/>
-                <a:cs typeface="Helvetica"/>
-                <a:sym typeface="Helvetica"/>
-              </a:defRPr>
-            </a:pPr>
-            <a:r>
-              <a:rPr sz="2000" dirty="0">
-                <a:latin typeface="Calibri" panose="020F0502020204030204" pitchFamily="34" charset="0"/>
-                <a:cs typeface="Calibri" panose="020F0502020204030204" pitchFamily="34" charset="0"/>
-              </a:rPr>
-              <a:t>and all the values of B, one next to each other;</a:t>
-            </a:r>
-          </a:p>
-          <a:p>
-            <a:pPr marL="0" lvl="5" indent="731519" defTabSz="292607">
-              <a:lnSpc>
-                <a:spcPts val="3400"/>
-              </a:lnSpc>
-              <a:spcBef>
-                <a:spcPts val="0"/>
-              </a:spcBef>
-              <a:buSzTx/>
-              <a:buNone/>
-              <a:defRPr sz="2048">
-                <a:latin typeface="Helvetica"/>
-                <a:ea typeface="Helvetica"/>
-                <a:cs typeface="Helvetica"/>
-                <a:sym typeface="Helvetica"/>
-              </a:defRPr>
-            </a:pPr>
-            <a:r>
-              <a:rPr sz="2000" dirty="0">
-                <a:solidFill>
-                  <a:schemeClr val="accent1">
-                    <a:hueOff val="114395"/>
-                    <a:lumOff val="-24975"/>
-                  </a:schemeClr>
-                </a:solidFill>
-                <a:latin typeface="Calibri" panose="020F0502020204030204" pitchFamily="34" charset="0"/>
-                <a:cs typeface="Calibri" panose="020F0502020204030204" pitchFamily="34" charset="0"/>
-              </a:rPr>
-              <a:t>type</a:t>
-            </a:r>
-            <a:r>
-              <a:rPr sz="2000" dirty="0">
-                <a:latin typeface="Calibri" panose="020F0502020204030204" pitchFamily="34" charset="0"/>
-                <a:cs typeface="Calibri" panose="020F0502020204030204" pitchFamily="34" charset="0"/>
-              </a:rPr>
-              <a:t> A = { x:</a:t>
-            </a:r>
-            <a:r>
-              <a:rPr sz="2000" dirty="0">
-                <a:solidFill>
-                  <a:schemeClr val="accent5">
-                    <a:lumOff val="-29866"/>
-                  </a:schemeClr>
-                </a:solidFill>
-                <a:latin typeface="Calibri" panose="020F0502020204030204" pitchFamily="34" charset="0"/>
-                <a:cs typeface="Calibri" panose="020F0502020204030204" pitchFamily="34" charset="0"/>
-              </a:rPr>
-              <a:t>"A1"</a:t>
-            </a:r>
-            <a:r>
-              <a:rPr sz="2000" dirty="0">
-                <a:latin typeface="Calibri" panose="020F0502020204030204" pitchFamily="34" charset="0"/>
-                <a:cs typeface="Calibri" panose="020F0502020204030204" pitchFamily="34" charset="0"/>
-              </a:rPr>
-              <a:t> | </a:t>
-            </a:r>
-            <a:r>
-              <a:rPr sz="2000" dirty="0">
-                <a:solidFill>
-                  <a:schemeClr val="accent5">
-                    <a:lumOff val="-29866"/>
-                  </a:schemeClr>
-                </a:solidFill>
-                <a:latin typeface="Calibri" panose="020F0502020204030204" pitchFamily="34" charset="0"/>
-                <a:cs typeface="Calibri" panose="020F0502020204030204" pitchFamily="34" charset="0"/>
-              </a:rPr>
-              <a:t>"A2"</a:t>
-            </a:r>
-            <a:r>
-              <a:rPr sz="2000" dirty="0">
-                <a:latin typeface="Calibri" panose="020F0502020204030204" pitchFamily="34" charset="0"/>
-                <a:cs typeface="Calibri" panose="020F0502020204030204" pitchFamily="34" charset="0"/>
-              </a:rPr>
-              <a:t> } </a:t>
-            </a:r>
-          </a:p>
-          <a:p>
-            <a:pPr marL="0" lvl="5" indent="731519" defTabSz="292607">
-              <a:lnSpc>
-                <a:spcPts val="3400"/>
-              </a:lnSpc>
-              <a:spcBef>
-                <a:spcPts val="0"/>
-              </a:spcBef>
-              <a:buSzTx/>
-              <a:buNone/>
-              <a:defRPr sz="2048">
-                <a:latin typeface="Helvetica"/>
-                <a:ea typeface="Helvetica"/>
-                <a:cs typeface="Helvetica"/>
-                <a:sym typeface="Helvetica"/>
-              </a:defRPr>
-            </a:pPr>
-            <a:r>
-              <a:rPr sz="2000" dirty="0">
-                <a:solidFill>
-                  <a:schemeClr val="accent1">
-                    <a:hueOff val="114395"/>
-                    <a:lumOff val="-24975"/>
-                  </a:schemeClr>
-                </a:solidFill>
-                <a:latin typeface="Calibri" panose="020F0502020204030204" pitchFamily="34" charset="0"/>
-                <a:cs typeface="Calibri" panose="020F0502020204030204" pitchFamily="34" charset="0"/>
-              </a:rPr>
-              <a:t>type</a:t>
-            </a:r>
-            <a:r>
-              <a:rPr sz="2000" dirty="0">
-                <a:latin typeface="Calibri" panose="020F0502020204030204" pitchFamily="34" charset="0"/>
-                <a:cs typeface="Calibri" panose="020F0502020204030204" pitchFamily="34" charset="0"/>
-              </a:rPr>
-              <a:t> B = { y:</a:t>
-            </a:r>
-            <a:r>
-              <a:rPr sz="2000" dirty="0">
-                <a:solidFill>
-                  <a:schemeClr val="accent5">
-                    <a:lumOff val="-29866"/>
-                  </a:schemeClr>
-                </a:solidFill>
-                <a:latin typeface="Calibri" panose="020F0502020204030204" pitchFamily="34" charset="0"/>
-                <a:cs typeface="Calibri" panose="020F0502020204030204" pitchFamily="34" charset="0"/>
-              </a:rPr>
-              <a:t>"B1"</a:t>
-            </a:r>
-            <a:r>
-              <a:rPr sz="2000" dirty="0">
-                <a:latin typeface="Calibri" panose="020F0502020204030204" pitchFamily="34" charset="0"/>
-                <a:cs typeface="Calibri" panose="020F0502020204030204" pitchFamily="34" charset="0"/>
-              </a:rPr>
-              <a:t> | </a:t>
-            </a:r>
-            <a:r>
-              <a:rPr sz="2000" dirty="0">
-                <a:solidFill>
-                  <a:schemeClr val="accent5">
-                    <a:lumOff val="-29866"/>
-                  </a:schemeClr>
-                </a:solidFill>
-                <a:latin typeface="Calibri" panose="020F0502020204030204" pitchFamily="34" charset="0"/>
-                <a:cs typeface="Calibri" panose="020F0502020204030204" pitchFamily="34" charset="0"/>
-              </a:rPr>
-              <a:t>"B2"</a:t>
-            </a:r>
-            <a:r>
-              <a:rPr sz="2000" dirty="0">
-                <a:latin typeface="Calibri" panose="020F0502020204030204" pitchFamily="34" charset="0"/>
-                <a:cs typeface="Calibri" panose="020F0502020204030204" pitchFamily="34" charset="0"/>
-              </a:rPr>
-              <a:t> | </a:t>
-            </a:r>
-            <a:r>
-              <a:rPr sz="2000" dirty="0">
-                <a:solidFill>
-                  <a:schemeClr val="accent5">
-                    <a:lumOff val="-29866"/>
-                  </a:schemeClr>
-                </a:solidFill>
-                <a:latin typeface="Calibri" panose="020F0502020204030204" pitchFamily="34" charset="0"/>
-                <a:cs typeface="Calibri" panose="020F0502020204030204" pitchFamily="34" charset="0"/>
-              </a:rPr>
-              <a:t>"B3"</a:t>
-            </a:r>
-            <a:r>
-              <a:rPr sz="2000" dirty="0">
-                <a:latin typeface="Calibri" panose="020F0502020204030204" pitchFamily="34" charset="0"/>
-                <a:cs typeface="Calibri" panose="020F0502020204030204" pitchFamily="34" charset="0"/>
-              </a:rPr>
-              <a:t> }</a:t>
-            </a:r>
-          </a:p>
-          <a:p>
-            <a:pPr marL="853439" lvl="2" indent="-284479" defTabSz="292607">
-              <a:lnSpc>
-                <a:spcPts val="3700"/>
-              </a:lnSpc>
-              <a:spcBef>
-                <a:spcPts val="0"/>
-              </a:spcBef>
-              <a:tabLst>
-                <a:tab pos="88900" algn="l"/>
-                <a:tab pos="292100" algn="l"/>
-              </a:tabLst>
-              <a:defRPr sz="2048">
-                <a:latin typeface="Helvetica"/>
-                <a:ea typeface="Helvetica"/>
-                <a:cs typeface="Helvetica"/>
-                <a:sym typeface="Helvetica"/>
-              </a:defRPr>
-            </a:pPr>
-            <a:r>
-              <a:rPr sz="2000" dirty="0">
-                <a:latin typeface="Calibri" panose="020F0502020204030204" pitchFamily="34" charset="0"/>
-                <a:cs typeface="Calibri" panose="020F0502020204030204" pitchFamily="34" charset="0"/>
-              </a:rPr>
-              <a:t>values of A | B are { x:"A1" }, { x:"A2" }, but also { y:"B1" }, etc. There are five of them;</a:t>
-            </a:r>
-            <a:endParaRPr lang="en-US" sz="2000" dirty="0">
-              <a:latin typeface="Calibri" panose="020F0502020204030204" pitchFamily="34" charset="0"/>
-              <a:cs typeface="Calibri" panose="020F0502020204030204" pitchFamily="34" charset="0"/>
-            </a:endParaRPr>
-          </a:p>
-          <a:p>
-            <a:pPr marL="284479" indent="-284479" defTabSz="292607">
-              <a:lnSpc>
-                <a:spcPts val="3700"/>
-              </a:lnSpc>
-              <a:spcBef>
-                <a:spcPts val="0"/>
-              </a:spcBef>
-              <a:tabLst>
-                <a:tab pos="88900" algn="l"/>
-                <a:tab pos="292100" algn="l"/>
-              </a:tabLst>
-              <a:defRPr sz="2048">
-                <a:latin typeface="Helvetica"/>
-                <a:ea typeface="Helvetica"/>
-                <a:cs typeface="Helvetica"/>
-                <a:sym typeface="Helvetica"/>
-              </a:defRPr>
-            </a:pPr>
-            <a:r>
-              <a:rPr lang="en-US" sz="2000" dirty="0">
-                <a:latin typeface="Calibri" panose="020F0502020204030204" pitchFamily="34" charset="0"/>
-                <a:cs typeface="Calibri" panose="020F0502020204030204" pitchFamily="34" charset="0"/>
-              </a:rPr>
-              <a:t>	I</a:t>
-            </a:r>
-            <a:r>
-              <a:rPr lang="en-US" sz="2000" u="sng" dirty="0">
-                <a:latin typeface="Calibri" panose="020F0502020204030204" pitchFamily="34" charset="0"/>
-                <a:cs typeface="Calibri" panose="020F0502020204030204" pitchFamily="34" charset="0"/>
-              </a:rPr>
-              <a:t>ntersection</a:t>
-            </a:r>
-            <a:r>
-              <a:rPr lang="en-US" sz="2000" dirty="0">
-                <a:latin typeface="Calibri" panose="020F0502020204030204" pitchFamily="34" charset="0"/>
-                <a:cs typeface="Calibri" panose="020F0502020204030204" pitchFamily="34" charset="0"/>
-              </a:rPr>
-              <a:t> is a sort of product, or cartesian product over sets:</a:t>
-            </a:r>
-          </a:p>
-          <a:p>
-            <a:pPr marL="568959" lvl="1" indent="-284479" defTabSz="292607">
-              <a:lnSpc>
-                <a:spcPts val="3700"/>
-              </a:lnSpc>
-              <a:spcBef>
-                <a:spcPts val="0"/>
-              </a:spcBef>
-              <a:tabLst>
-                <a:tab pos="88900" algn="l"/>
-                <a:tab pos="292100" algn="l"/>
-              </a:tabLst>
-              <a:defRPr sz="2048">
-                <a:latin typeface="Helvetica"/>
-                <a:ea typeface="Helvetica"/>
-                <a:cs typeface="Helvetica"/>
-                <a:sym typeface="Helvetica"/>
-              </a:defRPr>
-            </a:pPr>
-            <a:r>
-              <a:rPr lang="en-US" sz="2000" dirty="0">
-                <a:latin typeface="Calibri" panose="020F0502020204030204" pitchFamily="34" charset="0"/>
-                <a:cs typeface="Calibri" panose="020F0502020204030204" pitchFamily="34" charset="0"/>
-              </a:rPr>
-              <a:t> A &amp; B is a type that contains all the </a:t>
-            </a:r>
-            <a:r>
-              <a:rPr lang="en-US" sz="2000" i="1" dirty="0">
-                <a:latin typeface="Calibri" panose="020F0502020204030204" pitchFamily="34" charset="0"/>
-                <a:cs typeface="Calibri" panose="020F0502020204030204" pitchFamily="34" charset="0"/>
-              </a:rPr>
-              <a:t>combinations</a:t>
-            </a:r>
-            <a:r>
-              <a:rPr lang="en-US" sz="2000" dirty="0">
-                <a:latin typeface="Calibri" panose="020F0502020204030204" pitchFamily="34" charset="0"/>
-                <a:cs typeface="Calibri" panose="020F0502020204030204" pitchFamily="34" charset="0"/>
-              </a:rPr>
-              <a:t> of values of A and B at the same time:</a:t>
-            </a:r>
-          </a:p>
-          <a:p>
-            <a:pPr marL="0" lvl="5" indent="731519" defTabSz="292607">
-              <a:lnSpc>
-                <a:spcPts val="3400"/>
-              </a:lnSpc>
-              <a:spcBef>
-                <a:spcPts val="0"/>
-              </a:spcBef>
-              <a:buSzTx/>
-              <a:buNone/>
-              <a:defRPr sz="2048">
-                <a:latin typeface="Helvetica"/>
-                <a:ea typeface="Helvetica"/>
-                <a:cs typeface="Helvetica"/>
-                <a:sym typeface="Helvetica"/>
-              </a:defRPr>
-            </a:pPr>
-            <a:r>
-              <a:rPr lang="en-US" sz="2000" dirty="0">
-                <a:solidFill>
-                  <a:schemeClr val="accent1">
-                    <a:hueOff val="114395"/>
-                    <a:lumOff val="-24975"/>
-                  </a:schemeClr>
-                </a:solidFill>
-                <a:latin typeface="Calibri" panose="020F0502020204030204" pitchFamily="34" charset="0"/>
-                <a:cs typeface="Calibri" panose="020F0502020204030204" pitchFamily="34" charset="0"/>
-              </a:rPr>
-              <a:t>type</a:t>
-            </a:r>
-            <a:r>
-              <a:rPr lang="en-US" sz="2000" dirty="0">
-                <a:latin typeface="Calibri" panose="020F0502020204030204" pitchFamily="34" charset="0"/>
-                <a:cs typeface="Calibri" panose="020F0502020204030204" pitchFamily="34" charset="0"/>
-              </a:rPr>
-              <a:t> A = { x:</a:t>
-            </a:r>
-            <a:r>
-              <a:rPr lang="en-US" sz="2000" dirty="0">
-                <a:solidFill>
-                  <a:schemeClr val="accent5">
-                    <a:lumOff val="-29866"/>
-                  </a:schemeClr>
-                </a:solidFill>
-                <a:latin typeface="Calibri" panose="020F0502020204030204" pitchFamily="34" charset="0"/>
-                <a:cs typeface="Calibri" panose="020F0502020204030204" pitchFamily="34" charset="0"/>
-              </a:rPr>
-              <a:t>"A1"</a:t>
-            </a:r>
-            <a:r>
-              <a:rPr lang="en-US" sz="2000" dirty="0">
-                <a:latin typeface="Calibri" panose="020F0502020204030204" pitchFamily="34" charset="0"/>
-                <a:cs typeface="Calibri" panose="020F0502020204030204" pitchFamily="34" charset="0"/>
-              </a:rPr>
-              <a:t> | </a:t>
-            </a:r>
-            <a:r>
-              <a:rPr lang="en-US" sz="2000" dirty="0">
-                <a:solidFill>
-                  <a:schemeClr val="accent5">
-                    <a:lumOff val="-29866"/>
-                  </a:schemeClr>
-                </a:solidFill>
-                <a:latin typeface="Calibri" panose="020F0502020204030204" pitchFamily="34" charset="0"/>
-                <a:cs typeface="Calibri" panose="020F0502020204030204" pitchFamily="34" charset="0"/>
-              </a:rPr>
-              <a:t>"A2"</a:t>
-            </a:r>
-            <a:r>
-              <a:rPr lang="en-US" sz="2000" dirty="0">
-                <a:latin typeface="Calibri" panose="020F0502020204030204" pitchFamily="34" charset="0"/>
-                <a:cs typeface="Calibri" panose="020F0502020204030204" pitchFamily="34" charset="0"/>
-              </a:rPr>
-              <a:t> } </a:t>
-            </a:r>
-          </a:p>
-          <a:p>
-            <a:pPr marL="0" lvl="5" indent="731519" defTabSz="292607">
-              <a:lnSpc>
-                <a:spcPts val="3400"/>
-              </a:lnSpc>
-              <a:spcBef>
-                <a:spcPts val="0"/>
-              </a:spcBef>
-              <a:buSzTx/>
-              <a:buNone/>
-              <a:defRPr sz="2048">
-                <a:latin typeface="Helvetica"/>
-                <a:ea typeface="Helvetica"/>
-                <a:cs typeface="Helvetica"/>
-                <a:sym typeface="Helvetica"/>
-              </a:defRPr>
-            </a:pPr>
-            <a:r>
-              <a:rPr lang="en-US" sz="2000" dirty="0">
-                <a:solidFill>
-                  <a:schemeClr val="accent1">
-                    <a:hueOff val="114395"/>
-                    <a:lumOff val="-24975"/>
-                  </a:schemeClr>
-                </a:solidFill>
-                <a:latin typeface="Calibri" panose="020F0502020204030204" pitchFamily="34" charset="0"/>
-                <a:cs typeface="Calibri" panose="020F0502020204030204" pitchFamily="34" charset="0"/>
-              </a:rPr>
-              <a:t>type</a:t>
-            </a:r>
-            <a:r>
-              <a:rPr lang="en-US" sz="2000" dirty="0">
-                <a:latin typeface="Calibri" panose="020F0502020204030204" pitchFamily="34" charset="0"/>
-                <a:cs typeface="Calibri" panose="020F0502020204030204" pitchFamily="34" charset="0"/>
-              </a:rPr>
-              <a:t> B = { y:</a:t>
-            </a:r>
-            <a:r>
-              <a:rPr lang="en-US" sz="2000" dirty="0">
-                <a:solidFill>
-                  <a:schemeClr val="accent5">
-                    <a:lumOff val="-29866"/>
-                  </a:schemeClr>
-                </a:solidFill>
-                <a:latin typeface="Calibri" panose="020F0502020204030204" pitchFamily="34" charset="0"/>
-                <a:cs typeface="Calibri" panose="020F0502020204030204" pitchFamily="34" charset="0"/>
-              </a:rPr>
-              <a:t>"B1"</a:t>
-            </a:r>
-            <a:r>
-              <a:rPr lang="en-US" sz="2000" dirty="0">
-                <a:latin typeface="Calibri" panose="020F0502020204030204" pitchFamily="34" charset="0"/>
-                <a:cs typeface="Calibri" panose="020F0502020204030204" pitchFamily="34" charset="0"/>
-              </a:rPr>
-              <a:t> | </a:t>
-            </a:r>
-            <a:r>
-              <a:rPr lang="en-US" sz="2000" dirty="0">
-                <a:solidFill>
-                  <a:schemeClr val="accent5">
-                    <a:lumOff val="-29866"/>
-                  </a:schemeClr>
-                </a:solidFill>
-                <a:latin typeface="Calibri" panose="020F0502020204030204" pitchFamily="34" charset="0"/>
-                <a:cs typeface="Calibri" panose="020F0502020204030204" pitchFamily="34" charset="0"/>
-              </a:rPr>
-              <a:t>"B2"</a:t>
-            </a:r>
-            <a:r>
-              <a:rPr lang="en-US" sz="2000" dirty="0">
-                <a:latin typeface="Calibri" panose="020F0502020204030204" pitchFamily="34" charset="0"/>
-                <a:cs typeface="Calibri" panose="020F0502020204030204" pitchFamily="34" charset="0"/>
-              </a:rPr>
-              <a:t> | </a:t>
-            </a:r>
-            <a:r>
-              <a:rPr lang="en-US" sz="2000" dirty="0">
-                <a:solidFill>
-                  <a:schemeClr val="accent5">
-                    <a:lumOff val="-29866"/>
-                  </a:schemeClr>
-                </a:solidFill>
-                <a:latin typeface="Calibri" panose="020F0502020204030204" pitchFamily="34" charset="0"/>
-                <a:cs typeface="Calibri" panose="020F0502020204030204" pitchFamily="34" charset="0"/>
-              </a:rPr>
-              <a:t>"B3"</a:t>
-            </a:r>
-            <a:r>
-              <a:rPr lang="en-US" sz="2000" dirty="0">
-                <a:latin typeface="Calibri" panose="020F0502020204030204" pitchFamily="34" charset="0"/>
-                <a:cs typeface="Calibri" panose="020F0502020204030204" pitchFamily="34" charset="0"/>
-              </a:rPr>
-              <a:t> }</a:t>
-            </a:r>
-          </a:p>
-          <a:p>
-            <a:pPr marL="568959" lvl="1" indent="-284479" defTabSz="292607">
-              <a:lnSpc>
-                <a:spcPts val="3700"/>
-              </a:lnSpc>
-              <a:spcBef>
-                <a:spcPts val="0"/>
-              </a:spcBef>
-              <a:tabLst>
-                <a:tab pos="88900" algn="l"/>
-                <a:tab pos="292100" algn="l"/>
-              </a:tabLst>
-              <a:defRPr sz="2048">
-                <a:latin typeface="Helvetica"/>
-                <a:ea typeface="Helvetica"/>
-                <a:cs typeface="Helvetica"/>
-                <a:sym typeface="Helvetica"/>
-              </a:defRPr>
-            </a:pPr>
-            <a:r>
-              <a:rPr lang="en-US" sz="2000" dirty="0">
-                <a:latin typeface="Calibri" panose="020F0502020204030204" pitchFamily="34" charset="0"/>
-                <a:cs typeface="Calibri" panose="020F0502020204030204" pitchFamily="34" charset="0"/>
-              </a:rPr>
-              <a:t>	values of A &amp; B are { x:"A1", y:"B1" }, { x:"A1", y:"B2" }, etc. There are six of them;</a:t>
-            </a:r>
-            <a:br>
-              <a:rPr lang="en-US" sz="2000" dirty="0">
-                <a:latin typeface="Calibri" panose="020F0502020204030204" pitchFamily="34" charset="0"/>
-                <a:cs typeface="Calibri" panose="020F0502020204030204" pitchFamily="34" charset="0"/>
-              </a:rPr>
-            </a:br>
-            <a:endParaRPr lang="en-US" sz="2000" dirty="0">
-              <a:latin typeface="Calibri" panose="020F0502020204030204" pitchFamily="34" charset="0"/>
-              <a:cs typeface="Calibri" panose="020F0502020204030204" pitchFamily="34" charset="0"/>
-            </a:endParaRPr>
-          </a:p>
-          <a:p>
-            <a:pPr marL="853439" lvl="2" indent="-284479" defTabSz="292607">
-              <a:lnSpc>
-                <a:spcPts val="3700"/>
-              </a:lnSpc>
-              <a:spcBef>
-                <a:spcPts val="0"/>
-              </a:spcBef>
-              <a:tabLst>
-                <a:tab pos="88900" algn="l"/>
-                <a:tab pos="292100" algn="l"/>
-              </a:tabLst>
-              <a:defRPr sz="2048">
-                <a:latin typeface="Helvetica"/>
-                <a:ea typeface="Helvetica"/>
-                <a:cs typeface="Helvetica"/>
-                <a:sym typeface="Helvetica"/>
-              </a:defRPr>
-            </a:pPr>
-            <a:endParaRPr sz="2000" dirty="0">
-              <a:latin typeface="Calibri" panose="020F0502020204030204" pitchFamily="34" charset="0"/>
-              <a:cs typeface="Calibri" panose="020F0502020204030204" pitchFamily="34" charset="0"/>
-            </a:endParaRPr>
-          </a:p>
-        </p:txBody>
-      </p:sp>
-    </p:spTree>
-    <p:extLst>
-      <p:ext uri="{BB962C8B-B14F-4D97-AF65-F5344CB8AC3E}">
-        <p14:creationId xmlns:p14="http://schemas.microsoft.com/office/powerpoint/2010/main" val="3636484696"/>
       </p:ext>
     </p:extLst>
   </p:cSld>
@@ -9921,6 +10617,2970 @@
 </p:sld>
 </file>
 
+<file path=ppt/slides/slide30.xml><?xml version="1.0" encoding="utf-8"?>
+<p:sld xmlns:a="http://schemas.openxmlformats.org/drawingml/2006/main" xmlns:r="http://schemas.openxmlformats.org/officeDocument/2006/relationships" xmlns:p="http://schemas.openxmlformats.org/presentationml/2006/main">
+  <p:cSld>
+    <p:spTree>
+      <p:nvGrpSpPr>
+        <p:cNvPr id="1" name=""/>
+        <p:cNvGrpSpPr/>
+        <p:nvPr/>
+      </p:nvGrpSpPr>
+      <p:grpSpPr>
+        <a:xfrm>
+          <a:off x="0" y="0"/>
+          <a:ext cx="0" cy="0"/>
+          <a:chOff x="0" y="0"/>
+          <a:chExt cx="0" cy="0"/>
+        </a:xfrm>
+      </p:grpSpPr>
+      <p:sp>
+        <p:nvSpPr>
+          <p:cNvPr id="150" name="Types in Typescript"/>
+          <p:cNvSpPr txBox="1">
+            <a:spLocks noGrp="1"/>
+          </p:cNvSpPr>
+          <p:nvPr>
+            <p:ph type="title"/>
+          </p:nvPr>
+        </p:nvSpPr>
+        <p:spPr>
+          <a:prstGeom prst="rect">
+            <a:avLst/>
+          </a:prstGeom>
+        </p:spPr>
+        <p:txBody>
+          <a:bodyPr>
+            <a:normAutofit/>
+          </a:bodyPr>
+          <a:lstStyle/>
+          <a:p>
+            <a:r>
+              <a:rPr sz="4000" dirty="0">
+                <a:latin typeface="Calibri" panose="020F0502020204030204" pitchFamily="34" charset="0"/>
+                <a:cs typeface="Calibri" panose="020F0502020204030204" pitchFamily="34" charset="0"/>
+              </a:rPr>
+              <a:t>Types </a:t>
+            </a:r>
+            <a:r>
+              <a:rPr sz="4000">
+                <a:latin typeface="Calibri" panose="020F0502020204030204" pitchFamily="34" charset="0"/>
+                <a:cs typeface="Calibri" panose="020F0502020204030204" pitchFamily="34" charset="0"/>
+              </a:rPr>
+              <a:t>in Typescript</a:t>
+            </a:r>
+            <a:r>
+              <a:rPr lang="en-US" sz="4000">
+                <a:latin typeface="Calibri" panose="020F0502020204030204" pitchFamily="34" charset="0"/>
+                <a:cs typeface="Calibri" panose="020F0502020204030204" pitchFamily="34" charset="0"/>
+              </a:rPr>
+              <a:t>..</a:t>
+            </a:r>
+            <a:endParaRPr sz="4000" dirty="0">
+              <a:latin typeface="Calibri" panose="020F0502020204030204" pitchFamily="34" charset="0"/>
+              <a:cs typeface="Calibri" panose="020F0502020204030204" pitchFamily="34" charset="0"/>
+            </a:endParaRPr>
+          </a:p>
+        </p:txBody>
+      </p:sp>
+      <p:sp>
+        <p:nvSpPr>
+          <p:cNvPr id="151" name="Union is a sort of sum, or set union:…"/>
+          <p:cNvSpPr txBox="1">
+            <a:spLocks noGrp="1"/>
+          </p:cNvSpPr>
+          <p:nvPr>
+            <p:ph type="body" idx="1"/>
+          </p:nvPr>
+        </p:nvSpPr>
+        <p:spPr>
+          <a:xfrm>
+            <a:off x="952500" y="2590800"/>
+            <a:ext cx="11099800" cy="6286500"/>
+          </a:xfrm>
+          <a:prstGeom prst="rect">
+            <a:avLst/>
+          </a:prstGeom>
+        </p:spPr>
+        <p:txBody>
+          <a:bodyPr anchor="t">
+            <a:noAutofit/>
+          </a:bodyPr>
+          <a:lstStyle/>
+          <a:p>
+            <a:pPr marL="284479" indent="-284479" defTabSz="292607">
+              <a:lnSpc>
+                <a:spcPts val="3700"/>
+              </a:lnSpc>
+              <a:spcBef>
+                <a:spcPts val="0"/>
+              </a:spcBef>
+              <a:tabLst>
+                <a:tab pos="88900" algn="l"/>
+                <a:tab pos="292100" algn="l"/>
+              </a:tabLst>
+              <a:defRPr sz="2048">
+                <a:latin typeface="Helvetica"/>
+                <a:ea typeface="Helvetica"/>
+                <a:cs typeface="Helvetica"/>
+                <a:sym typeface="Helvetica"/>
+              </a:defRPr>
+            </a:pPr>
+            <a:r>
+              <a:rPr sz="2000" dirty="0">
+                <a:latin typeface="Calibri" panose="020F0502020204030204" pitchFamily="34" charset="0"/>
+                <a:cs typeface="Calibri" panose="020F0502020204030204" pitchFamily="34" charset="0"/>
+              </a:rPr>
+              <a:t>U</a:t>
+            </a:r>
+            <a:r>
+              <a:rPr sz="2000" u="sng" dirty="0">
+                <a:latin typeface="Calibri" panose="020F0502020204030204" pitchFamily="34" charset="0"/>
+                <a:cs typeface="Calibri" panose="020F0502020204030204" pitchFamily="34" charset="0"/>
+              </a:rPr>
+              <a:t>nion</a:t>
+            </a:r>
+            <a:r>
+              <a:rPr sz="2000" dirty="0">
+                <a:latin typeface="Calibri" panose="020F0502020204030204" pitchFamily="34" charset="0"/>
+                <a:cs typeface="Calibri" panose="020F0502020204030204" pitchFamily="34" charset="0"/>
+              </a:rPr>
+              <a:t> is a sort of sum, or set union: </a:t>
+            </a:r>
+          </a:p>
+          <a:p>
+            <a:pPr marL="568959" lvl="1" indent="-284479" defTabSz="292607">
+              <a:lnSpc>
+                <a:spcPts val="3700"/>
+              </a:lnSpc>
+              <a:spcBef>
+                <a:spcPts val="0"/>
+              </a:spcBef>
+              <a:tabLst>
+                <a:tab pos="88900" algn="l"/>
+                <a:tab pos="292100" algn="l"/>
+              </a:tabLst>
+              <a:defRPr sz="2048">
+                <a:latin typeface="Helvetica"/>
+                <a:ea typeface="Helvetica"/>
+                <a:cs typeface="Helvetica"/>
+                <a:sym typeface="Helvetica"/>
+              </a:defRPr>
+            </a:pPr>
+            <a:r>
+              <a:rPr sz="2000" dirty="0">
+                <a:latin typeface="Calibri" panose="020F0502020204030204" pitchFamily="34" charset="0"/>
+                <a:cs typeface="Calibri" panose="020F0502020204030204" pitchFamily="34" charset="0"/>
+              </a:rPr>
+              <a:t>A | B is a type that contains:</a:t>
+            </a:r>
+          </a:p>
+          <a:p>
+            <a:pPr marL="853439" lvl="2" indent="-284479" defTabSz="292607">
+              <a:lnSpc>
+                <a:spcPts val="3700"/>
+              </a:lnSpc>
+              <a:spcBef>
+                <a:spcPts val="0"/>
+              </a:spcBef>
+              <a:tabLst>
+                <a:tab pos="88900" algn="l"/>
+                <a:tab pos="292100" algn="l"/>
+              </a:tabLst>
+              <a:defRPr sz="2048">
+                <a:latin typeface="Helvetica"/>
+                <a:ea typeface="Helvetica"/>
+                <a:cs typeface="Helvetica"/>
+                <a:sym typeface="Helvetica"/>
+              </a:defRPr>
+            </a:pPr>
+            <a:r>
+              <a:rPr sz="2000" dirty="0">
+                <a:latin typeface="Calibri" panose="020F0502020204030204" pitchFamily="34" charset="0"/>
+                <a:cs typeface="Calibri" panose="020F0502020204030204" pitchFamily="34" charset="0"/>
+              </a:rPr>
+              <a:t>all the values of A, </a:t>
+            </a:r>
+          </a:p>
+          <a:p>
+            <a:pPr marL="853439" lvl="2" indent="-284479" defTabSz="292607">
+              <a:lnSpc>
+                <a:spcPts val="3700"/>
+              </a:lnSpc>
+              <a:spcBef>
+                <a:spcPts val="0"/>
+              </a:spcBef>
+              <a:tabLst>
+                <a:tab pos="88900" algn="l"/>
+                <a:tab pos="292100" algn="l"/>
+              </a:tabLst>
+              <a:defRPr sz="2048">
+                <a:latin typeface="Helvetica"/>
+                <a:ea typeface="Helvetica"/>
+                <a:cs typeface="Helvetica"/>
+                <a:sym typeface="Helvetica"/>
+              </a:defRPr>
+            </a:pPr>
+            <a:r>
+              <a:rPr sz="2000" dirty="0">
+                <a:latin typeface="Calibri" panose="020F0502020204030204" pitchFamily="34" charset="0"/>
+                <a:cs typeface="Calibri" panose="020F0502020204030204" pitchFamily="34" charset="0"/>
+              </a:rPr>
+              <a:t>and all the values of B, one next to each other;</a:t>
+            </a:r>
+          </a:p>
+          <a:p>
+            <a:pPr marL="0" lvl="5" indent="731519" defTabSz="292607">
+              <a:lnSpc>
+                <a:spcPts val="3400"/>
+              </a:lnSpc>
+              <a:spcBef>
+                <a:spcPts val="0"/>
+              </a:spcBef>
+              <a:buSzTx/>
+              <a:buNone/>
+              <a:defRPr sz="2048">
+                <a:latin typeface="Helvetica"/>
+                <a:ea typeface="Helvetica"/>
+                <a:cs typeface="Helvetica"/>
+                <a:sym typeface="Helvetica"/>
+              </a:defRPr>
+            </a:pPr>
+            <a:r>
+              <a:rPr sz="2000" dirty="0">
+                <a:solidFill>
+                  <a:schemeClr val="accent1">
+                    <a:hueOff val="114395"/>
+                    <a:lumOff val="-24975"/>
+                  </a:schemeClr>
+                </a:solidFill>
+                <a:latin typeface="Calibri" panose="020F0502020204030204" pitchFamily="34" charset="0"/>
+                <a:cs typeface="Calibri" panose="020F0502020204030204" pitchFamily="34" charset="0"/>
+              </a:rPr>
+              <a:t>type</a:t>
+            </a:r>
+            <a:r>
+              <a:rPr sz="2000" dirty="0">
+                <a:latin typeface="Calibri" panose="020F0502020204030204" pitchFamily="34" charset="0"/>
+                <a:cs typeface="Calibri" panose="020F0502020204030204" pitchFamily="34" charset="0"/>
+              </a:rPr>
+              <a:t> A = { x:</a:t>
+            </a:r>
+            <a:r>
+              <a:rPr sz="2000" dirty="0">
+                <a:solidFill>
+                  <a:schemeClr val="accent5">
+                    <a:lumOff val="-29866"/>
+                  </a:schemeClr>
+                </a:solidFill>
+                <a:latin typeface="Calibri" panose="020F0502020204030204" pitchFamily="34" charset="0"/>
+                <a:cs typeface="Calibri" panose="020F0502020204030204" pitchFamily="34" charset="0"/>
+              </a:rPr>
+              <a:t>"A1"</a:t>
+            </a:r>
+            <a:r>
+              <a:rPr sz="2000" dirty="0">
+                <a:latin typeface="Calibri" panose="020F0502020204030204" pitchFamily="34" charset="0"/>
+                <a:cs typeface="Calibri" panose="020F0502020204030204" pitchFamily="34" charset="0"/>
+              </a:rPr>
+              <a:t> | </a:t>
+            </a:r>
+            <a:r>
+              <a:rPr sz="2000" dirty="0">
+                <a:solidFill>
+                  <a:schemeClr val="accent5">
+                    <a:lumOff val="-29866"/>
+                  </a:schemeClr>
+                </a:solidFill>
+                <a:latin typeface="Calibri" panose="020F0502020204030204" pitchFamily="34" charset="0"/>
+                <a:cs typeface="Calibri" panose="020F0502020204030204" pitchFamily="34" charset="0"/>
+              </a:rPr>
+              <a:t>"A2"</a:t>
+            </a:r>
+            <a:r>
+              <a:rPr sz="2000" dirty="0">
+                <a:latin typeface="Calibri" panose="020F0502020204030204" pitchFamily="34" charset="0"/>
+                <a:cs typeface="Calibri" panose="020F0502020204030204" pitchFamily="34" charset="0"/>
+              </a:rPr>
+              <a:t> } </a:t>
+            </a:r>
+          </a:p>
+          <a:p>
+            <a:pPr marL="0" lvl="5" indent="731519" defTabSz="292607">
+              <a:lnSpc>
+                <a:spcPts val="3400"/>
+              </a:lnSpc>
+              <a:spcBef>
+                <a:spcPts val="0"/>
+              </a:spcBef>
+              <a:buSzTx/>
+              <a:buNone/>
+              <a:defRPr sz="2048">
+                <a:latin typeface="Helvetica"/>
+                <a:ea typeface="Helvetica"/>
+                <a:cs typeface="Helvetica"/>
+                <a:sym typeface="Helvetica"/>
+              </a:defRPr>
+            </a:pPr>
+            <a:r>
+              <a:rPr sz="2000" dirty="0">
+                <a:solidFill>
+                  <a:schemeClr val="accent1">
+                    <a:hueOff val="114395"/>
+                    <a:lumOff val="-24975"/>
+                  </a:schemeClr>
+                </a:solidFill>
+                <a:latin typeface="Calibri" panose="020F0502020204030204" pitchFamily="34" charset="0"/>
+                <a:cs typeface="Calibri" panose="020F0502020204030204" pitchFamily="34" charset="0"/>
+              </a:rPr>
+              <a:t>type</a:t>
+            </a:r>
+            <a:r>
+              <a:rPr sz="2000" dirty="0">
+                <a:latin typeface="Calibri" panose="020F0502020204030204" pitchFamily="34" charset="0"/>
+                <a:cs typeface="Calibri" panose="020F0502020204030204" pitchFamily="34" charset="0"/>
+              </a:rPr>
+              <a:t> B = { y:</a:t>
+            </a:r>
+            <a:r>
+              <a:rPr sz="2000" dirty="0">
+                <a:solidFill>
+                  <a:schemeClr val="accent5">
+                    <a:lumOff val="-29866"/>
+                  </a:schemeClr>
+                </a:solidFill>
+                <a:latin typeface="Calibri" panose="020F0502020204030204" pitchFamily="34" charset="0"/>
+                <a:cs typeface="Calibri" panose="020F0502020204030204" pitchFamily="34" charset="0"/>
+              </a:rPr>
+              <a:t>"B1"</a:t>
+            </a:r>
+            <a:r>
+              <a:rPr sz="2000" dirty="0">
+                <a:latin typeface="Calibri" panose="020F0502020204030204" pitchFamily="34" charset="0"/>
+                <a:cs typeface="Calibri" panose="020F0502020204030204" pitchFamily="34" charset="0"/>
+              </a:rPr>
+              <a:t> | </a:t>
+            </a:r>
+            <a:r>
+              <a:rPr sz="2000" dirty="0">
+                <a:solidFill>
+                  <a:schemeClr val="accent5">
+                    <a:lumOff val="-29866"/>
+                  </a:schemeClr>
+                </a:solidFill>
+                <a:latin typeface="Calibri" panose="020F0502020204030204" pitchFamily="34" charset="0"/>
+                <a:cs typeface="Calibri" panose="020F0502020204030204" pitchFamily="34" charset="0"/>
+              </a:rPr>
+              <a:t>"B2"</a:t>
+            </a:r>
+            <a:r>
+              <a:rPr sz="2000" dirty="0">
+                <a:latin typeface="Calibri" panose="020F0502020204030204" pitchFamily="34" charset="0"/>
+                <a:cs typeface="Calibri" panose="020F0502020204030204" pitchFamily="34" charset="0"/>
+              </a:rPr>
+              <a:t> | </a:t>
+            </a:r>
+            <a:r>
+              <a:rPr sz="2000" dirty="0">
+                <a:solidFill>
+                  <a:schemeClr val="accent5">
+                    <a:lumOff val="-29866"/>
+                  </a:schemeClr>
+                </a:solidFill>
+                <a:latin typeface="Calibri" panose="020F0502020204030204" pitchFamily="34" charset="0"/>
+                <a:cs typeface="Calibri" panose="020F0502020204030204" pitchFamily="34" charset="0"/>
+              </a:rPr>
+              <a:t>"B3"</a:t>
+            </a:r>
+            <a:r>
+              <a:rPr sz="2000" dirty="0">
+                <a:latin typeface="Calibri" panose="020F0502020204030204" pitchFamily="34" charset="0"/>
+                <a:cs typeface="Calibri" panose="020F0502020204030204" pitchFamily="34" charset="0"/>
+              </a:rPr>
+              <a:t> }</a:t>
+            </a:r>
+          </a:p>
+          <a:p>
+            <a:pPr marL="853439" lvl="2" indent="-284479" defTabSz="292607">
+              <a:lnSpc>
+                <a:spcPts val="3700"/>
+              </a:lnSpc>
+              <a:spcBef>
+                <a:spcPts val="0"/>
+              </a:spcBef>
+              <a:tabLst>
+                <a:tab pos="88900" algn="l"/>
+                <a:tab pos="292100" algn="l"/>
+              </a:tabLst>
+              <a:defRPr sz="2048">
+                <a:latin typeface="Helvetica"/>
+                <a:ea typeface="Helvetica"/>
+                <a:cs typeface="Helvetica"/>
+                <a:sym typeface="Helvetica"/>
+              </a:defRPr>
+            </a:pPr>
+            <a:r>
+              <a:rPr lang="en-US" sz="2000" dirty="0">
+                <a:latin typeface="Calibri" panose="020F0502020204030204" pitchFamily="34" charset="0"/>
+                <a:cs typeface="Calibri" panose="020F0502020204030204" pitchFamily="34" charset="0"/>
+              </a:rPr>
+              <a:t>V</a:t>
+            </a:r>
+            <a:r>
+              <a:rPr sz="2000" dirty="0">
+                <a:latin typeface="Calibri" panose="020F0502020204030204" pitchFamily="34" charset="0"/>
+                <a:cs typeface="Calibri" panose="020F0502020204030204" pitchFamily="34" charset="0"/>
+              </a:rPr>
+              <a:t>alues of A | B are { x:"A1" }, { x:"A2" }, but also { y:"B1" }, etc. There are five of them;</a:t>
+            </a:r>
+            <a:endParaRPr lang="en-US" sz="2000" dirty="0">
+              <a:latin typeface="Calibri" panose="020F0502020204030204" pitchFamily="34" charset="0"/>
+              <a:cs typeface="Calibri" panose="020F0502020204030204" pitchFamily="34" charset="0"/>
+            </a:endParaRPr>
+          </a:p>
+          <a:p>
+            <a:pPr marL="284479" indent="-284479" defTabSz="292607">
+              <a:lnSpc>
+                <a:spcPts val="3700"/>
+              </a:lnSpc>
+              <a:spcBef>
+                <a:spcPts val="0"/>
+              </a:spcBef>
+              <a:tabLst>
+                <a:tab pos="88900" algn="l"/>
+                <a:tab pos="292100" algn="l"/>
+              </a:tabLst>
+              <a:defRPr sz="2048">
+                <a:latin typeface="Helvetica"/>
+                <a:ea typeface="Helvetica"/>
+                <a:cs typeface="Helvetica"/>
+                <a:sym typeface="Helvetica"/>
+              </a:defRPr>
+            </a:pPr>
+            <a:r>
+              <a:rPr lang="en-US" sz="2000" dirty="0">
+                <a:latin typeface="Calibri" panose="020F0502020204030204" pitchFamily="34" charset="0"/>
+                <a:cs typeface="Calibri" panose="020F0502020204030204" pitchFamily="34" charset="0"/>
+              </a:rPr>
+              <a:t>	I</a:t>
+            </a:r>
+            <a:r>
+              <a:rPr lang="en-US" sz="2000" u="sng" dirty="0">
+                <a:latin typeface="Calibri" panose="020F0502020204030204" pitchFamily="34" charset="0"/>
+                <a:cs typeface="Calibri" panose="020F0502020204030204" pitchFamily="34" charset="0"/>
+              </a:rPr>
+              <a:t>ntersection</a:t>
+            </a:r>
+            <a:r>
+              <a:rPr lang="en-US" sz="2000" dirty="0">
+                <a:latin typeface="Calibri" panose="020F0502020204030204" pitchFamily="34" charset="0"/>
+                <a:cs typeface="Calibri" panose="020F0502020204030204" pitchFamily="34" charset="0"/>
+              </a:rPr>
+              <a:t> is a sort of product, or cartesian product over sets:</a:t>
+            </a:r>
+          </a:p>
+          <a:p>
+            <a:pPr marL="568959" lvl="1" indent="-284479" defTabSz="292607">
+              <a:lnSpc>
+                <a:spcPts val="3700"/>
+              </a:lnSpc>
+              <a:spcBef>
+                <a:spcPts val="0"/>
+              </a:spcBef>
+              <a:tabLst>
+                <a:tab pos="88900" algn="l"/>
+                <a:tab pos="292100" algn="l"/>
+              </a:tabLst>
+              <a:defRPr sz="2048">
+                <a:latin typeface="Helvetica"/>
+                <a:ea typeface="Helvetica"/>
+                <a:cs typeface="Helvetica"/>
+                <a:sym typeface="Helvetica"/>
+              </a:defRPr>
+            </a:pPr>
+            <a:r>
+              <a:rPr lang="en-US" sz="2000" dirty="0">
+                <a:latin typeface="Calibri" panose="020F0502020204030204" pitchFamily="34" charset="0"/>
+                <a:cs typeface="Calibri" panose="020F0502020204030204" pitchFamily="34" charset="0"/>
+              </a:rPr>
+              <a:t> A &amp; B is a type that contains all the </a:t>
+            </a:r>
+            <a:r>
+              <a:rPr lang="en-US" sz="2000" i="1" dirty="0">
+                <a:latin typeface="Calibri" panose="020F0502020204030204" pitchFamily="34" charset="0"/>
+                <a:cs typeface="Calibri" panose="020F0502020204030204" pitchFamily="34" charset="0"/>
+              </a:rPr>
+              <a:t>combinations</a:t>
+            </a:r>
+            <a:r>
+              <a:rPr lang="en-US" sz="2000" dirty="0">
+                <a:latin typeface="Calibri" panose="020F0502020204030204" pitchFamily="34" charset="0"/>
+                <a:cs typeface="Calibri" panose="020F0502020204030204" pitchFamily="34" charset="0"/>
+              </a:rPr>
+              <a:t> of values of A and B at the same time:</a:t>
+            </a:r>
+          </a:p>
+          <a:p>
+            <a:pPr marL="0" lvl="5" indent="731519" defTabSz="292607">
+              <a:lnSpc>
+                <a:spcPts val="3400"/>
+              </a:lnSpc>
+              <a:spcBef>
+                <a:spcPts val="0"/>
+              </a:spcBef>
+              <a:buSzTx/>
+              <a:buNone/>
+              <a:defRPr sz="2048">
+                <a:latin typeface="Helvetica"/>
+                <a:ea typeface="Helvetica"/>
+                <a:cs typeface="Helvetica"/>
+                <a:sym typeface="Helvetica"/>
+              </a:defRPr>
+            </a:pPr>
+            <a:r>
+              <a:rPr lang="en-US" sz="2000" dirty="0">
+                <a:solidFill>
+                  <a:schemeClr val="accent1">
+                    <a:hueOff val="114395"/>
+                    <a:lumOff val="-24975"/>
+                  </a:schemeClr>
+                </a:solidFill>
+                <a:latin typeface="Calibri" panose="020F0502020204030204" pitchFamily="34" charset="0"/>
+                <a:cs typeface="Calibri" panose="020F0502020204030204" pitchFamily="34" charset="0"/>
+              </a:rPr>
+              <a:t>type</a:t>
+            </a:r>
+            <a:r>
+              <a:rPr lang="en-US" sz="2000" dirty="0">
+                <a:latin typeface="Calibri" panose="020F0502020204030204" pitchFamily="34" charset="0"/>
+                <a:cs typeface="Calibri" panose="020F0502020204030204" pitchFamily="34" charset="0"/>
+              </a:rPr>
+              <a:t> A = { x:</a:t>
+            </a:r>
+            <a:r>
+              <a:rPr lang="en-US" sz="2000" dirty="0">
+                <a:solidFill>
+                  <a:schemeClr val="accent5">
+                    <a:lumOff val="-29866"/>
+                  </a:schemeClr>
+                </a:solidFill>
+                <a:latin typeface="Calibri" panose="020F0502020204030204" pitchFamily="34" charset="0"/>
+                <a:cs typeface="Calibri" panose="020F0502020204030204" pitchFamily="34" charset="0"/>
+              </a:rPr>
+              <a:t>"A1"</a:t>
+            </a:r>
+            <a:r>
+              <a:rPr lang="en-US" sz="2000" dirty="0">
+                <a:latin typeface="Calibri" panose="020F0502020204030204" pitchFamily="34" charset="0"/>
+                <a:cs typeface="Calibri" panose="020F0502020204030204" pitchFamily="34" charset="0"/>
+              </a:rPr>
+              <a:t> | </a:t>
+            </a:r>
+            <a:r>
+              <a:rPr lang="en-US" sz="2000" dirty="0">
+                <a:solidFill>
+                  <a:schemeClr val="accent5">
+                    <a:lumOff val="-29866"/>
+                  </a:schemeClr>
+                </a:solidFill>
+                <a:latin typeface="Calibri" panose="020F0502020204030204" pitchFamily="34" charset="0"/>
+                <a:cs typeface="Calibri" panose="020F0502020204030204" pitchFamily="34" charset="0"/>
+              </a:rPr>
+              <a:t>"A2"</a:t>
+            </a:r>
+            <a:r>
+              <a:rPr lang="en-US" sz="2000" dirty="0">
+                <a:latin typeface="Calibri" panose="020F0502020204030204" pitchFamily="34" charset="0"/>
+                <a:cs typeface="Calibri" panose="020F0502020204030204" pitchFamily="34" charset="0"/>
+              </a:rPr>
+              <a:t> } </a:t>
+            </a:r>
+          </a:p>
+          <a:p>
+            <a:pPr marL="0" lvl="5" indent="731519" defTabSz="292607">
+              <a:lnSpc>
+                <a:spcPts val="3400"/>
+              </a:lnSpc>
+              <a:spcBef>
+                <a:spcPts val="0"/>
+              </a:spcBef>
+              <a:buSzTx/>
+              <a:buNone/>
+              <a:defRPr sz="2048">
+                <a:latin typeface="Helvetica"/>
+                <a:ea typeface="Helvetica"/>
+                <a:cs typeface="Helvetica"/>
+                <a:sym typeface="Helvetica"/>
+              </a:defRPr>
+            </a:pPr>
+            <a:r>
+              <a:rPr lang="en-US" sz="2000" dirty="0">
+                <a:solidFill>
+                  <a:schemeClr val="accent1">
+                    <a:hueOff val="114395"/>
+                    <a:lumOff val="-24975"/>
+                  </a:schemeClr>
+                </a:solidFill>
+                <a:latin typeface="Calibri" panose="020F0502020204030204" pitchFamily="34" charset="0"/>
+                <a:cs typeface="Calibri" panose="020F0502020204030204" pitchFamily="34" charset="0"/>
+              </a:rPr>
+              <a:t>type</a:t>
+            </a:r>
+            <a:r>
+              <a:rPr lang="en-US" sz="2000" dirty="0">
+                <a:latin typeface="Calibri" panose="020F0502020204030204" pitchFamily="34" charset="0"/>
+                <a:cs typeface="Calibri" panose="020F0502020204030204" pitchFamily="34" charset="0"/>
+              </a:rPr>
+              <a:t> B = { y:</a:t>
+            </a:r>
+            <a:r>
+              <a:rPr lang="en-US" sz="2000" dirty="0">
+                <a:solidFill>
+                  <a:schemeClr val="accent5">
+                    <a:lumOff val="-29866"/>
+                  </a:schemeClr>
+                </a:solidFill>
+                <a:latin typeface="Calibri" panose="020F0502020204030204" pitchFamily="34" charset="0"/>
+                <a:cs typeface="Calibri" panose="020F0502020204030204" pitchFamily="34" charset="0"/>
+              </a:rPr>
+              <a:t>"B1"</a:t>
+            </a:r>
+            <a:r>
+              <a:rPr lang="en-US" sz="2000" dirty="0">
+                <a:latin typeface="Calibri" panose="020F0502020204030204" pitchFamily="34" charset="0"/>
+                <a:cs typeface="Calibri" panose="020F0502020204030204" pitchFamily="34" charset="0"/>
+              </a:rPr>
+              <a:t> | </a:t>
+            </a:r>
+            <a:r>
+              <a:rPr lang="en-US" sz="2000" dirty="0">
+                <a:solidFill>
+                  <a:schemeClr val="accent5">
+                    <a:lumOff val="-29866"/>
+                  </a:schemeClr>
+                </a:solidFill>
+                <a:latin typeface="Calibri" panose="020F0502020204030204" pitchFamily="34" charset="0"/>
+                <a:cs typeface="Calibri" panose="020F0502020204030204" pitchFamily="34" charset="0"/>
+              </a:rPr>
+              <a:t>"B2"</a:t>
+            </a:r>
+            <a:r>
+              <a:rPr lang="en-US" sz="2000" dirty="0">
+                <a:latin typeface="Calibri" panose="020F0502020204030204" pitchFamily="34" charset="0"/>
+                <a:cs typeface="Calibri" panose="020F0502020204030204" pitchFamily="34" charset="0"/>
+              </a:rPr>
+              <a:t> | </a:t>
+            </a:r>
+            <a:r>
+              <a:rPr lang="en-US" sz="2000" dirty="0">
+                <a:solidFill>
+                  <a:schemeClr val="accent5">
+                    <a:lumOff val="-29866"/>
+                  </a:schemeClr>
+                </a:solidFill>
+                <a:latin typeface="Calibri" panose="020F0502020204030204" pitchFamily="34" charset="0"/>
+                <a:cs typeface="Calibri" panose="020F0502020204030204" pitchFamily="34" charset="0"/>
+              </a:rPr>
+              <a:t>"B3"</a:t>
+            </a:r>
+            <a:r>
+              <a:rPr lang="en-US" sz="2000" dirty="0">
+                <a:latin typeface="Calibri" panose="020F0502020204030204" pitchFamily="34" charset="0"/>
+                <a:cs typeface="Calibri" panose="020F0502020204030204" pitchFamily="34" charset="0"/>
+              </a:rPr>
+              <a:t> }</a:t>
+            </a:r>
+          </a:p>
+          <a:p>
+            <a:pPr marL="568959" lvl="1" indent="-284479" defTabSz="292607">
+              <a:lnSpc>
+                <a:spcPts val="3700"/>
+              </a:lnSpc>
+              <a:spcBef>
+                <a:spcPts val="0"/>
+              </a:spcBef>
+              <a:tabLst>
+                <a:tab pos="88900" algn="l"/>
+                <a:tab pos="292100" algn="l"/>
+              </a:tabLst>
+              <a:defRPr sz="2048">
+                <a:latin typeface="Helvetica"/>
+                <a:ea typeface="Helvetica"/>
+                <a:cs typeface="Helvetica"/>
+                <a:sym typeface="Helvetica"/>
+              </a:defRPr>
+            </a:pPr>
+            <a:r>
+              <a:rPr lang="en-US" sz="2000" dirty="0">
+                <a:latin typeface="Calibri" panose="020F0502020204030204" pitchFamily="34" charset="0"/>
+                <a:cs typeface="Calibri" panose="020F0502020204030204" pitchFamily="34" charset="0"/>
+              </a:rPr>
+              <a:t>	Values of A &amp; B are { x:"A1", y:"B1" }, { x:"A1", y:"B2" }, etc. There are six of them;</a:t>
+            </a:r>
+            <a:br>
+              <a:rPr lang="en-US" sz="2000" dirty="0">
+                <a:latin typeface="Calibri" panose="020F0502020204030204" pitchFamily="34" charset="0"/>
+                <a:cs typeface="Calibri" panose="020F0502020204030204" pitchFamily="34" charset="0"/>
+              </a:rPr>
+            </a:br>
+            <a:endParaRPr lang="en-US" sz="2000" dirty="0">
+              <a:latin typeface="Calibri" panose="020F0502020204030204" pitchFamily="34" charset="0"/>
+              <a:cs typeface="Calibri" panose="020F0502020204030204" pitchFamily="34" charset="0"/>
+            </a:endParaRPr>
+          </a:p>
+          <a:p>
+            <a:pPr marL="853439" lvl="2" indent="-284479" defTabSz="292607">
+              <a:lnSpc>
+                <a:spcPts val="3700"/>
+              </a:lnSpc>
+              <a:spcBef>
+                <a:spcPts val="0"/>
+              </a:spcBef>
+              <a:tabLst>
+                <a:tab pos="88900" algn="l"/>
+                <a:tab pos="292100" algn="l"/>
+              </a:tabLst>
+              <a:defRPr sz="2048">
+                <a:latin typeface="Helvetica"/>
+                <a:ea typeface="Helvetica"/>
+                <a:cs typeface="Helvetica"/>
+                <a:sym typeface="Helvetica"/>
+              </a:defRPr>
+            </a:pPr>
+            <a:endParaRPr sz="2000" dirty="0">
+              <a:latin typeface="Calibri" panose="020F0502020204030204" pitchFamily="34" charset="0"/>
+              <a:cs typeface="Calibri" panose="020F0502020204030204" pitchFamily="34" charset="0"/>
+            </a:endParaRPr>
+          </a:p>
+        </p:txBody>
+      </p:sp>
+    </p:spTree>
+    <p:extLst>
+      <p:ext uri="{BB962C8B-B14F-4D97-AF65-F5344CB8AC3E}">
+        <p14:creationId xmlns:p14="http://schemas.microsoft.com/office/powerpoint/2010/main" val="3636484696"/>
+      </p:ext>
+    </p:extLst>
+  </p:cSld>
+  <p:clrMapOvr>
+    <a:masterClrMapping/>
+  </p:clrMapOvr>
+  <p:transition spd="med"/>
+</p:sld>
+</file>
+
+<file path=ppt/slides/slide31.xml><?xml version="1.0" encoding="utf-8"?>
+<p:sld xmlns:a="http://schemas.openxmlformats.org/drawingml/2006/main" xmlns:r="http://schemas.openxmlformats.org/officeDocument/2006/relationships" xmlns:p="http://schemas.openxmlformats.org/presentationml/2006/main">
+  <p:cSld>
+    <p:spTree>
+      <p:nvGrpSpPr>
+        <p:cNvPr id="1" name=""/>
+        <p:cNvGrpSpPr/>
+        <p:nvPr/>
+      </p:nvGrpSpPr>
+      <p:grpSpPr>
+        <a:xfrm>
+          <a:off x="0" y="0"/>
+          <a:ext cx="0" cy="0"/>
+          <a:chOff x="0" y="0"/>
+          <a:chExt cx="0" cy="0"/>
+        </a:xfrm>
+      </p:grpSpPr>
+      <p:sp>
+        <p:nvSpPr>
+          <p:cNvPr id="150" name="Types in Typescript"/>
+          <p:cNvSpPr txBox="1">
+            <a:spLocks noGrp="1"/>
+          </p:cNvSpPr>
+          <p:nvPr>
+            <p:ph type="title"/>
+          </p:nvPr>
+        </p:nvSpPr>
+        <p:spPr>
+          <a:prstGeom prst="rect">
+            <a:avLst/>
+          </a:prstGeom>
+        </p:spPr>
+        <p:txBody>
+          <a:bodyPr>
+            <a:normAutofit/>
+          </a:bodyPr>
+          <a:lstStyle/>
+          <a:p>
+            <a:r>
+              <a:rPr lang="en-US" sz="4000" dirty="0">
+                <a:latin typeface="Calibri" panose="020F0502020204030204" pitchFamily="34" charset="0"/>
+                <a:cs typeface="Calibri" panose="020F0502020204030204" pitchFamily="34" charset="0"/>
+              </a:rPr>
+              <a:t>Example</a:t>
+            </a:r>
+            <a:endParaRPr sz="4000" dirty="0">
+              <a:latin typeface="Calibri" panose="020F0502020204030204" pitchFamily="34" charset="0"/>
+              <a:cs typeface="Calibri" panose="020F0502020204030204" pitchFamily="34" charset="0"/>
+            </a:endParaRPr>
+          </a:p>
+        </p:txBody>
+      </p:sp>
+      <p:sp>
+        <p:nvSpPr>
+          <p:cNvPr id="151" name="Union is a sort of sum, or set union:…"/>
+          <p:cNvSpPr txBox="1">
+            <a:spLocks noGrp="1"/>
+          </p:cNvSpPr>
+          <p:nvPr>
+            <p:ph type="body" idx="1"/>
+          </p:nvPr>
+        </p:nvSpPr>
+        <p:spPr>
+          <a:xfrm>
+            <a:off x="952500" y="2590800"/>
+            <a:ext cx="11099800" cy="6286500"/>
+          </a:xfrm>
+          <a:prstGeom prst="rect">
+            <a:avLst/>
+          </a:prstGeom>
+        </p:spPr>
+        <p:txBody>
+          <a:bodyPr anchor="t">
+            <a:noAutofit/>
+          </a:bodyPr>
+          <a:lstStyle/>
+          <a:p>
+            <a:pPr marL="284479" indent="-284479" defTabSz="292607">
+              <a:lnSpc>
+                <a:spcPts val="3700"/>
+              </a:lnSpc>
+              <a:spcBef>
+                <a:spcPts val="0"/>
+              </a:spcBef>
+              <a:tabLst>
+                <a:tab pos="88900" algn="l"/>
+                <a:tab pos="292100" algn="l"/>
+              </a:tabLst>
+              <a:defRPr sz="2048">
+                <a:latin typeface="Helvetica"/>
+                <a:ea typeface="Helvetica"/>
+                <a:cs typeface="Helvetica"/>
+                <a:sym typeface="Helvetica"/>
+              </a:defRPr>
+            </a:pPr>
+            <a:r>
+              <a:rPr lang="en-US" sz="2000" dirty="0">
+                <a:latin typeface="Calibri" panose="020F0502020204030204" pitchFamily="34" charset="0"/>
+                <a:cs typeface="Calibri" panose="020F0502020204030204" pitchFamily="34" charset="0"/>
+              </a:rPr>
+              <a:t>Demo</a:t>
+            </a:r>
+          </a:p>
+          <a:p>
+            <a:pPr marL="853439" lvl="2" indent="-284479" defTabSz="292607">
+              <a:lnSpc>
+                <a:spcPts val="3700"/>
+              </a:lnSpc>
+              <a:spcBef>
+                <a:spcPts val="0"/>
+              </a:spcBef>
+              <a:tabLst>
+                <a:tab pos="88900" algn="l"/>
+                <a:tab pos="292100" algn="l"/>
+              </a:tabLst>
+              <a:defRPr sz="2048">
+                <a:latin typeface="Helvetica"/>
+                <a:ea typeface="Helvetica"/>
+                <a:cs typeface="Helvetica"/>
+                <a:sym typeface="Helvetica"/>
+              </a:defRPr>
+            </a:pPr>
+            <a:endParaRPr sz="2000" dirty="0">
+              <a:latin typeface="Calibri" panose="020F0502020204030204" pitchFamily="34" charset="0"/>
+              <a:cs typeface="Calibri" panose="020F0502020204030204" pitchFamily="34" charset="0"/>
+            </a:endParaRPr>
+          </a:p>
+        </p:txBody>
+      </p:sp>
+    </p:spTree>
+    <p:extLst>
+      <p:ext uri="{BB962C8B-B14F-4D97-AF65-F5344CB8AC3E}">
+        <p14:creationId xmlns:p14="http://schemas.microsoft.com/office/powerpoint/2010/main" val="2295734143"/>
+      </p:ext>
+    </p:extLst>
+  </p:cSld>
+  <p:clrMapOvr>
+    <a:masterClrMapping/>
+  </p:clrMapOvr>
+  <p:transition spd="med"/>
+</p:sld>
+</file>
+
+<file path=ppt/slides/slide32.xml><?xml version="1.0" encoding="utf-8"?>
+<p:sld xmlns:a="http://schemas.openxmlformats.org/drawingml/2006/main" xmlns:r="http://schemas.openxmlformats.org/officeDocument/2006/relationships" xmlns:p="http://schemas.openxmlformats.org/presentationml/2006/main">
+  <p:cSld>
+    <p:spTree>
+      <p:nvGrpSpPr>
+        <p:cNvPr id="1" name=""/>
+        <p:cNvGrpSpPr/>
+        <p:nvPr/>
+      </p:nvGrpSpPr>
+      <p:grpSpPr>
+        <a:xfrm>
+          <a:off x="0" y="0"/>
+          <a:ext cx="0" cy="0"/>
+          <a:chOff x="0" y="0"/>
+          <a:chExt cx="0" cy="0"/>
+        </a:xfrm>
+      </p:grpSpPr>
+      <p:sp>
+        <p:nvSpPr>
+          <p:cNvPr id="150" name="Types in Typescript"/>
+          <p:cNvSpPr txBox="1">
+            <a:spLocks noGrp="1"/>
+          </p:cNvSpPr>
+          <p:nvPr>
+            <p:ph type="title"/>
+          </p:nvPr>
+        </p:nvSpPr>
+        <p:spPr>
+          <a:prstGeom prst="rect">
+            <a:avLst/>
+          </a:prstGeom>
+        </p:spPr>
+        <p:txBody>
+          <a:bodyPr>
+            <a:normAutofit/>
+          </a:bodyPr>
+          <a:lstStyle/>
+          <a:p>
+            <a:r>
+              <a:rPr lang="en-US" sz="4000" dirty="0">
+                <a:latin typeface="Calibri" panose="020F0502020204030204" pitchFamily="34" charset="0"/>
+                <a:cs typeface="Calibri" panose="020F0502020204030204" pitchFamily="34" charset="0"/>
+              </a:rPr>
+              <a:t>Currying in Typescript</a:t>
+            </a:r>
+            <a:endParaRPr sz="4000" dirty="0">
+              <a:latin typeface="Calibri" panose="020F0502020204030204" pitchFamily="34" charset="0"/>
+              <a:cs typeface="Calibri" panose="020F0502020204030204" pitchFamily="34" charset="0"/>
+            </a:endParaRPr>
+          </a:p>
+        </p:txBody>
+      </p:sp>
+      <p:sp>
+        <p:nvSpPr>
+          <p:cNvPr id="151" name="Union is a sort of sum, or set union:…"/>
+          <p:cNvSpPr txBox="1">
+            <a:spLocks noGrp="1"/>
+          </p:cNvSpPr>
+          <p:nvPr>
+            <p:ph type="body" idx="1"/>
+          </p:nvPr>
+        </p:nvSpPr>
+        <p:spPr>
+          <a:xfrm>
+            <a:off x="952500" y="2590800"/>
+            <a:ext cx="11099800" cy="6286500"/>
+          </a:xfrm>
+          <a:prstGeom prst="rect">
+            <a:avLst/>
+          </a:prstGeom>
+        </p:spPr>
+        <p:txBody>
+          <a:bodyPr anchor="t">
+            <a:noAutofit/>
+          </a:bodyPr>
+          <a:lstStyle/>
+          <a:p>
+            <a:pPr marL="284479" indent="-284479" defTabSz="292607">
+              <a:lnSpc>
+                <a:spcPts val="3700"/>
+              </a:lnSpc>
+              <a:spcBef>
+                <a:spcPts val="0"/>
+              </a:spcBef>
+              <a:tabLst>
+                <a:tab pos="88900" algn="l"/>
+                <a:tab pos="292100" algn="l"/>
+              </a:tabLst>
+              <a:defRPr sz="2048">
+                <a:latin typeface="Helvetica"/>
+                <a:ea typeface="Helvetica"/>
+                <a:cs typeface="Helvetica"/>
+                <a:sym typeface="Helvetica"/>
+              </a:defRPr>
+            </a:pPr>
+            <a:r>
+              <a:rPr lang="en-US" sz="2000" dirty="0">
+                <a:latin typeface="Calibri" panose="020F0502020204030204" pitchFamily="34" charset="0"/>
+                <a:cs typeface="Calibri" panose="020F0502020204030204" pitchFamily="34" charset="0"/>
+              </a:rPr>
+              <a:t>Currying is the technique of translating the evaluation of a function that takes multiple arguments into evaluating a sequence of functions</a:t>
+            </a:r>
+          </a:p>
+          <a:p>
+            <a:pPr marL="284479" indent="-284479" defTabSz="292607">
+              <a:lnSpc>
+                <a:spcPts val="3700"/>
+              </a:lnSpc>
+              <a:spcBef>
+                <a:spcPts val="0"/>
+              </a:spcBef>
+              <a:tabLst>
+                <a:tab pos="88900" algn="l"/>
+                <a:tab pos="292100" algn="l"/>
+              </a:tabLst>
+              <a:defRPr sz="2048">
+                <a:latin typeface="Helvetica"/>
+                <a:ea typeface="Helvetica"/>
+                <a:cs typeface="Helvetica"/>
+                <a:sym typeface="Helvetica"/>
+              </a:defRPr>
+            </a:pPr>
+            <a:endParaRPr lang="en-US" sz="2000" dirty="0">
+              <a:latin typeface="Calibri" panose="020F0502020204030204" pitchFamily="34" charset="0"/>
+              <a:cs typeface="Calibri" panose="020F0502020204030204" pitchFamily="34" charset="0"/>
+            </a:endParaRPr>
+          </a:p>
+          <a:p>
+            <a:pPr marL="853439" lvl="2" indent="-284479" defTabSz="292607">
+              <a:lnSpc>
+                <a:spcPts val="3700"/>
+              </a:lnSpc>
+              <a:spcBef>
+                <a:spcPts val="0"/>
+              </a:spcBef>
+              <a:tabLst>
+                <a:tab pos="88900" algn="l"/>
+                <a:tab pos="292100" algn="l"/>
+              </a:tabLst>
+              <a:defRPr sz="2048">
+                <a:latin typeface="Helvetica"/>
+                <a:ea typeface="Helvetica"/>
+                <a:cs typeface="Helvetica"/>
+                <a:sym typeface="Helvetica"/>
+              </a:defRPr>
+            </a:pPr>
+            <a:endParaRPr sz="2000" dirty="0">
+              <a:latin typeface="Calibri" panose="020F0502020204030204" pitchFamily="34" charset="0"/>
+              <a:cs typeface="Calibri" panose="020F0502020204030204" pitchFamily="34" charset="0"/>
+            </a:endParaRPr>
+          </a:p>
+        </p:txBody>
+      </p:sp>
+    </p:spTree>
+    <p:extLst>
+      <p:ext uri="{BB962C8B-B14F-4D97-AF65-F5344CB8AC3E}">
+        <p14:creationId xmlns:p14="http://schemas.microsoft.com/office/powerpoint/2010/main" val="3465514236"/>
+      </p:ext>
+    </p:extLst>
+  </p:cSld>
+  <p:clrMapOvr>
+    <a:masterClrMapping/>
+  </p:clrMapOvr>
+  <p:transition spd="med"/>
+</p:sld>
+</file>
+
+<file path=ppt/slides/slide33.xml><?xml version="1.0" encoding="utf-8"?>
+<p:sld xmlns:a="http://schemas.openxmlformats.org/drawingml/2006/main" xmlns:r="http://schemas.openxmlformats.org/officeDocument/2006/relationships" xmlns:p="http://schemas.openxmlformats.org/presentationml/2006/main">
+  <p:cSld>
+    <p:spTree>
+      <p:nvGrpSpPr>
+        <p:cNvPr id="1" name=""/>
+        <p:cNvGrpSpPr/>
+        <p:nvPr/>
+      </p:nvGrpSpPr>
+      <p:grpSpPr>
+        <a:xfrm>
+          <a:off x="0" y="0"/>
+          <a:ext cx="0" cy="0"/>
+          <a:chOff x="0" y="0"/>
+          <a:chExt cx="0" cy="0"/>
+        </a:xfrm>
+      </p:grpSpPr>
+      <p:sp>
+        <p:nvSpPr>
+          <p:cNvPr id="150" name="Types in Typescript"/>
+          <p:cNvSpPr txBox="1">
+            <a:spLocks noGrp="1"/>
+          </p:cNvSpPr>
+          <p:nvPr>
+            <p:ph type="title"/>
+          </p:nvPr>
+        </p:nvSpPr>
+        <p:spPr>
+          <a:prstGeom prst="rect">
+            <a:avLst/>
+          </a:prstGeom>
+        </p:spPr>
+        <p:txBody>
+          <a:bodyPr>
+            <a:normAutofit/>
+          </a:bodyPr>
+          <a:lstStyle/>
+          <a:p>
+            <a:r>
+              <a:rPr lang="en-US" sz="4000" dirty="0">
+                <a:latin typeface="Calibri" panose="020F0502020204030204" pitchFamily="34" charset="0"/>
+                <a:cs typeface="Calibri" panose="020F0502020204030204" pitchFamily="34" charset="0"/>
+              </a:rPr>
+              <a:t>Currying in Typescript.</a:t>
+            </a:r>
+            <a:endParaRPr sz="4000" dirty="0">
+              <a:latin typeface="Calibri" panose="020F0502020204030204" pitchFamily="34" charset="0"/>
+              <a:cs typeface="Calibri" panose="020F0502020204030204" pitchFamily="34" charset="0"/>
+            </a:endParaRPr>
+          </a:p>
+        </p:txBody>
+      </p:sp>
+      <p:sp>
+        <p:nvSpPr>
+          <p:cNvPr id="151" name="Union is a sort of sum, or set union:…"/>
+          <p:cNvSpPr txBox="1">
+            <a:spLocks noGrp="1"/>
+          </p:cNvSpPr>
+          <p:nvPr>
+            <p:ph type="body" idx="1"/>
+          </p:nvPr>
+        </p:nvSpPr>
+        <p:spPr>
+          <a:xfrm>
+            <a:off x="952500" y="2590800"/>
+            <a:ext cx="11099800" cy="6286500"/>
+          </a:xfrm>
+          <a:prstGeom prst="rect">
+            <a:avLst/>
+          </a:prstGeom>
+        </p:spPr>
+        <p:txBody>
+          <a:bodyPr anchor="t">
+            <a:noAutofit/>
+          </a:bodyPr>
+          <a:lstStyle/>
+          <a:p>
+            <a:pPr marL="284479" indent="-284479" defTabSz="292607">
+              <a:lnSpc>
+                <a:spcPts val="3700"/>
+              </a:lnSpc>
+              <a:spcBef>
+                <a:spcPts val="0"/>
+              </a:spcBef>
+              <a:tabLst>
+                <a:tab pos="88900" algn="l"/>
+                <a:tab pos="292100" algn="l"/>
+              </a:tabLst>
+              <a:defRPr sz="2048">
+                <a:latin typeface="Helvetica"/>
+                <a:ea typeface="Helvetica"/>
+                <a:cs typeface="Helvetica"/>
+                <a:sym typeface="Helvetica"/>
+              </a:defRPr>
+            </a:pPr>
+            <a:r>
+              <a:rPr lang="en-US" sz="2000" dirty="0">
+                <a:latin typeface="Calibri" panose="020F0502020204030204" pitchFamily="34" charset="0"/>
+                <a:cs typeface="Calibri" panose="020F0502020204030204" pitchFamily="34" charset="0"/>
+              </a:rPr>
+              <a:t>Currying is the technique of translating the evaluation of a function that takes multiple arguments into evaluating a sequence of functions</a:t>
+            </a:r>
+          </a:p>
+          <a:p>
+            <a:pPr marL="284479" indent="-284479" defTabSz="292607">
+              <a:lnSpc>
+                <a:spcPts val="3700"/>
+              </a:lnSpc>
+              <a:spcBef>
+                <a:spcPts val="0"/>
+              </a:spcBef>
+              <a:tabLst>
+                <a:tab pos="88900" algn="l"/>
+                <a:tab pos="292100" algn="l"/>
+              </a:tabLst>
+              <a:defRPr sz="2048">
+                <a:latin typeface="Helvetica"/>
+                <a:ea typeface="Helvetica"/>
+                <a:cs typeface="Helvetica"/>
+                <a:sym typeface="Helvetica"/>
+              </a:defRPr>
+            </a:pPr>
+            <a:r>
+              <a:rPr lang="en-US" sz="2000" dirty="0">
+                <a:latin typeface="Calibri" panose="020F0502020204030204" pitchFamily="34" charset="0"/>
+                <a:cs typeface="Calibri" panose="020F0502020204030204" pitchFamily="34" charset="0"/>
+                <a:sym typeface="Helvetica"/>
+              </a:rPr>
+              <a:t>Each function with a single argument</a:t>
+            </a:r>
+          </a:p>
+          <a:p>
+            <a:pPr marL="0" indent="0" defTabSz="292607">
+              <a:lnSpc>
+                <a:spcPts val="3700"/>
+              </a:lnSpc>
+              <a:spcBef>
+                <a:spcPts val="0"/>
+              </a:spcBef>
+              <a:buNone/>
+              <a:tabLst>
+                <a:tab pos="88900" algn="l"/>
+                <a:tab pos="292100" algn="l"/>
+              </a:tabLst>
+              <a:defRPr sz="2048">
+                <a:latin typeface="Helvetica"/>
+                <a:ea typeface="Helvetica"/>
+                <a:cs typeface="Helvetica"/>
+                <a:sym typeface="Helvetica"/>
+              </a:defRPr>
+            </a:pPr>
+            <a:endParaRPr lang="en-US" sz="2000" dirty="0">
+              <a:latin typeface="Calibri" panose="020F0502020204030204" pitchFamily="34" charset="0"/>
+              <a:cs typeface="Calibri" panose="020F0502020204030204" pitchFamily="34" charset="0"/>
+            </a:endParaRPr>
+          </a:p>
+          <a:p>
+            <a:pPr marL="0" indent="-320040" defTabSz="292607">
+              <a:lnSpc>
+                <a:spcPts val="3700"/>
+              </a:lnSpc>
+              <a:spcBef>
+                <a:spcPts val="0"/>
+              </a:spcBef>
+              <a:tabLst>
+                <a:tab pos="88900" algn="l"/>
+                <a:tab pos="292100" algn="l"/>
+              </a:tabLst>
+              <a:defRPr sz="2048">
+                <a:latin typeface="Helvetica"/>
+                <a:ea typeface="Helvetica"/>
+                <a:cs typeface="Helvetica"/>
+                <a:sym typeface="Helvetica"/>
+              </a:defRPr>
+            </a:pPr>
+            <a:endParaRPr sz="2000" dirty="0">
+              <a:latin typeface="Calibri" panose="020F0502020204030204" pitchFamily="34" charset="0"/>
+              <a:cs typeface="Calibri" panose="020F0502020204030204" pitchFamily="34" charset="0"/>
+            </a:endParaRPr>
+          </a:p>
+        </p:txBody>
+      </p:sp>
+    </p:spTree>
+    <p:extLst>
+      <p:ext uri="{BB962C8B-B14F-4D97-AF65-F5344CB8AC3E}">
+        <p14:creationId xmlns:p14="http://schemas.microsoft.com/office/powerpoint/2010/main" val="1414048649"/>
+      </p:ext>
+    </p:extLst>
+  </p:cSld>
+  <p:clrMapOvr>
+    <a:masterClrMapping/>
+  </p:clrMapOvr>
+  <p:transition spd="med"/>
+</p:sld>
+</file>
+
+<file path=ppt/slides/slide34.xml><?xml version="1.0" encoding="utf-8"?>
+<p:sld xmlns:a="http://schemas.openxmlformats.org/drawingml/2006/main" xmlns:r="http://schemas.openxmlformats.org/officeDocument/2006/relationships" xmlns:p="http://schemas.openxmlformats.org/presentationml/2006/main">
+  <p:cSld>
+    <p:spTree>
+      <p:nvGrpSpPr>
+        <p:cNvPr id="1" name=""/>
+        <p:cNvGrpSpPr/>
+        <p:nvPr/>
+      </p:nvGrpSpPr>
+      <p:grpSpPr>
+        <a:xfrm>
+          <a:off x="0" y="0"/>
+          <a:ext cx="0" cy="0"/>
+          <a:chOff x="0" y="0"/>
+          <a:chExt cx="0" cy="0"/>
+        </a:xfrm>
+      </p:grpSpPr>
+      <p:sp>
+        <p:nvSpPr>
+          <p:cNvPr id="150" name="Types in Typescript"/>
+          <p:cNvSpPr txBox="1">
+            <a:spLocks noGrp="1"/>
+          </p:cNvSpPr>
+          <p:nvPr>
+            <p:ph type="title"/>
+          </p:nvPr>
+        </p:nvSpPr>
+        <p:spPr>
+          <a:prstGeom prst="rect">
+            <a:avLst/>
+          </a:prstGeom>
+        </p:spPr>
+        <p:txBody>
+          <a:bodyPr>
+            <a:normAutofit/>
+          </a:bodyPr>
+          <a:lstStyle/>
+          <a:p>
+            <a:r>
+              <a:rPr lang="en-US" sz="4000" dirty="0">
+                <a:latin typeface="Calibri" panose="020F0502020204030204" pitchFamily="34" charset="0"/>
+                <a:cs typeface="Calibri" panose="020F0502020204030204" pitchFamily="34" charset="0"/>
+              </a:rPr>
+              <a:t>Currying in Typescript..</a:t>
+            </a:r>
+            <a:endParaRPr sz="4000" dirty="0">
+              <a:latin typeface="Calibri" panose="020F0502020204030204" pitchFamily="34" charset="0"/>
+              <a:cs typeface="Calibri" panose="020F0502020204030204" pitchFamily="34" charset="0"/>
+            </a:endParaRPr>
+          </a:p>
+        </p:txBody>
+      </p:sp>
+      <p:sp>
+        <p:nvSpPr>
+          <p:cNvPr id="151" name="Union is a sort of sum, or set union:…"/>
+          <p:cNvSpPr txBox="1">
+            <a:spLocks noGrp="1"/>
+          </p:cNvSpPr>
+          <p:nvPr>
+            <p:ph type="body" idx="1"/>
+          </p:nvPr>
+        </p:nvSpPr>
+        <p:spPr>
+          <a:xfrm>
+            <a:off x="952500" y="2590800"/>
+            <a:ext cx="11099800" cy="6286500"/>
+          </a:xfrm>
+          <a:prstGeom prst="rect">
+            <a:avLst/>
+          </a:prstGeom>
+        </p:spPr>
+        <p:txBody>
+          <a:bodyPr anchor="t">
+            <a:noAutofit/>
+          </a:bodyPr>
+          <a:lstStyle/>
+          <a:p>
+            <a:pPr marL="284479" indent="-284479" defTabSz="292607">
+              <a:lnSpc>
+                <a:spcPts val="3700"/>
+              </a:lnSpc>
+              <a:spcBef>
+                <a:spcPts val="0"/>
+              </a:spcBef>
+              <a:tabLst>
+                <a:tab pos="88900" algn="l"/>
+                <a:tab pos="292100" algn="l"/>
+              </a:tabLst>
+              <a:defRPr sz="2048">
+                <a:latin typeface="Helvetica"/>
+                <a:ea typeface="Helvetica"/>
+                <a:cs typeface="Helvetica"/>
+                <a:sym typeface="Helvetica"/>
+              </a:defRPr>
+            </a:pPr>
+            <a:r>
+              <a:rPr lang="en-US" sz="2000" dirty="0">
+                <a:latin typeface="Calibri" panose="020F0502020204030204" pitchFamily="34" charset="0"/>
+                <a:cs typeface="Calibri" panose="020F0502020204030204" pitchFamily="34" charset="0"/>
+              </a:rPr>
+              <a:t>Currying is the technique of translating the evaluation of a function that takes multiple arguments into evaluating a sequence of functions</a:t>
+            </a:r>
+          </a:p>
+          <a:p>
+            <a:pPr marL="284479" indent="-284479" defTabSz="292607">
+              <a:lnSpc>
+                <a:spcPts val="3700"/>
+              </a:lnSpc>
+              <a:spcBef>
+                <a:spcPts val="0"/>
+              </a:spcBef>
+              <a:tabLst>
+                <a:tab pos="88900" algn="l"/>
+                <a:tab pos="292100" algn="l"/>
+              </a:tabLst>
+              <a:defRPr sz="2048">
+                <a:latin typeface="Helvetica"/>
+                <a:ea typeface="Helvetica"/>
+                <a:cs typeface="Helvetica"/>
+                <a:sym typeface="Helvetica"/>
+              </a:defRPr>
+            </a:pPr>
+            <a:r>
+              <a:rPr lang="en-US" sz="2000" dirty="0">
+                <a:latin typeface="Calibri" panose="020F0502020204030204" pitchFamily="34" charset="0"/>
+                <a:cs typeface="Calibri" panose="020F0502020204030204" pitchFamily="34" charset="0"/>
+                <a:sym typeface="Helvetica"/>
+              </a:rPr>
+              <a:t>Each function with a single argument</a:t>
+            </a:r>
+          </a:p>
+          <a:p>
+            <a:pPr marL="0" indent="0" defTabSz="292607">
+              <a:lnSpc>
+                <a:spcPts val="3700"/>
+              </a:lnSpc>
+              <a:spcBef>
+                <a:spcPts val="0"/>
+              </a:spcBef>
+              <a:buNone/>
+              <a:tabLst>
+                <a:tab pos="88900" algn="l"/>
+                <a:tab pos="292100" algn="l"/>
+              </a:tabLst>
+              <a:defRPr sz="2048">
+                <a:latin typeface="Helvetica"/>
+                <a:ea typeface="Helvetica"/>
+                <a:cs typeface="Helvetica"/>
+                <a:sym typeface="Helvetica"/>
+              </a:defRPr>
+            </a:pPr>
+            <a:endParaRPr lang="en-US" sz="2000" dirty="0">
+              <a:latin typeface="Calibri" panose="020F0502020204030204" pitchFamily="34" charset="0"/>
+              <a:cs typeface="Calibri" panose="020F0502020204030204" pitchFamily="34" charset="0"/>
+            </a:endParaRPr>
+          </a:p>
+        </p:txBody>
+      </p:sp>
+    </p:spTree>
+    <p:extLst>
+      <p:ext uri="{BB962C8B-B14F-4D97-AF65-F5344CB8AC3E}">
+        <p14:creationId xmlns:p14="http://schemas.microsoft.com/office/powerpoint/2010/main" val="2709800195"/>
+      </p:ext>
+    </p:extLst>
+  </p:cSld>
+  <p:clrMapOvr>
+    <a:masterClrMapping/>
+  </p:clrMapOvr>
+  <p:transition spd="med"/>
+</p:sld>
+</file>
+
+<file path=ppt/slides/slide35.xml><?xml version="1.0" encoding="utf-8"?>
+<p:sld xmlns:a="http://schemas.openxmlformats.org/drawingml/2006/main" xmlns:r="http://schemas.openxmlformats.org/officeDocument/2006/relationships" xmlns:p="http://schemas.openxmlformats.org/presentationml/2006/main">
+  <p:cSld>
+    <p:spTree>
+      <p:nvGrpSpPr>
+        <p:cNvPr id="1" name=""/>
+        <p:cNvGrpSpPr/>
+        <p:nvPr/>
+      </p:nvGrpSpPr>
+      <p:grpSpPr>
+        <a:xfrm>
+          <a:off x="0" y="0"/>
+          <a:ext cx="0" cy="0"/>
+          <a:chOff x="0" y="0"/>
+          <a:chExt cx="0" cy="0"/>
+        </a:xfrm>
+      </p:grpSpPr>
+      <p:sp>
+        <p:nvSpPr>
+          <p:cNvPr id="150" name="Types in Typescript"/>
+          <p:cNvSpPr txBox="1">
+            <a:spLocks noGrp="1"/>
+          </p:cNvSpPr>
+          <p:nvPr>
+            <p:ph type="title"/>
+          </p:nvPr>
+        </p:nvSpPr>
+        <p:spPr>
+          <a:prstGeom prst="rect">
+            <a:avLst/>
+          </a:prstGeom>
+        </p:spPr>
+        <p:txBody>
+          <a:bodyPr>
+            <a:normAutofit/>
+          </a:bodyPr>
+          <a:lstStyle/>
+          <a:p>
+            <a:r>
+              <a:rPr lang="en-US" sz="4000" dirty="0">
+                <a:latin typeface="Calibri" panose="020F0502020204030204" pitchFamily="34" charset="0"/>
+                <a:cs typeface="Calibri" panose="020F0502020204030204" pitchFamily="34" charset="0"/>
+              </a:rPr>
+              <a:t>Currying in Typescript…</a:t>
+            </a:r>
+            <a:endParaRPr sz="4000" dirty="0">
+              <a:latin typeface="Calibri" panose="020F0502020204030204" pitchFamily="34" charset="0"/>
+              <a:cs typeface="Calibri" panose="020F0502020204030204" pitchFamily="34" charset="0"/>
+            </a:endParaRPr>
+          </a:p>
+        </p:txBody>
+      </p:sp>
+      <p:sp>
+        <p:nvSpPr>
+          <p:cNvPr id="151" name="Union is a sort of sum, or set union:…"/>
+          <p:cNvSpPr txBox="1">
+            <a:spLocks noGrp="1"/>
+          </p:cNvSpPr>
+          <p:nvPr>
+            <p:ph type="body" idx="1"/>
+          </p:nvPr>
+        </p:nvSpPr>
+        <p:spPr>
+          <a:xfrm>
+            <a:off x="952500" y="2590800"/>
+            <a:ext cx="11099800" cy="6286500"/>
+          </a:xfrm>
+          <a:prstGeom prst="rect">
+            <a:avLst/>
+          </a:prstGeom>
+        </p:spPr>
+        <p:txBody>
+          <a:bodyPr anchor="t">
+            <a:noAutofit/>
+          </a:bodyPr>
+          <a:lstStyle/>
+          <a:p>
+            <a:pPr marL="284479" indent="-284479" defTabSz="292607">
+              <a:lnSpc>
+                <a:spcPts val="3700"/>
+              </a:lnSpc>
+              <a:spcBef>
+                <a:spcPts val="0"/>
+              </a:spcBef>
+              <a:tabLst>
+                <a:tab pos="88900" algn="l"/>
+                <a:tab pos="292100" algn="l"/>
+              </a:tabLst>
+              <a:defRPr sz="2048">
+                <a:latin typeface="Helvetica"/>
+                <a:ea typeface="Helvetica"/>
+                <a:cs typeface="Helvetica"/>
+                <a:sym typeface="Helvetica"/>
+              </a:defRPr>
+            </a:pPr>
+            <a:r>
+              <a:rPr lang="en-US" sz="2000" dirty="0">
+                <a:latin typeface="Calibri" panose="020F0502020204030204" pitchFamily="34" charset="0"/>
+                <a:cs typeface="Calibri" panose="020F0502020204030204" pitchFamily="34" charset="0"/>
+              </a:rPr>
+              <a:t>Currying is the technique of translating the evaluation of a function that takes multiple arguments into evaluating a sequence of functions</a:t>
+            </a:r>
+          </a:p>
+          <a:p>
+            <a:pPr marL="284479" indent="-284479" defTabSz="292607">
+              <a:lnSpc>
+                <a:spcPts val="3700"/>
+              </a:lnSpc>
+              <a:spcBef>
+                <a:spcPts val="0"/>
+              </a:spcBef>
+              <a:tabLst>
+                <a:tab pos="88900" algn="l"/>
+                <a:tab pos="292100" algn="l"/>
+              </a:tabLst>
+              <a:defRPr sz="2048">
+                <a:latin typeface="Helvetica"/>
+                <a:ea typeface="Helvetica"/>
+                <a:cs typeface="Helvetica"/>
+                <a:sym typeface="Helvetica"/>
+              </a:defRPr>
+            </a:pPr>
+            <a:r>
+              <a:rPr lang="en-US" sz="2000" dirty="0">
+                <a:latin typeface="Calibri" panose="020F0502020204030204" pitchFamily="34" charset="0"/>
+                <a:cs typeface="Calibri" panose="020F0502020204030204" pitchFamily="34" charset="0"/>
+                <a:sym typeface="Helvetica"/>
+              </a:rPr>
+              <a:t>Each function with a single argument</a:t>
+            </a:r>
+          </a:p>
+          <a:p>
+            <a:pPr marL="284479" indent="-284479" defTabSz="292607">
+              <a:lnSpc>
+                <a:spcPts val="3700"/>
+              </a:lnSpc>
+              <a:spcBef>
+                <a:spcPts val="0"/>
+              </a:spcBef>
+              <a:tabLst>
+                <a:tab pos="88900" algn="l"/>
+                <a:tab pos="292100" algn="l"/>
+              </a:tabLst>
+              <a:defRPr sz="2048">
+                <a:latin typeface="Helvetica"/>
+                <a:ea typeface="Helvetica"/>
+                <a:cs typeface="Helvetica"/>
+                <a:sym typeface="Helvetica"/>
+              </a:defRPr>
+            </a:pPr>
+            <a:r>
+              <a:rPr lang="en-US" sz="2048" dirty="0">
+                <a:sym typeface="Helvetica"/>
+              </a:rPr>
+              <a:t>f (n, m) --&gt; f’ (n)(m)</a:t>
+            </a:r>
+          </a:p>
+          <a:p>
+            <a:pPr marL="284479" indent="-284479" defTabSz="292607">
+              <a:lnSpc>
+                <a:spcPts val="3700"/>
+              </a:lnSpc>
+              <a:spcBef>
+                <a:spcPts val="0"/>
+              </a:spcBef>
+              <a:tabLst>
+                <a:tab pos="88900" algn="l"/>
+                <a:tab pos="292100" algn="l"/>
+              </a:tabLst>
+              <a:defRPr sz="2048">
+                <a:latin typeface="Helvetica"/>
+                <a:ea typeface="Helvetica"/>
+                <a:cs typeface="Helvetica"/>
+                <a:sym typeface="Helvetica"/>
+              </a:defRPr>
+            </a:pPr>
+            <a:r>
+              <a:rPr lang="en-US" sz="2048" dirty="0">
+                <a:latin typeface="Calibri" panose="020F0502020204030204" pitchFamily="34" charset="0"/>
+                <a:cs typeface="Calibri" panose="020F0502020204030204" pitchFamily="34" charset="0"/>
+                <a:sym typeface="Helvetica"/>
+              </a:rPr>
+              <a:t>Example: add (</a:t>
+            </a:r>
+            <a:r>
+              <a:rPr lang="en-US" sz="2048" dirty="0" err="1">
+                <a:latin typeface="Calibri" panose="020F0502020204030204" pitchFamily="34" charset="0"/>
+                <a:cs typeface="Calibri" panose="020F0502020204030204" pitchFamily="34" charset="0"/>
+                <a:sym typeface="Helvetica"/>
+              </a:rPr>
+              <a:t>x,b</a:t>
+            </a:r>
+            <a:r>
+              <a:rPr lang="en-US" sz="2048" dirty="0">
+                <a:latin typeface="Calibri" panose="020F0502020204030204" pitchFamily="34" charset="0"/>
+                <a:cs typeface="Calibri" panose="020F0502020204030204" pitchFamily="34" charset="0"/>
+                <a:sym typeface="Helvetica"/>
+              </a:rPr>
+              <a:t>) =&gt; add (a)(b)</a:t>
+            </a:r>
+          </a:p>
+          <a:p>
+            <a:pPr marL="284479" indent="-284479" defTabSz="292607">
+              <a:lnSpc>
+                <a:spcPts val="3700"/>
+              </a:lnSpc>
+              <a:spcBef>
+                <a:spcPts val="0"/>
+              </a:spcBef>
+              <a:tabLst>
+                <a:tab pos="88900" algn="l"/>
+                <a:tab pos="292100" algn="l"/>
+              </a:tabLst>
+              <a:defRPr sz="2048">
+                <a:latin typeface="Helvetica"/>
+                <a:ea typeface="Helvetica"/>
+                <a:cs typeface="Helvetica"/>
+                <a:sym typeface="Helvetica"/>
+              </a:defRPr>
+            </a:pPr>
+            <a:endParaRPr lang="en-US" sz="2000" dirty="0">
+              <a:latin typeface="Calibri" panose="020F0502020204030204" pitchFamily="34" charset="0"/>
+              <a:cs typeface="Calibri" panose="020F0502020204030204" pitchFamily="34" charset="0"/>
+            </a:endParaRPr>
+          </a:p>
+        </p:txBody>
+      </p:sp>
+    </p:spTree>
+    <p:extLst>
+      <p:ext uri="{BB962C8B-B14F-4D97-AF65-F5344CB8AC3E}">
+        <p14:creationId xmlns:p14="http://schemas.microsoft.com/office/powerpoint/2010/main" val="287850967"/>
+      </p:ext>
+    </p:extLst>
+  </p:cSld>
+  <p:clrMapOvr>
+    <a:masterClrMapping/>
+  </p:clrMapOvr>
+  <p:transition spd="med"/>
+</p:sld>
+</file>
+
+<file path=ppt/slides/slide36.xml><?xml version="1.0" encoding="utf-8"?>
+<p:sld xmlns:a="http://schemas.openxmlformats.org/drawingml/2006/main" xmlns:r="http://schemas.openxmlformats.org/officeDocument/2006/relationships" xmlns:p="http://schemas.openxmlformats.org/presentationml/2006/main">
+  <p:cSld>
+    <p:spTree>
+      <p:nvGrpSpPr>
+        <p:cNvPr id="1" name=""/>
+        <p:cNvGrpSpPr/>
+        <p:nvPr/>
+      </p:nvGrpSpPr>
+      <p:grpSpPr>
+        <a:xfrm>
+          <a:off x="0" y="0"/>
+          <a:ext cx="0" cy="0"/>
+          <a:chOff x="0" y="0"/>
+          <a:chExt cx="0" cy="0"/>
+        </a:xfrm>
+      </p:grpSpPr>
+      <p:sp>
+        <p:nvSpPr>
+          <p:cNvPr id="150" name="Types in Typescript"/>
+          <p:cNvSpPr txBox="1">
+            <a:spLocks noGrp="1"/>
+          </p:cNvSpPr>
+          <p:nvPr>
+            <p:ph type="title"/>
+          </p:nvPr>
+        </p:nvSpPr>
+        <p:spPr>
+          <a:prstGeom prst="rect">
+            <a:avLst/>
+          </a:prstGeom>
+        </p:spPr>
+        <p:txBody>
+          <a:bodyPr>
+            <a:normAutofit/>
+          </a:bodyPr>
+          <a:lstStyle/>
+          <a:p>
+            <a:r>
+              <a:rPr lang="en-US" sz="4000" dirty="0">
+                <a:latin typeface="Calibri" panose="020F0502020204030204" pitchFamily="34" charset="0"/>
+                <a:cs typeface="Calibri" panose="020F0502020204030204" pitchFamily="34" charset="0"/>
+              </a:rPr>
+              <a:t>Currying in Typescript….</a:t>
+            </a:r>
+            <a:endParaRPr sz="4000" dirty="0">
+              <a:latin typeface="Calibri" panose="020F0502020204030204" pitchFamily="34" charset="0"/>
+              <a:cs typeface="Calibri" panose="020F0502020204030204" pitchFamily="34" charset="0"/>
+            </a:endParaRPr>
+          </a:p>
+        </p:txBody>
+      </p:sp>
+      <p:sp>
+        <p:nvSpPr>
+          <p:cNvPr id="151" name="Union is a sort of sum, or set union:…"/>
+          <p:cNvSpPr txBox="1">
+            <a:spLocks noGrp="1"/>
+          </p:cNvSpPr>
+          <p:nvPr>
+            <p:ph type="body" idx="1"/>
+          </p:nvPr>
+        </p:nvSpPr>
+        <p:spPr>
+          <a:xfrm>
+            <a:off x="952500" y="2590800"/>
+            <a:ext cx="11099800" cy="6286500"/>
+          </a:xfrm>
+          <a:prstGeom prst="rect">
+            <a:avLst/>
+          </a:prstGeom>
+        </p:spPr>
+        <p:txBody>
+          <a:bodyPr anchor="t">
+            <a:noAutofit/>
+          </a:bodyPr>
+          <a:lstStyle/>
+          <a:p>
+            <a:pPr marL="284479" indent="-284479" defTabSz="292607">
+              <a:lnSpc>
+                <a:spcPts val="3700"/>
+              </a:lnSpc>
+              <a:spcBef>
+                <a:spcPts val="0"/>
+              </a:spcBef>
+              <a:tabLst>
+                <a:tab pos="88900" algn="l"/>
+                <a:tab pos="292100" algn="l"/>
+              </a:tabLst>
+              <a:defRPr sz="2048">
+                <a:latin typeface="Helvetica"/>
+                <a:ea typeface="Helvetica"/>
+                <a:cs typeface="Helvetica"/>
+                <a:sym typeface="Helvetica"/>
+              </a:defRPr>
+            </a:pPr>
+            <a:r>
+              <a:rPr lang="en-US" sz="2000" dirty="0">
+                <a:latin typeface="Calibri" panose="020F0502020204030204" pitchFamily="34" charset="0"/>
+                <a:cs typeface="Calibri" panose="020F0502020204030204" pitchFamily="34" charset="0"/>
+              </a:rPr>
+              <a:t>Currying is the technique of translating the evaluation of a function that takes multiple arguments into evaluating a sequence of functions</a:t>
+            </a:r>
+          </a:p>
+          <a:p>
+            <a:pPr marL="284479" indent="-284479" defTabSz="292607">
+              <a:lnSpc>
+                <a:spcPts val="3700"/>
+              </a:lnSpc>
+              <a:spcBef>
+                <a:spcPts val="0"/>
+              </a:spcBef>
+              <a:tabLst>
+                <a:tab pos="88900" algn="l"/>
+                <a:tab pos="292100" algn="l"/>
+              </a:tabLst>
+              <a:defRPr sz="2048">
+                <a:latin typeface="Helvetica"/>
+                <a:ea typeface="Helvetica"/>
+                <a:cs typeface="Helvetica"/>
+                <a:sym typeface="Helvetica"/>
+              </a:defRPr>
+            </a:pPr>
+            <a:r>
+              <a:rPr lang="en-US" sz="2000" dirty="0">
+                <a:latin typeface="Calibri" panose="020F0502020204030204" pitchFamily="34" charset="0"/>
+                <a:cs typeface="Calibri" panose="020F0502020204030204" pitchFamily="34" charset="0"/>
+                <a:sym typeface="Helvetica"/>
+              </a:rPr>
+              <a:t>Each function with a single argument</a:t>
+            </a:r>
+          </a:p>
+          <a:p>
+            <a:pPr marL="284479" indent="-284479" defTabSz="292607">
+              <a:lnSpc>
+                <a:spcPts val="3700"/>
+              </a:lnSpc>
+              <a:spcBef>
+                <a:spcPts val="0"/>
+              </a:spcBef>
+              <a:tabLst>
+                <a:tab pos="88900" algn="l"/>
+                <a:tab pos="292100" algn="l"/>
+              </a:tabLst>
+              <a:defRPr sz="2048">
+                <a:latin typeface="Helvetica"/>
+                <a:ea typeface="Helvetica"/>
+                <a:cs typeface="Helvetica"/>
+                <a:sym typeface="Helvetica"/>
+              </a:defRPr>
+            </a:pPr>
+            <a:r>
+              <a:rPr lang="en-US" sz="2048" dirty="0">
+                <a:sym typeface="Helvetica"/>
+              </a:rPr>
+              <a:t>f (n, m) --&gt; f’ (n)(m)</a:t>
+            </a:r>
+          </a:p>
+          <a:p>
+            <a:pPr marL="284479" indent="-284479" defTabSz="292607">
+              <a:lnSpc>
+                <a:spcPts val="3700"/>
+              </a:lnSpc>
+              <a:spcBef>
+                <a:spcPts val="0"/>
+              </a:spcBef>
+              <a:tabLst>
+                <a:tab pos="88900" algn="l"/>
+                <a:tab pos="292100" algn="l"/>
+              </a:tabLst>
+              <a:defRPr sz="2048">
+                <a:latin typeface="Helvetica"/>
+                <a:ea typeface="Helvetica"/>
+                <a:cs typeface="Helvetica"/>
+                <a:sym typeface="Helvetica"/>
+              </a:defRPr>
+            </a:pPr>
+            <a:r>
+              <a:rPr lang="en-US" sz="2048" dirty="0">
+                <a:latin typeface="Calibri" panose="020F0502020204030204" pitchFamily="34" charset="0"/>
+                <a:cs typeface="Calibri" panose="020F0502020204030204" pitchFamily="34" charset="0"/>
+                <a:sym typeface="Helvetica"/>
+              </a:rPr>
+              <a:t>Example: add (</a:t>
+            </a:r>
+            <a:r>
+              <a:rPr lang="en-US" sz="2048" dirty="0" err="1">
+                <a:latin typeface="Calibri" panose="020F0502020204030204" pitchFamily="34" charset="0"/>
+                <a:cs typeface="Calibri" panose="020F0502020204030204" pitchFamily="34" charset="0"/>
+                <a:sym typeface="Helvetica"/>
+              </a:rPr>
+              <a:t>x,b</a:t>
+            </a:r>
+            <a:r>
+              <a:rPr lang="en-US" sz="2048" dirty="0">
+                <a:latin typeface="Calibri" panose="020F0502020204030204" pitchFamily="34" charset="0"/>
+                <a:cs typeface="Calibri" panose="020F0502020204030204" pitchFamily="34" charset="0"/>
+                <a:sym typeface="Helvetica"/>
+              </a:rPr>
+              <a:t>) =&gt; add (a)(b)</a:t>
+            </a:r>
+          </a:p>
+          <a:p>
+            <a:pPr marL="284479" indent="-284479" defTabSz="292607">
+              <a:lnSpc>
+                <a:spcPts val="3700"/>
+              </a:lnSpc>
+              <a:spcBef>
+                <a:spcPts val="0"/>
+              </a:spcBef>
+              <a:tabLst>
+                <a:tab pos="88900" algn="l"/>
+                <a:tab pos="292100" algn="l"/>
+              </a:tabLst>
+              <a:defRPr sz="2048">
+                <a:latin typeface="Helvetica"/>
+                <a:ea typeface="Helvetica"/>
+                <a:cs typeface="Helvetica"/>
+                <a:sym typeface="Helvetica"/>
+              </a:defRPr>
+            </a:pPr>
+            <a:r>
+              <a:rPr lang="en-US" sz="2048" dirty="0">
+                <a:latin typeface="Calibri" panose="020F0502020204030204" pitchFamily="34" charset="0"/>
+                <a:cs typeface="Calibri" panose="020F0502020204030204" pitchFamily="34" charset="0"/>
+                <a:sym typeface="Helvetica"/>
+              </a:rPr>
+              <a:t>Using </a:t>
+            </a:r>
+            <a:r>
+              <a:rPr lang="en-US" sz="2048" dirty="0">
+                <a:sym typeface="Helvetica"/>
+              </a:rPr>
+              <a:t>higher order functions (functions accepting other functions as parameters) can also be combined with generics leading to complex constructions</a:t>
+            </a:r>
+          </a:p>
+          <a:p>
+            <a:pPr marL="728979" lvl="1" indent="-284479" defTabSz="292607">
+              <a:lnSpc>
+                <a:spcPts val="3700"/>
+              </a:lnSpc>
+              <a:spcBef>
+                <a:spcPts val="0"/>
+              </a:spcBef>
+              <a:tabLst>
+                <a:tab pos="88900" algn="l"/>
+                <a:tab pos="292100" algn="l"/>
+              </a:tabLst>
+              <a:defRPr sz="2048">
+                <a:latin typeface="Helvetica"/>
+                <a:ea typeface="Helvetica"/>
+                <a:cs typeface="Helvetica"/>
+                <a:sym typeface="Helvetica"/>
+              </a:defRPr>
+            </a:pPr>
+            <a:endParaRPr lang="en-US" sz="2048" dirty="0">
+              <a:sym typeface="Helvetica"/>
+            </a:endParaRPr>
+          </a:p>
+          <a:p>
+            <a:pPr marL="284479" indent="-284479" defTabSz="292607">
+              <a:lnSpc>
+                <a:spcPts val="3700"/>
+              </a:lnSpc>
+              <a:spcBef>
+                <a:spcPts val="0"/>
+              </a:spcBef>
+              <a:tabLst>
+                <a:tab pos="88900" algn="l"/>
+                <a:tab pos="292100" algn="l"/>
+              </a:tabLst>
+              <a:defRPr sz="2048">
+                <a:latin typeface="Helvetica"/>
+                <a:ea typeface="Helvetica"/>
+                <a:cs typeface="Helvetica"/>
+                <a:sym typeface="Helvetica"/>
+              </a:defRPr>
+            </a:pPr>
+            <a:endParaRPr lang="en-US" sz="2048" dirty="0">
+              <a:sym typeface="Helvetica"/>
+            </a:endParaRPr>
+          </a:p>
+          <a:p>
+            <a:pPr marL="284479" indent="-284479" defTabSz="292607">
+              <a:lnSpc>
+                <a:spcPts val="3700"/>
+              </a:lnSpc>
+              <a:spcBef>
+                <a:spcPts val="0"/>
+              </a:spcBef>
+              <a:tabLst>
+                <a:tab pos="88900" algn="l"/>
+                <a:tab pos="292100" algn="l"/>
+              </a:tabLst>
+              <a:defRPr sz="2048">
+                <a:latin typeface="Helvetica"/>
+                <a:ea typeface="Helvetica"/>
+                <a:cs typeface="Helvetica"/>
+                <a:sym typeface="Helvetica"/>
+              </a:defRPr>
+            </a:pPr>
+            <a:endParaRPr lang="en-US" sz="2048" dirty="0">
+              <a:latin typeface="Calibri" panose="020F0502020204030204" pitchFamily="34" charset="0"/>
+              <a:cs typeface="Calibri" panose="020F0502020204030204" pitchFamily="34" charset="0"/>
+              <a:sym typeface="Helvetica"/>
+            </a:endParaRPr>
+          </a:p>
+          <a:p>
+            <a:pPr marL="284479" indent="-284479" defTabSz="292607">
+              <a:lnSpc>
+                <a:spcPts val="3700"/>
+              </a:lnSpc>
+              <a:spcBef>
+                <a:spcPts val="0"/>
+              </a:spcBef>
+              <a:tabLst>
+                <a:tab pos="88900" algn="l"/>
+                <a:tab pos="292100" algn="l"/>
+              </a:tabLst>
+              <a:defRPr sz="2048">
+                <a:latin typeface="Helvetica"/>
+                <a:ea typeface="Helvetica"/>
+                <a:cs typeface="Helvetica"/>
+                <a:sym typeface="Helvetica"/>
+              </a:defRPr>
+            </a:pPr>
+            <a:endParaRPr lang="en-US" sz="2000" dirty="0">
+              <a:latin typeface="Calibri" panose="020F0502020204030204" pitchFamily="34" charset="0"/>
+              <a:cs typeface="Calibri" panose="020F0502020204030204" pitchFamily="34" charset="0"/>
+            </a:endParaRPr>
+          </a:p>
+        </p:txBody>
+      </p:sp>
+    </p:spTree>
+    <p:extLst>
+      <p:ext uri="{BB962C8B-B14F-4D97-AF65-F5344CB8AC3E}">
+        <p14:creationId xmlns:p14="http://schemas.microsoft.com/office/powerpoint/2010/main" val="1236830383"/>
+      </p:ext>
+    </p:extLst>
+  </p:cSld>
+  <p:clrMapOvr>
+    <a:masterClrMapping/>
+  </p:clrMapOvr>
+  <p:transition spd="med"/>
+</p:sld>
+</file>
+
+<file path=ppt/slides/slide37.xml><?xml version="1.0" encoding="utf-8"?>
+<p:sld xmlns:a="http://schemas.openxmlformats.org/drawingml/2006/main" xmlns:r="http://schemas.openxmlformats.org/officeDocument/2006/relationships" xmlns:p="http://schemas.openxmlformats.org/presentationml/2006/main">
+  <p:cSld>
+    <p:spTree>
+      <p:nvGrpSpPr>
+        <p:cNvPr id="1" name=""/>
+        <p:cNvGrpSpPr/>
+        <p:nvPr/>
+      </p:nvGrpSpPr>
+      <p:grpSpPr>
+        <a:xfrm>
+          <a:off x="0" y="0"/>
+          <a:ext cx="0" cy="0"/>
+          <a:chOff x="0" y="0"/>
+          <a:chExt cx="0" cy="0"/>
+        </a:xfrm>
+      </p:grpSpPr>
+      <p:sp>
+        <p:nvSpPr>
+          <p:cNvPr id="150" name="Types in Typescript"/>
+          <p:cNvSpPr txBox="1">
+            <a:spLocks noGrp="1"/>
+          </p:cNvSpPr>
+          <p:nvPr>
+            <p:ph type="title"/>
+          </p:nvPr>
+        </p:nvSpPr>
+        <p:spPr>
+          <a:prstGeom prst="rect">
+            <a:avLst/>
+          </a:prstGeom>
+        </p:spPr>
+        <p:txBody>
+          <a:bodyPr>
+            <a:normAutofit/>
+          </a:bodyPr>
+          <a:lstStyle/>
+          <a:p>
+            <a:r>
+              <a:rPr lang="en-US" sz="4000" dirty="0">
+                <a:latin typeface="Calibri" panose="020F0502020204030204" pitchFamily="34" charset="0"/>
+                <a:cs typeface="Calibri" panose="020F0502020204030204" pitchFamily="34" charset="0"/>
+              </a:rPr>
+              <a:t>Currying in Typescript…..</a:t>
+            </a:r>
+            <a:endParaRPr sz="4000" dirty="0">
+              <a:latin typeface="Calibri" panose="020F0502020204030204" pitchFamily="34" charset="0"/>
+              <a:cs typeface="Calibri" panose="020F0502020204030204" pitchFamily="34" charset="0"/>
+            </a:endParaRPr>
+          </a:p>
+        </p:txBody>
+      </p:sp>
+      <p:sp>
+        <p:nvSpPr>
+          <p:cNvPr id="151" name="Union is a sort of sum, or set union:…"/>
+          <p:cNvSpPr txBox="1">
+            <a:spLocks noGrp="1"/>
+          </p:cNvSpPr>
+          <p:nvPr>
+            <p:ph type="body" idx="1"/>
+          </p:nvPr>
+        </p:nvSpPr>
+        <p:spPr>
+          <a:xfrm>
+            <a:off x="952500" y="2590800"/>
+            <a:ext cx="11099800" cy="6286500"/>
+          </a:xfrm>
+          <a:prstGeom prst="rect">
+            <a:avLst/>
+          </a:prstGeom>
+        </p:spPr>
+        <p:txBody>
+          <a:bodyPr anchor="t">
+            <a:noAutofit/>
+          </a:bodyPr>
+          <a:lstStyle/>
+          <a:p>
+            <a:pPr marL="284479" indent="-284479" defTabSz="292607">
+              <a:lnSpc>
+                <a:spcPts val="3700"/>
+              </a:lnSpc>
+              <a:spcBef>
+                <a:spcPts val="0"/>
+              </a:spcBef>
+              <a:tabLst>
+                <a:tab pos="88900" algn="l"/>
+                <a:tab pos="292100" algn="l"/>
+              </a:tabLst>
+              <a:defRPr sz="2048">
+                <a:latin typeface="Helvetica"/>
+                <a:ea typeface="Helvetica"/>
+                <a:cs typeface="Helvetica"/>
+                <a:sym typeface="Helvetica"/>
+              </a:defRPr>
+            </a:pPr>
+            <a:r>
+              <a:rPr lang="en-US" sz="2000" dirty="0">
+                <a:latin typeface="Calibri" panose="020F0502020204030204" pitchFamily="34" charset="0"/>
+                <a:cs typeface="Calibri" panose="020F0502020204030204" pitchFamily="34" charset="0"/>
+              </a:rPr>
+              <a:t>Currying is the technique of translating the evaluation of a function that takes multiple arguments into evaluating a sequence of functions</a:t>
+            </a:r>
+          </a:p>
+          <a:p>
+            <a:pPr marL="284479" indent="-284479" defTabSz="292607">
+              <a:lnSpc>
+                <a:spcPts val="3700"/>
+              </a:lnSpc>
+              <a:spcBef>
+                <a:spcPts val="0"/>
+              </a:spcBef>
+              <a:tabLst>
+                <a:tab pos="88900" algn="l"/>
+                <a:tab pos="292100" algn="l"/>
+              </a:tabLst>
+              <a:defRPr sz="2048">
+                <a:latin typeface="Helvetica"/>
+                <a:ea typeface="Helvetica"/>
+                <a:cs typeface="Helvetica"/>
+                <a:sym typeface="Helvetica"/>
+              </a:defRPr>
+            </a:pPr>
+            <a:r>
+              <a:rPr lang="en-US" sz="2000" dirty="0">
+                <a:latin typeface="Calibri" panose="020F0502020204030204" pitchFamily="34" charset="0"/>
+                <a:cs typeface="Calibri" panose="020F0502020204030204" pitchFamily="34" charset="0"/>
+                <a:sym typeface="Helvetica"/>
+              </a:rPr>
+              <a:t>Each function with a single argument</a:t>
+            </a:r>
+          </a:p>
+          <a:p>
+            <a:pPr marL="284479" indent="-284479" defTabSz="292607">
+              <a:lnSpc>
+                <a:spcPts val="3700"/>
+              </a:lnSpc>
+              <a:spcBef>
+                <a:spcPts val="0"/>
+              </a:spcBef>
+              <a:tabLst>
+                <a:tab pos="88900" algn="l"/>
+                <a:tab pos="292100" algn="l"/>
+              </a:tabLst>
+              <a:defRPr sz="2048">
+                <a:latin typeface="Helvetica"/>
+                <a:ea typeface="Helvetica"/>
+                <a:cs typeface="Helvetica"/>
+                <a:sym typeface="Helvetica"/>
+              </a:defRPr>
+            </a:pPr>
+            <a:r>
+              <a:rPr lang="en-US" sz="2048" dirty="0">
+                <a:sym typeface="Helvetica"/>
+              </a:rPr>
+              <a:t>f (n, m) --&gt; f’ (n)(m)</a:t>
+            </a:r>
+          </a:p>
+          <a:p>
+            <a:pPr marL="284479" indent="-284479" defTabSz="292607">
+              <a:lnSpc>
+                <a:spcPts val="3700"/>
+              </a:lnSpc>
+              <a:spcBef>
+                <a:spcPts val="0"/>
+              </a:spcBef>
+              <a:tabLst>
+                <a:tab pos="88900" algn="l"/>
+                <a:tab pos="292100" algn="l"/>
+              </a:tabLst>
+              <a:defRPr sz="2048">
+                <a:latin typeface="Helvetica"/>
+                <a:ea typeface="Helvetica"/>
+                <a:cs typeface="Helvetica"/>
+                <a:sym typeface="Helvetica"/>
+              </a:defRPr>
+            </a:pPr>
+            <a:r>
+              <a:rPr lang="en-US" sz="2048" dirty="0">
+                <a:latin typeface="Calibri" panose="020F0502020204030204" pitchFamily="34" charset="0"/>
+                <a:cs typeface="Calibri" panose="020F0502020204030204" pitchFamily="34" charset="0"/>
+                <a:sym typeface="Helvetica"/>
+              </a:rPr>
+              <a:t>Example: add (</a:t>
+            </a:r>
+            <a:r>
+              <a:rPr lang="en-US" sz="2048" dirty="0" err="1">
+                <a:latin typeface="Calibri" panose="020F0502020204030204" pitchFamily="34" charset="0"/>
+                <a:cs typeface="Calibri" panose="020F0502020204030204" pitchFamily="34" charset="0"/>
+                <a:sym typeface="Helvetica"/>
+              </a:rPr>
+              <a:t>x,b</a:t>
+            </a:r>
+            <a:r>
+              <a:rPr lang="en-US" sz="2048" dirty="0">
+                <a:latin typeface="Calibri" panose="020F0502020204030204" pitchFamily="34" charset="0"/>
+                <a:cs typeface="Calibri" panose="020F0502020204030204" pitchFamily="34" charset="0"/>
+                <a:sym typeface="Helvetica"/>
+              </a:rPr>
+              <a:t>) =&gt; add (a)(b)</a:t>
+            </a:r>
+          </a:p>
+          <a:p>
+            <a:pPr marL="284479" indent="-284479" defTabSz="292607">
+              <a:lnSpc>
+                <a:spcPts val="3700"/>
+              </a:lnSpc>
+              <a:spcBef>
+                <a:spcPts val="0"/>
+              </a:spcBef>
+              <a:tabLst>
+                <a:tab pos="88900" algn="l"/>
+                <a:tab pos="292100" algn="l"/>
+              </a:tabLst>
+              <a:defRPr sz="2048">
+                <a:latin typeface="Helvetica"/>
+                <a:ea typeface="Helvetica"/>
+                <a:cs typeface="Helvetica"/>
+                <a:sym typeface="Helvetica"/>
+              </a:defRPr>
+            </a:pPr>
+            <a:r>
+              <a:rPr lang="en-US" sz="2048" dirty="0">
+                <a:latin typeface="Calibri" panose="020F0502020204030204" pitchFamily="34" charset="0"/>
+                <a:cs typeface="Calibri" panose="020F0502020204030204" pitchFamily="34" charset="0"/>
+                <a:sym typeface="Helvetica"/>
+              </a:rPr>
+              <a:t>Using </a:t>
+            </a:r>
+            <a:r>
+              <a:rPr lang="en-US" sz="2048" dirty="0">
+                <a:sym typeface="Helvetica"/>
+              </a:rPr>
+              <a:t>higher order functions (functions accepting other functions as parameters) can also be combined with generics leading to complex constructions</a:t>
+            </a:r>
+          </a:p>
+          <a:p>
+            <a:pPr marL="444500" lvl="1" indent="0" defTabSz="292607">
+              <a:lnSpc>
+                <a:spcPts val="3700"/>
+              </a:lnSpc>
+              <a:spcBef>
+                <a:spcPts val="0"/>
+              </a:spcBef>
+              <a:buNone/>
+              <a:tabLst>
+                <a:tab pos="88900" algn="l"/>
+                <a:tab pos="292100" algn="l"/>
+              </a:tabLst>
+              <a:defRPr sz="2048">
+                <a:latin typeface="Helvetica"/>
+                <a:ea typeface="Helvetica"/>
+                <a:cs typeface="Helvetica"/>
+                <a:sym typeface="Helvetica"/>
+              </a:defRPr>
+            </a:pPr>
+            <a:r>
+              <a:rPr lang="en-US" sz="2048" dirty="0">
+                <a:solidFill>
+                  <a:srgbClr val="0070C0"/>
+                </a:solidFill>
+                <a:sym typeface="Helvetica"/>
+              </a:rPr>
+              <a:t>type</a:t>
+            </a:r>
+            <a:r>
+              <a:rPr lang="en-US" sz="2048" dirty="0">
+                <a:sym typeface="Helvetica"/>
+              </a:rPr>
+              <a:t> Fun&lt;A,B&gt; = (_:A) =&gt; B</a:t>
+            </a:r>
+          </a:p>
+          <a:p>
+            <a:pPr marL="284479" indent="-284479" defTabSz="292607">
+              <a:lnSpc>
+                <a:spcPts val="3700"/>
+              </a:lnSpc>
+              <a:spcBef>
+                <a:spcPts val="0"/>
+              </a:spcBef>
+              <a:tabLst>
+                <a:tab pos="88900" algn="l"/>
+                <a:tab pos="292100" algn="l"/>
+              </a:tabLst>
+              <a:defRPr sz="2048">
+                <a:latin typeface="Helvetica"/>
+                <a:ea typeface="Helvetica"/>
+                <a:cs typeface="Helvetica"/>
+                <a:sym typeface="Helvetica"/>
+              </a:defRPr>
+            </a:pPr>
+            <a:endParaRPr lang="en-US" sz="2048" dirty="0">
+              <a:sym typeface="Helvetica"/>
+            </a:endParaRPr>
+          </a:p>
+          <a:p>
+            <a:pPr marL="284479" indent="-284479" defTabSz="292607">
+              <a:lnSpc>
+                <a:spcPts val="3700"/>
+              </a:lnSpc>
+              <a:spcBef>
+                <a:spcPts val="0"/>
+              </a:spcBef>
+              <a:tabLst>
+                <a:tab pos="88900" algn="l"/>
+                <a:tab pos="292100" algn="l"/>
+              </a:tabLst>
+              <a:defRPr sz="2048">
+                <a:latin typeface="Helvetica"/>
+                <a:ea typeface="Helvetica"/>
+                <a:cs typeface="Helvetica"/>
+                <a:sym typeface="Helvetica"/>
+              </a:defRPr>
+            </a:pPr>
+            <a:endParaRPr lang="en-US" sz="2048" dirty="0">
+              <a:latin typeface="Calibri" panose="020F0502020204030204" pitchFamily="34" charset="0"/>
+              <a:cs typeface="Calibri" panose="020F0502020204030204" pitchFamily="34" charset="0"/>
+              <a:sym typeface="Helvetica"/>
+            </a:endParaRPr>
+          </a:p>
+          <a:p>
+            <a:pPr marL="284479" indent="-284479" defTabSz="292607">
+              <a:lnSpc>
+                <a:spcPts val="3700"/>
+              </a:lnSpc>
+              <a:spcBef>
+                <a:spcPts val="0"/>
+              </a:spcBef>
+              <a:tabLst>
+                <a:tab pos="88900" algn="l"/>
+                <a:tab pos="292100" algn="l"/>
+              </a:tabLst>
+              <a:defRPr sz="2048">
+                <a:latin typeface="Helvetica"/>
+                <a:ea typeface="Helvetica"/>
+                <a:cs typeface="Helvetica"/>
+                <a:sym typeface="Helvetica"/>
+              </a:defRPr>
+            </a:pPr>
+            <a:endParaRPr lang="en-US" sz="2000" dirty="0">
+              <a:latin typeface="Calibri" panose="020F0502020204030204" pitchFamily="34" charset="0"/>
+              <a:cs typeface="Calibri" panose="020F0502020204030204" pitchFamily="34" charset="0"/>
+            </a:endParaRPr>
+          </a:p>
+        </p:txBody>
+      </p:sp>
+    </p:spTree>
+    <p:extLst>
+      <p:ext uri="{BB962C8B-B14F-4D97-AF65-F5344CB8AC3E}">
+        <p14:creationId xmlns:p14="http://schemas.microsoft.com/office/powerpoint/2010/main" val="1694829221"/>
+      </p:ext>
+    </p:extLst>
+  </p:cSld>
+  <p:clrMapOvr>
+    <a:masterClrMapping/>
+  </p:clrMapOvr>
+  <p:transition spd="med"/>
+</p:sld>
+</file>
+
+<file path=ppt/slides/slide38.xml><?xml version="1.0" encoding="utf-8"?>
+<p:sld xmlns:a="http://schemas.openxmlformats.org/drawingml/2006/main" xmlns:r="http://schemas.openxmlformats.org/officeDocument/2006/relationships" xmlns:p="http://schemas.openxmlformats.org/presentationml/2006/main">
+  <p:cSld>
+    <p:spTree>
+      <p:nvGrpSpPr>
+        <p:cNvPr id="1" name=""/>
+        <p:cNvGrpSpPr/>
+        <p:nvPr/>
+      </p:nvGrpSpPr>
+      <p:grpSpPr>
+        <a:xfrm>
+          <a:off x="0" y="0"/>
+          <a:ext cx="0" cy="0"/>
+          <a:chOff x="0" y="0"/>
+          <a:chExt cx="0" cy="0"/>
+        </a:xfrm>
+      </p:grpSpPr>
+      <p:sp>
+        <p:nvSpPr>
+          <p:cNvPr id="150" name="Types in Typescript"/>
+          <p:cNvSpPr txBox="1">
+            <a:spLocks noGrp="1"/>
+          </p:cNvSpPr>
+          <p:nvPr>
+            <p:ph type="title"/>
+          </p:nvPr>
+        </p:nvSpPr>
+        <p:spPr>
+          <a:prstGeom prst="rect">
+            <a:avLst/>
+          </a:prstGeom>
+        </p:spPr>
+        <p:txBody>
+          <a:bodyPr>
+            <a:normAutofit/>
+          </a:bodyPr>
+          <a:lstStyle/>
+          <a:p>
+            <a:r>
+              <a:rPr lang="en-US" sz="4000" dirty="0">
+                <a:latin typeface="Calibri" panose="020F0502020204030204" pitchFamily="34" charset="0"/>
+                <a:cs typeface="Calibri" panose="020F0502020204030204" pitchFamily="34" charset="0"/>
+              </a:rPr>
+              <a:t>Currying in Typescript……</a:t>
+            </a:r>
+            <a:endParaRPr sz="4000" dirty="0">
+              <a:latin typeface="Calibri" panose="020F0502020204030204" pitchFamily="34" charset="0"/>
+              <a:cs typeface="Calibri" panose="020F0502020204030204" pitchFamily="34" charset="0"/>
+            </a:endParaRPr>
+          </a:p>
+        </p:txBody>
+      </p:sp>
+      <p:sp>
+        <p:nvSpPr>
+          <p:cNvPr id="151" name="Union is a sort of sum, or set union:…"/>
+          <p:cNvSpPr txBox="1">
+            <a:spLocks noGrp="1"/>
+          </p:cNvSpPr>
+          <p:nvPr>
+            <p:ph type="body" idx="1"/>
+          </p:nvPr>
+        </p:nvSpPr>
+        <p:spPr>
+          <a:xfrm>
+            <a:off x="952500" y="2590800"/>
+            <a:ext cx="11099800" cy="6286500"/>
+          </a:xfrm>
+          <a:prstGeom prst="rect">
+            <a:avLst/>
+          </a:prstGeom>
+        </p:spPr>
+        <p:txBody>
+          <a:bodyPr anchor="t">
+            <a:noAutofit/>
+          </a:bodyPr>
+          <a:lstStyle/>
+          <a:p>
+            <a:pPr marL="284479" indent="-284479" defTabSz="292607">
+              <a:lnSpc>
+                <a:spcPts val="3700"/>
+              </a:lnSpc>
+              <a:spcBef>
+                <a:spcPts val="0"/>
+              </a:spcBef>
+              <a:tabLst>
+                <a:tab pos="88900" algn="l"/>
+                <a:tab pos="292100" algn="l"/>
+              </a:tabLst>
+              <a:defRPr sz="2048">
+                <a:latin typeface="Helvetica"/>
+                <a:ea typeface="Helvetica"/>
+                <a:cs typeface="Helvetica"/>
+                <a:sym typeface="Helvetica"/>
+              </a:defRPr>
+            </a:pPr>
+            <a:r>
+              <a:rPr lang="en-US" sz="2000" dirty="0">
+                <a:latin typeface="Calibri" panose="020F0502020204030204" pitchFamily="34" charset="0"/>
+                <a:cs typeface="Calibri" panose="020F0502020204030204" pitchFamily="34" charset="0"/>
+              </a:rPr>
+              <a:t>Currying is the technique of translating the evaluation of a function that takes multiple arguments into evaluating a sequence of functions</a:t>
+            </a:r>
+          </a:p>
+          <a:p>
+            <a:pPr marL="284479" indent="-284479" defTabSz="292607">
+              <a:lnSpc>
+                <a:spcPts val="3700"/>
+              </a:lnSpc>
+              <a:spcBef>
+                <a:spcPts val="0"/>
+              </a:spcBef>
+              <a:tabLst>
+                <a:tab pos="88900" algn="l"/>
+                <a:tab pos="292100" algn="l"/>
+              </a:tabLst>
+              <a:defRPr sz="2048">
+                <a:latin typeface="Helvetica"/>
+                <a:ea typeface="Helvetica"/>
+                <a:cs typeface="Helvetica"/>
+                <a:sym typeface="Helvetica"/>
+              </a:defRPr>
+            </a:pPr>
+            <a:r>
+              <a:rPr lang="en-US" sz="2000" dirty="0">
+                <a:latin typeface="Calibri" panose="020F0502020204030204" pitchFamily="34" charset="0"/>
+                <a:cs typeface="Calibri" panose="020F0502020204030204" pitchFamily="34" charset="0"/>
+                <a:sym typeface="Helvetica"/>
+              </a:rPr>
+              <a:t>Each function with a single argument</a:t>
+            </a:r>
+          </a:p>
+          <a:p>
+            <a:pPr marL="284479" indent="-284479" defTabSz="292607">
+              <a:lnSpc>
+                <a:spcPts val="3700"/>
+              </a:lnSpc>
+              <a:spcBef>
+                <a:spcPts val="0"/>
+              </a:spcBef>
+              <a:tabLst>
+                <a:tab pos="88900" algn="l"/>
+                <a:tab pos="292100" algn="l"/>
+              </a:tabLst>
+              <a:defRPr sz="2048">
+                <a:latin typeface="Helvetica"/>
+                <a:ea typeface="Helvetica"/>
+                <a:cs typeface="Helvetica"/>
+                <a:sym typeface="Helvetica"/>
+              </a:defRPr>
+            </a:pPr>
+            <a:r>
+              <a:rPr lang="en-US" sz="2048" dirty="0">
+                <a:sym typeface="Helvetica"/>
+              </a:rPr>
+              <a:t>f (n, m) --&gt; f’ (n)(m)</a:t>
+            </a:r>
+          </a:p>
+          <a:p>
+            <a:pPr marL="284479" indent="-284479" defTabSz="292607">
+              <a:lnSpc>
+                <a:spcPts val="3700"/>
+              </a:lnSpc>
+              <a:spcBef>
+                <a:spcPts val="0"/>
+              </a:spcBef>
+              <a:tabLst>
+                <a:tab pos="88900" algn="l"/>
+                <a:tab pos="292100" algn="l"/>
+              </a:tabLst>
+              <a:defRPr sz="2048">
+                <a:latin typeface="Helvetica"/>
+                <a:ea typeface="Helvetica"/>
+                <a:cs typeface="Helvetica"/>
+                <a:sym typeface="Helvetica"/>
+              </a:defRPr>
+            </a:pPr>
+            <a:r>
+              <a:rPr lang="en-US" sz="2048" dirty="0">
+                <a:latin typeface="Calibri" panose="020F0502020204030204" pitchFamily="34" charset="0"/>
+                <a:cs typeface="Calibri" panose="020F0502020204030204" pitchFamily="34" charset="0"/>
+                <a:sym typeface="Helvetica"/>
+              </a:rPr>
+              <a:t>Example: add (</a:t>
+            </a:r>
+            <a:r>
+              <a:rPr lang="en-US" sz="2048" dirty="0" err="1">
+                <a:latin typeface="Calibri" panose="020F0502020204030204" pitchFamily="34" charset="0"/>
+                <a:cs typeface="Calibri" panose="020F0502020204030204" pitchFamily="34" charset="0"/>
+                <a:sym typeface="Helvetica"/>
+              </a:rPr>
+              <a:t>x,b</a:t>
+            </a:r>
+            <a:r>
+              <a:rPr lang="en-US" sz="2048" dirty="0">
+                <a:latin typeface="Calibri" panose="020F0502020204030204" pitchFamily="34" charset="0"/>
+                <a:cs typeface="Calibri" panose="020F0502020204030204" pitchFamily="34" charset="0"/>
+                <a:sym typeface="Helvetica"/>
+              </a:rPr>
+              <a:t>) =&gt; add (a)(b)</a:t>
+            </a:r>
+          </a:p>
+          <a:p>
+            <a:pPr marL="284479" indent="-284479" defTabSz="292607">
+              <a:lnSpc>
+                <a:spcPts val="3700"/>
+              </a:lnSpc>
+              <a:spcBef>
+                <a:spcPts val="0"/>
+              </a:spcBef>
+              <a:tabLst>
+                <a:tab pos="88900" algn="l"/>
+                <a:tab pos="292100" algn="l"/>
+              </a:tabLst>
+              <a:defRPr sz="2048">
+                <a:latin typeface="Helvetica"/>
+                <a:ea typeface="Helvetica"/>
+                <a:cs typeface="Helvetica"/>
+                <a:sym typeface="Helvetica"/>
+              </a:defRPr>
+            </a:pPr>
+            <a:r>
+              <a:rPr lang="en-US" sz="2048" dirty="0">
+                <a:latin typeface="Calibri" panose="020F0502020204030204" pitchFamily="34" charset="0"/>
+                <a:cs typeface="Calibri" panose="020F0502020204030204" pitchFamily="34" charset="0"/>
+                <a:sym typeface="Helvetica"/>
+              </a:rPr>
+              <a:t>Using </a:t>
+            </a:r>
+            <a:r>
+              <a:rPr lang="en-US" sz="2048" dirty="0">
+                <a:sym typeface="Helvetica"/>
+              </a:rPr>
+              <a:t>higher order functions (functions accepting other functions as parameters) can also be combined with generics leading to complex constructions</a:t>
+            </a:r>
+          </a:p>
+          <a:p>
+            <a:pPr marL="444500" lvl="1" indent="0" defTabSz="292607">
+              <a:lnSpc>
+                <a:spcPts val="3700"/>
+              </a:lnSpc>
+              <a:spcBef>
+                <a:spcPts val="0"/>
+              </a:spcBef>
+              <a:buNone/>
+              <a:tabLst>
+                <a:tab pos="88900" algn="l"/>
+                <a:tab pos="292100" algn="l"/>
+              </a:tabLst>
+              <a:defRPr sz="2048">
+                <a:latin typeface="Helvetica"/>
+                <a:ea typeface="Helvetica"/>
+                <a:cs typeface="Helvetica"/>
+                <a:sym typeface="Helvetica"/>
+              </a:defRPr>
+            </a:pPr>
+            <a:r>
+              <a:rPr lang="en-US" sz="2048" dirty="0">
+                <a:solidFill>
+                  <a:srgbClr val="0070C0"/>
+                </a:solidFill>
+                <a:sym typeface="Helvetica"/>
+              </a:rPr>
+              <a:t>type</a:t>
+            </a:r>
+            <a:r>
+              <a:rPr lang="en-US" sz="2048" dirty="0">
+                <a:sym typeface="Helvetica"/>
+              </a:rPr>
+              <a:t> Fun&lt;A,B&gt; = (_:A) =&gt; B</a:t>
+            </a:r>
+          </a:p>
+          <a:p>
+            <a:pPr marL="444500" lvl="1" indent="0" defTabSz="292607">
+              <a:lnSpc>
+                <a:spcPts val="3700"/>
+              </a:lnSpc>
+              <a:spcBef>
+                <a:spcPts val="0"/>
+              </a:spcBef>
+              <a:buNone/>
+              <a:tabLst>
+                <a:tab pos="88900" algn="l"/>
+                <a:tab pos="292100" algn="l"/>
+              </a:tabLst>
+              <a:defRPr sz="2048">
+                <a:latin typeface="Helvetica"/>
+                <a:ea typeface="Helvetica"/>
+                <a:cs typeface="Helvetica"/>
+                <a:sym typeface="Helvetica"/>
+              </a:defRPr>
+            </a:pPr>
+            <a:r>
+              <a:rPr lang="en-US" sz="2048" dirty="0">
+                <a:solidFill>
+                  <a:srgbClr val="0070C0"/>
+                </a:solidFill>
+                <a:sym typeface="Helvetica"/>
+              </a:rPr>
+              <a:t>let</a:t>
+            </a:r>
+            <a:r>
+              <a:rPr lang="en-US" sz="2048" dirty="0">
+                <a:sym typeface="Helvetica"/>
+              </a:rPr>
+              <a:t> pipeline : &lt;A,B,C&gt;(_:Fun&lt;A,B&gt;) =&gt; (_:Fun&lt;B,C&gt;) =&gt; Fun&lt;A,C&gt; = f =&gt; g =&gt; (x =&gt; g(f(x)))</a:t>
+            </a:r>
+          </a:p>
+          <a:p>
+            <a:pPr marL="284479" indent="-284479" defTabSz="292607">
+              <a:lnSpc>
+                <a:spcPts val="3700"/>
+              </a:lnSpc>
+              <a:spcBef>
+                <a:spcPts val="0"/>
+              </a:spcBef>
+              <a:tabLst>
+                <a:tab pos="88900" algn="l"/>
+                <a:tab pos="292100" algn="l"/>
+              </a:tabLst>
+              <a:defRPr sz="2048">
+                <a:latin typeface="Helvetica"/>
+                <a:ea typeface="Helvetica"/>
+                <a:cs typeface="Helvetica"/>
+                <a:sym typeface="Helvetica"/>
+              </a:defRPr>
+            </a:pPr>
+            <a:endParaRPr lang="en-US" sz="2048" dirty="0">
+              <a:sym typeface="Helvetica"/>
+            </a:endParaRPr>
+          </a:p>
+          <a:p>
+            <a:pPr marL="284479" indent="-284479" defTabSz="292607">
+              <a:lnSpc>
+                <a:spcPts val="3700"/>
+              </a:lnSpc>
+              <a:spcBef>
+                <a:spcPts val="0"/>
+              </a:spcBef>
+              <a:tabLst>
+                <a:tab pos="88900" algn="l"/>
+                <a:tab pos="292100" algn="l"/>
+              </a:tabLst>
+              <a:defRPr sz="2048">
+                <a:latin typeface="Helvetica"/>
+                <a:ea typeface="Helvetica"/>
+                <a:cs typeface="Helvetica"/>
+                <a:sym typeface="Helvetica"/>
+              </a:defRPr>
+            </a:pPr>
+            <a:endParaRPr lang="en-US" sz="2048" dirty="0">
+              <a:latin typeface="Calibri" panose="020F0502020204030204" pitchFamily="34" charset="0"/>
+              <a:cs typeface="Calibri" panose="020F0502020204030204" pitchFamily="34" charset="0"/>
+              <a:sym typeface="Helvetica"/>
+            </a:endParaRPr>
+          </a:p>
+          <a:p>
+            <a:pPr marL="284479" indent="-284479" defTabSz="292607">
+              <a:lnSpc>
+                <a:spcPts val="3700"/>
+              </a:lnSpc>
+              <a:spcBef>
+                <a:spcPts val="0"/>
+              </a:spcBef>
+              <a:tabLst>
+                <a:tab pos="88900" algn="l"/>
+                <a:tab pos="292100" algn="l"/>
+              </a:tabLst>
+              <a:defRPr sz="2048">
+                <a:latin typeface="Helvetica"/>
+                <a:ea typeface="Helvetica"/>
+                <a:cs typeface="Helvetica"/>
+                <a:sym typeface="Helvetica"/>
+              </a:defRPr>
+            </a:pPr>
+            <a:endParaRPr lang="en-US" sz="2000" dirty="0">
+              <a:latin typeface="Calibri" panose="020F0502020204030204" pitchFamily="34" charset="0"/>
+              <a:cs typeface="Calibri" panose="020F0502020204030204" pitchFamily="34" charset="0"/>
+            </a:endParaRPr>
+          </a:p>
+        </p:txBody>
+      </p:sp>
+    </p:spTree>
+    <p:extLst>
+      <p:ext uri="{BB962C8B-B14F-4D97-AF65-F5344CB8AC3E}">
+        <p14:creationId xmlns:p14="http://schemas.microsoft.com/office/powerpoint/2010/main" val="545311591"/>
+      </p:ext>
+    </p:extLst>
+  </p:cSld>
+  <p:clrMapOvr>
+    <a:masterClrMapping/>
+  </p:clrMapOvr>
+  <p:transition spd="med"/>
+</p:sld>
+</file>
+
+<file path=ppt/slides/slide39.xml><?xml version="1.0" encoding="utf-8"?>
+<p:sld xmlns:a="http://schemas.openxmlformats.org/drawingml/2006/main" xmlns:r="http://schemas.openxmlformats.org/officeDocument/2006/relationships" xmlns:p="http://schemas.openxmlformats.org/presentationml/2006/main">
+  <p:cSld>
+    <p:spTree>
+      <p:nvGrpSpPr>
+        <p:cNvPr id="1" name=""/>
+        <p:cNvGrpSpPr/>
+        <p:nvPr/>
+      </p:nvGrpSpPr>
+      <p:grpSpPr>
+        <a:xfrm>
+          <a:off x="0" y="0"/>
+          <a:ext cx="0" cy="0"/>
+          <a:chOff x="0" y="0"/>
+          <a:chExt cx="0" cy="0"/>
+        </a:xfrm>
+      </p:grpSpPr>
+      <p:sp>
+        <p:nvSpPr>
+          <p:cNvPr id="150" name="Types in Typescript"/>
+          <p:cNvSpPr txBox="1">
+            <a:spLocks noGrp="1"/>
+          </p:cNvSpPr>
+          <p:nvPr>
+            <p:ph type="title"/>
+          </p:nvPr>
+        </p:nvSpPr>
+        <p:spPr>
+          <a:prstGeom prst="rect">
+            <a:avLst/>
+          </a:prstGeom>
+        </p:spPr>
+        <p:txBody>
+          <a:bodyPr>
+            <a:normAutofit/>
+          </a:bodyPr>
+          <a:lstStyle/>
+          <a:p>
+            <a:r>
+              <a:rPr lang="en-US" sz="4000" dirty="0">
+                <a:latin typeface="Calibri" panose="020F0502020204030204" pitchFamily="34" charset="0"/>
+                <a:cs typeface="Calibri" panose="020F0502020204030204" pitchFamily="34" charset="0"/>
+              </a:rPr>
+              <a:t>Example</a:t>
+            </a:r>
+            <a:endParaRPr sz="4000" dirty="0">
+              <a:latin typeface="Calibri" panose="020F0502020204030204" pitchFamily="34" charset="0"/>
+              <a:cs typeface="Calibri" panose="020F0502020204030204" pitchFamily="34" charset="0"/>
+            </a:endParaRPr>
+          </a:p>
+        </p:txBody>
+      </p:sp>
+      <p:sp>
+        <p:nvSpPr>
+          <p:cNvPr id="151" name="Union is a sort of sum, or set union:…"/>
+          <p:cNvSpPr txBox="1">
+            <a:spLocks noGrp="1"/>
+          </p:cNvSpPr>
+          <p:nvPr>
+            <p:ph type="body" idx="1"/>
+          </p:nvPr>
+        </p:nvSpPr>
+        <p:spPr>
+          <a:xfrm>
+            <a:off x="952500" y="2590800"/>
+            <a:ext cx="11099800" cy="6286500"/>
+          </a:xfrm>
+          <a:prstGeom prst="rect">
+            <a:avLst/>
+          </a:prstGeom>
+        </p:spPr>
+        <p:txBody>
+          <a:bodyPr anchor="t">
+            <a:noAutofit/>
+          </a:bodyPr>
+          <a:lstStyle/>
+          <a:p>
+            <a:pPr marL="284479" indent="-284479" defTabSz="292607">
+              <a:lnSpc>
+                <a:spcPts val="3700"/>
+              </a:lnSpc>
+              <a:spcBef>
+                <a:spcPts val="0"/>
+              </a:spcBef>
+              <a:tabLst>
+                <a:tab pos="88900" algn="l"/>
+                <a:tab pos="292100" algn="l"/>
+              </a:tabLst>
+              <a:defRPr sz="2048">
+                <a:latin typeface="Helvetica"/>
+                <a:ea typeface="Helvetica"/>
+                <a:cs typeface="Helvetica"/>
+                <a:sym typeface="Helvetica"/>
+              </a:defRPr>
+            </a:pPr>
+            <a:r>
+              <a:rPr lang="en-US" sz="2000" dirty="0">
+                <a:latin typeface="Calibri" panose="020F0502020204030204" pitchFamily="34" charset="0"/>
+                <a:cs typeface="Calibri" panose="020F0502020204030204" pitchFamily="34" charset="0"/>
+              </a:rPr>
+              <a:t>Demo</a:t>
+            </a:r>
+            <a:endParaRPr lang="en-US" sz="2048" dirty="0">
+              <a:sym typeface="Helvetica"/>
+            </a:endParaRPr>
+          </a:p>
+          <a:p>
+            <a:pPr marL="284479" indent="-284479" defTabSz="292607">
+              <a:lnSpc>
+                <a:spcPts val="3700"/>
+              </a:lnSpc>
+              <a:spcBef>
+                <a:spcPts val="0"/>
+              </a:spcBef>
+              <a:tabLst>
+                <a:tab pos="88900" algn="l"/>
+                <a:tab pos="292100" algn="l"/>
+              </a:tabLst>
+              <a:defRPr sz="2048">
+                <a:latin typeface="Helvetica"/>
+                <a:ea typeface="Helvetica"/>
+                <a:cs typeface="Helvetica"/>
+                <a:sym typeface="Helvetica"/>
+              </a:defRPr>
+            </a:pPr>
+            <a:endParaRPr lang="en-US" sz="2048" dirty="0">
+              <a:sym typeface="Helvetica"/>
+            </a:endParaRPr>
+          </a:p>
+          <a:p>
+            <a:pPr marL="284479" indent="-284479" defTabSz="292607">
+              <a:lnSpc>
+                <a:spcPts val="3700"/>
+              </a:lnSpc>
+              <a:spcBef>
+                <a:spcPts val="0"/>
+              </a:spcBef>
+              <a:tabLst>
+                <a:tab pos="88900" algn="l"/>
+                <a:tab pos="292100" algn="l"/>
+              </a:tabLst>
+              <a:defRPr sz="2048">
+                <a:latin typeface="Helvetica"/>
+                <a:ea typeface="Helvetica"/>
+                <a:cs typeface="Helvetica"/>
+                <a:sym typeface="Helvetica"/>
+              </a:defRPr>
+            </a:pPr>
+            <a:endParaRPr lang="en-US" sz="2048" dirty="0">
+              <a:latin typeface="Calibri" panose="020F0502020204030204" pitchFamily="34" charset="0"/>
+              <a:cs typeface="Calibri" panose="020F0502020204030204" pitchFamily="34" charset="0"/>
+              <a:sym typeface="Helvetica"/>
+            </a:endParaRPr>
+          </a:p>
+          <a:p>
+            <a:pPr marL="284479" indent="-284479" defTabSz="292607">
+              <a:lnSpc>
+                <a:spcPts val="3700"/>
+              </a:lnSpc>
+              <a:spcBef>
+                <a:spcPts val="0"/>
+              </a:spcBef>
+              <a:tabLst>
+                <a:tab pos="88900" algn="l"/>
+                <a:tab pos="292100" algn="l"/>
+              </a:tabLst>
+              <a:defRPr sz="2048">
+                <a:latin typeface="Helvetica"/>
+                <a:ea typeface="Helvetica"/>
+                <a:cs typeface="Helvetica"/>
+                <a:sym typeface="Helvetica"/>
+              </a:defRPr>
+            </a:pPr>
+            <a:endParaRPr lang="en-US" sz="2000" dirty="0">
+              <a:latin typeface="Calibri" panose="020F0502020204030204" pitchFamily="34" charset="0"/>
+              <a:cs typeface="Calibri" panose="020F0502020204030204" pitchFamily="34" charset="0"/>
+            </a:endParaRPr>
+          </a:p>
+        </p:txBody>
+      </p:sp>
+    </p:spTree>
+    <p:extLst>
+      <p:ext uri="{BB962C8B-B14F-4D97-AF65-F5344CB8AC3E}">
+        <p14:creationId xmlns:p14="http://schemas.microsoft.com/office/powerpoint/2010/main" val="2045104322"/>
+      </p:ext>
+    </p:extLst>
+  </p:cSld>
+  <p:clrMapOvr>
+    <a:masterClrMapping/>
+  </p:clrMapOvr>
+  <p:transition spd="med"/>
+</p:sld>
+</file>
+
 <file path=ppt/slides/slide4.xml><?xml version="1.0" encoding="utf-8"?>
 <p:sld xmlns:a="http://schemas.openxmlformats.org/drawingml/2006/main" xmlns:r="http://schemas.openxmlformats.org/officeDocument/2006/relationships" xmlns:p="http://schemas.openxmlformats.org/presentationml/2006/main">
   <p:cSld>
@@ -10130,7 +13790,7 @@
           </a:ln>
           <a:extLst>
             <a:ext uri="{C572A759-6A51-4108-AA02-DFA0A04FC94B}">
-              <ma14:wrappingTextBoxFlag xmlns="" xmlns:ma14="http://schemas.microsoft.com/office/mac/drawingml/2011/main" val="1"/>
+              <ma14:wrappingTextBoxFlag xmlns:ma14="http://schemas.microsoft.com/office/mac/drawingml/2011/main" xmlns="" val="1"/>
             </a:ext>
           </a:extLst>
         </p:spPr>
@@ -10533,7 +14193,7 @@
           </a:ln>
           <a:extLst>
             <a:ext uri="{C572A759-6A51-4108-AA02-DFA0A04FC94B}">
-              <ma14:wrappingTextBoxFlag xmlns="" xmlns:ma14="http://schemas.microsoft.com/office/mac/drawingml/2011/main" val="1"/>
+              <ma14:wrappingTextBoxFlag xmlns:ma14="http://schemas.microsoft.com/office/mac/drawingml/2011/main" xmlns="" val="1"/>
             </a:ext>
           </a:extLst>
         </p:spPr>
@@ -10568,7 +14228,7 @@
           </a:ln>
           <a:extLst>
             <a:ext uri="{C572A759-6A51-4108-AA02-DFA0A04FC94B}">
-              <ma14:wrappingTextBoxFlag xmlns="" xmlns:ma14="http://schemas.microsoft.com/office/mac/drawingml/2011/main" val="1"/>
+              <ma14:wrappingTextBoxFlag xmlns:ma14="http://schemas.microsoft.com/office/mac/drawingml/2011/main" xmlns="" val="1"/>
             </a:ext>
           </a:extLst>
         </p:spPr>
